--- a/聊天室之訊息加密= =.pptx
+++ b/聊天室之訊息加密= =.pptx
@@ -2,14 +2,18 @@
 <file path=ppt/presentation.xml><?xml version="1.0" encoding="utf-8"?>
 <p:presentation xmlns:a="http://schemas.openxmlformats.org/drawingml/2006/main" xmlns:r="http://schemas.openxmlformats.org/officeDocument/2006/relationships" xmlns:p="http://schemas.openxmlformats.org/presentationml/2006/main" saveSubsetFonts="1">
   <p:sldMasterIdLst>
-    <p:sldMasterId id="2147483648" r:id="rId1"/>
+    <p:sldMasterId id="2147483660" r:id="rId1"/>
   </p:sldMasterIdLst>
   <p:sldIdLst>
     <p:sldId id="256" r:id="rId2"/>
     <p:sldId id="257" r:id="rId3"/>
     <p:sldId id="258" r:id="rId4"/>
     <p:sldId id="259" r:id="rId5"/>
-    <p:sldId id="260" r:id="rId6"/>
+    <p:sldId id="263" r:id="rId6"/>
+    <p:sldId id="264" r:id="rId7"/>
+    <p:sldId id="260" r:id="rId8"/>
+    <p:sldId id="261" r:id="rId9"/>
+    <p:sldId id="262" r:id="rId10"/>
   </p:sldIdLst>
   <p:sldSz cx="12192000" cy="6858000"/>
   <p:notesSz cx="6858000" cy="9144000"/>
@@ -135,7 +139,7 @@
       </p:grpSpPr>
       <p:sp>
         <p:nvSpPr>
-          <p:cNvPr id="2" name="標題 1"/>
+          <p:cNvPr id="2" name="Title 1"/>
           <p:cNvSpPr>
             <a:spLocks noGrp="1"/>
           </p:cNvSpPr>
@@ -145,15 +149,32 @@
         </p:nvSpPr>
         <p:spPr>
           <a:xfrm>
-            <a:off x="1524000" y="1122363"/>
-            <a:ext cx="9144000" cy="2387600"/>
+            <a:off x="1751012" y="609601"/>
+            <a:ext cx="8676222" cy="3200400"/>
           </a:xfrm>
         </p:spPr>
         <p:txBody>
-          <a:bodyPr anchor="b"/>
+          <a:bodyPr anchor="b">
+            <a:normAutofit/>
+          </a:bodyPr>
           <a:lstStyle>
             <a:lvl1pPr algn="ctr">
-              <a:defRPr sz="6000"/>
+              <a:defRPr sz="4800">
+                <a:effectLst>
+                  <a:glow rad="38100">
+                    <a:schemeClr val="bg1">
+                      <a:lumMod val="65000"/>
+                      <a:lumOff val="35000"/>
+                      <a:alpha val="50000"/>
+                    </a:schemeClr>
+                  </a:glow>
+                  <a:outerShdw blurRad="28575" dist="31750" dir="13200000" algn="tl" rotWithShape="0">
+                    <a:srgbClr val="000000">
+                      <a:alpha val="25000"/>
+                    </a:srgbClr>
+                  </a:outerShdw>
+                </a:effectLst>
+              </a:defRPr>
             </a:lvl1pPr>
           </a:lstStyle>
           <a:p>
@@ -161,13 +182,13 @@
               <a:rPr lang="zh-TW" altLang="en-US" smtClean="0"/>
               <a:t>按一下以編輯母片標題樣式</a:t>
             </a:r>
-            <a:endParaRPr lang="zh-TW" altLang="en-US"/>
-          </a:p>
-        </p:txBody>
-      </p:sp>
-      <p:sp>
-        <p:nvSpPr>
-          <p:cNvPr id="3" name="副標題 2"/>
+            <a:endParaRPr lang="en-US" dirty="0"/>
+          </a:p>
+        </p:txBody>
+      </p:sp>
+      <p:sp>
+        <p:nvSpPr>
+          <p:cNvPr id="3" name="Subtitle 2"/>
           <p:cNvSpPr>
             <a:spLocks noGrp="1"/>
           </p:cNvSpPr>
@@ -177,48 +198,113 @@
         </p:nvSpPr>
         <p:spPr>
           <a:xfrm>
-            <a:off x="1524000" y="3602038"/>
-            <a:ext cx="9144000" cy="1655762"/>
+            <a:off x="1751012" y="3886200"/>
+            <a:ext cx="8676222" cy="1905000"/>
           </a:xfrm>
         </p:spPr>
         <p:txBody>
-          <a:bodyPr/>
+          <a:bodyPr anchor="t">
+            <a:normAutofit/>
+          </a:bodyPr>
           <a:lstStyle>
             <a:lvl1pPr marL="0" indent="0" algn="ctr">
               <a:buNone/>
-              <a:defRPr sz="2400"/>
+              <a:defRPr sz="2100">
+                <a:gradFill flip="none" rotWithShape="1">
+                  <a:gsLst>
+                    <a:gs pos="0">
+                      <a:schemeClr val="tx1"/>
+                    </a:gs>
+                    <a:gs pos="100000">
+                      <a:schemeClr val="tx1">
+                        <a:lumMod val="75000"/>
+                      </a:schemeClr>
+                    </a:gs>
+                  </a:gsLst>
+                  <a:lin ang="5400000" scaled="0"/>
+                  <a:tileRect/>
+                </a:gradFill>
+              </a:defRPr>
             </a:lvl1pPr>
             <a:lvl2pPr marL="457200" indent="0" algn="ctr">
               <a:buNone/>
-              <a:defRPr sz="2000"/>
+              <a:defRPr>
+                <a:solidFill>
+                  <a:schemeClr val="tx1">
+                    <a:tint val="75000"/>
+                  </a:schemeClr>
+                </a:solidFill>
+              </a:defRPr>
             </a:lvl2pPr>
             <a:lvl3pPr marL="914400" indent="0" algn="ctr">
               <a:buNone/>
-              <a:defRPr sz="1800"/>
+              <a:defRPr>
+                <a:solidFill>
+                  <a:schemeClr val="tx1">
+                    <a:tint val="75000"/>
+                  </a:schemeClr>
+                </a:solidFill>
+              </a:defRPr>
             </a:lvl3pPr>
             <a:lvl4pPr marL="1371600" indent="0" algn="ctr">
               <a:buNone/>
-              <a:defRPr sz="1600"/>
+              <a:defRPr>
+                <a:solidFill>
+                  <a:schemeClr val="tx1">
+                    <a:tint val="75000"/>
+                  </a:schemeClr>
+                </a:solidFill>
+              </a:defRPr>
             </a:lvl4pPr>
             <a:lvl5pPr marL="1828800" indent="0" algn="ctr">
               <a:buNone/>
-              <a:defRPr sz="1600"/>
+              <a:defRPr>
+                <a:solidFill>
+                  <a:schemeClr val="tx1">
+                    <a:tint val="75000"/>
+                  </a:schemeClr>
+                </a:solidFill>
+              </a:defRPr>
             </a:lvl5pPr>
             <a:lvl6pPr marL="2286000" indent="0" algn="ctr">
               <a:buNone/>
-              <a:defRPr sz="1600"/>
+              <a:defRPr>
+                <a:solidFill>
+                  <a:schemeClr val="tx1">
+                    <a:tint val="75000"/>
+                  </a:schemeClr>
+                </a:solidFill>
+              </a:defRPr>
             </a:lvl6pPr>
             <a:lvl7pPr marL="2743200" indent="0" algn="ctr">
               <a:buNone/>
-              <a:defRPr sz="1600"/>
+              <a:defRPr>
+                <a:solidFill>
+                  <a:schemeClr val="tx1">
+                    <a:tint val="75000"/>
+                  </a:schemeClr>
+                </a:solidFill>
+              </a:defRPr>
             </a:lvl7pPr>
             <a:lvl8pPr marL="3200400" indent="0" algn="ctr">
               <a:buNone/>
-              <a:defRPr sz="1600"/>
+              <a:defRPr>
+                <a:solidFill>
+                  <a:schemeClr val="tx1">
+                    <a:tint val="75000"/>
+                  </a:schemeClr>
+                </a:solidFill>
+              </a:defRPr>
             </a:lvl8pPr>
             <a:lvl9pPr marL="3657600" indent="0" algn="ctr">
               <a:buNone/>
-              <a:defRPr sz="1600"/>
+              <a:defRPr>
+                <a:solidFill>
+                  <a:schemeClr val="tx1">
+                    <a:tint val="75000"/>
+                  </a:schemeClr>
+                </a:solidFill>
+              </a:defRPr>
             </a:lvl9pPr>
           </a:lstStyle>
           <a:p>
@@ -226,13 +312,13 @@
               <a:rPr lang="zh-TW" altLang="en-US" smtClean="0"/>
               <a:t>按一下以編輯母片副標題樣式</a:t>
             </a:r>
-            <a:endParaRPr lang="zh-TW" altLang="en-US"/>
-          </a:p>
-        </p:txBody>
-      </p:sp>
-      <p:sp>
-        <p:nvSpPr>
-          <p:cNvPr id="4" name="日期版面配置區 3"/>
+            <a:endParaRPr lang="en-US" dirty="0"/>
+          </a:p>
+        </p:txBody>
+      </p:sp>
+      <p:sp>
+        <p:nvSpPr>
+          <p:cNvPr id="4" name="Date Placeholder 3"/>
           <p:cNvSpPr>
             <a:spLocks noGrp="1"/>
           </p:cNvSpPr>
@@ -247,7 +333,7 @@
           <a:p>
             <a:fld id="{4A96DD15-C290-4C09-A75B-3A57087BD85C}" type="datetimeFigureOut">
               <a:rPr lang="zh-TW" altLang="en-US" smtClean="0"/>
-              <a:t>2019/12/28</a:t>
+              <a:t>2019/12/31</a:t>
             </a:fld>
             <a:endParaRPr lang="zh-TW" altLang="en-US"/>
           </a:p>
@@ -255,7 +341,7 @@
       </p:sp>
       <p:sp>
         <p:nvSpPr>
-          <p:cNvPr id="5" name="頁尾版面配置區 4"/>
+          <p:cNvPr id="5" name="Footer Placeholder 4"/>
           <p:cNvSpPr>
             <a:spLocks noGrp="1"/>
           </p:cNvSpPr>
@@ -274,7 +360,7 @@
       </p:sp>
       <p:sp>
         <p:nvSpPr>
-          <p:cNvPr id="6" name="投影片編號版面配置區 5"/>
+          <p:cNvPr id="6" name="Slide Number Placeholder 5"/>
           <p:cNvSpPr>
             <a:spLocks noGrp="1"/>
           </p:cNvSpPr>
@@ -298,7 +384,7 @@
     </p:spTree>
     <p:extLst>
       <p:ext uri="{BB962C8B-B14F-4D97-AF65-F5344CB8AC3E}">
-        <p14:creationId xmlns:p14="http://schemas.microsoft.com/office/powerpoint/2010/main" val="3607135492"/>
+        <p14:creationId xmlns:p14="http://schemas.microsoft.com/office/powerpoint/2010/main" val="444164343"/>
       </p:ext>
     </p:extLst>
   </p:cSld>
@@ -309,6 +395,2113 @@
 </file>
 
 <file path=ppt/slideLayouts/slideLayout10.xml><?xml version="1.0" encoding="utf-8"?>
+<p:sldLayout xmlns:a="http://schemas.openxmlformats.org/drawingml/2006/main" xmlns:r="http://schemas.openxmlformats.org/officeDocument/2006/relationships" xmlns:p="http://schemas.openxmlformats.org/presentationml/2006/main" preserve="1">
+  <p:cSld name="全景圖片 (含標題)">
+    <p:spTree>
+      <p:nvGrpSpPr>
+        <p:cNvPr id="1" name=""/>
+        <p:cNvGrpSpPr/>
+        <p:nvPr/>
+      </p:nvGrpSpPr>
+      <p:grpSpPr>
+        <a:xfrm>
+          <a:off x="0" y="0"/>
+          <a:ext cx="0" cy="0"/>
+          <a:chOff x="0" y="0"/>
+          <a:chExt cx="0" cy="0"/>
+        </a:xfrm>
+      </p:grpSpPr>
+      <p:sp>
+        <p:nvSpPr>
+          <p:cNvPr id="2" name="Title 1"/>
+          <p:cNvSpPr>
+            <a:spLocks noGrp="1"/>
+          </p:cNvSpPr>
+          <p:nvPr>
+            <p:ph type="title"/>
+          </p:nvPr>
+        </p:nvSpPr>
+        <p:spPr>
+          <a:xfrm>
+            <a:off x="1141413" y="4732865"/>
+            <a:ext cx="9906000" cy="566738"/>
+          </a:xfrm>
+        </p:spPr>
+        <p:txBody>
+          <a:bodyPr anchor="b">
+            <a:normAutofit/>
+          </a:bodyPr>
+          <a:lstStyle>
+            <a:lvl1pPr algn="l">
+              <a:defRPr sz="2400" b="0"/>
+            </a:lvl1pPr>
+          </a:lstStyle>
+          <a:p>
+            <a:r>
+              <a:rPr lang="zh-TW" altLang="en-US" smtClean="0"/>
+              <a:t>按一下以編輯母片標題樣式</a:t>
+            </a:r>
+            <a:endParaRPr lang="en-US" dirty="0"/>
+          </a:p>
+        </p:txBody>
+      </p:sp>
+      <p:sp>
+        <p:nvSpPr>
+          <p:cNvPr id="3" name="Picture Placeholder 2"/>
+          <p:cNvSpPr>
+            <a:spLocks noGrp="1" noChangeAspect="1"/>
+          </p:cNvSpPr>
+          <p:nvPr>
+            <p:ph type="pic" idx="1"/>
+          </p:nvPr>
+        </p:nvSpPr>
+        <p:spPr>
+          <a:xfrm>
+            <a:off x="1979612" y="932112"/>
+            <a:ext cx="8225944" cy="3164976"/>
+          </a:xfrm>
+          <a:prstGeom prst="roundRect">
+            <a:avLst>
+              <a:gd name="adj" fmla="val 4380"/>
+            </a:avLst>
+          </a:prstGeom>
+          <a:ln w="38100">
+            <a:gradFill flip="none" rotWithShape="1">
+              <a:gsLst>
+                <a:gs pos="0">
+                  <a:schemeClr val="bg2"/>
+                </a:gs>
+                <a:gs pos="100000">
+                  <a:schemeClr val="bg2">
+                    <a:lumMod val="75000"/>
+                  </a:schemeClr>
+                </a:gs>
+              </a:gsLst>
+              <a:lin ang="5400000" scaled="0"/>
+              <a:tileRect/>
+            </a:gradFill>
+          </a:ln>
+          <a:effectLst>
+            <a:innerShdw blurRad="57150" dist="38100" dir="14460000">
+              <a:srgbClr val="000000">
+                <a:alpha val="70000"/>
+              </a:srgbClr>
+            </a:innerShdw>
+          </a:effectLst>
+        </p:spPr>
+        <p:txBody>
+          <a:bodyPr anchor="t">
+            <a:normAutofit/>
+          </a:bodyPr>
+          <a:lstStyle>
+            <a:lvl1pPr marL="0" indent="0" algn="ctr">
+              <a:buNone/>
+              <a:defRPr sz="1600"/>
+            </a:lvl1pPr>
+            <a:lvl2pPr marL="457200" indent="0">
+              <a:buNone/>
+              <a:defRPr sz="1600"/>
+            </a:lvl2pPr>
+            <a:lvl3pPr marL="914400" indent="0">
+              <a:buNone/>
+              <a:defRPr sz="1600"/>
+            </a:lvl3pPr>
+            <a:lvl4pPr marL="1371600" indent="0">
+              <a:buNone/>
+              <a:defRPr sz="1600"/>
+            </a:lvl4pPr>
+            <a:lvl5pPr marL="1828800" indent="0">
+              <a:buNone/>
+              <a:defRPr sz="1600"/>
+            </a:lvl5pPr>
+            <a:lvl6pPr marL="2286000" indent="0">
+              <a:buNone/>
+              <a:defRPr sz="1600"/>
+            </a:lvl6pPr>
+            <a:lvl7pPr marL="2743200" indent="0">
+              <a:buNone/>
+              <a:defRPr sz="1600"/>
+            </a:lvl7pPr>
+            <a:lvl8pPr marL="3200400" indent="0">
+              <a:buNone/>
+              <a:defRPr sz="1600"/>
+            </a:lvl8pPr>
+            <a:lvl9pPr marL="3657600" indent="0">
+              <a:buNone/>
+              <a:defRPr sz="1600"/>
+            </a:lvl9pPr>
+          </a:lstStyle>
+          <a:p>
+            <a:r>
+              <a:rPr lang="zh-TW" altLang="en-US" smtClean="0"/>
+              <a:t>按一下圖示以新增圖片</a:t>
+            </a:r>
+            <a:endParaRPr lang="en-US" dirty="0"/>
+          </a:p>
+        </p:txBody>
+      </p:sp>
+      <p:sp>
+        <p:nvSpPr>
+          <p:cNvPr id="4" name="Text Placeholder 3"/>
+          <p:cNvSpPr>
+            <a:spLocks noGrp="1"/>
+          </p:cNvSpPr>
+          <p:nvPr>
+            <p:ph type="body" sz="half" idx="2"/>
+          </p:nvPr>
+        </p:nvSpPr>
+        <p:spPr>
+          <a:xfrm>
+            <a:off x="1141413" y="5299603"/>
+            <a:ext cx="9906000" cy="493712"/>
+          </a:xfrm>
+        </p:spPr>
+        <p:txBody>
+          <a:bodyPr>
+            <a:normAutofit/>
+          </a:bodyPr>
+          <a:lstStyle>
+            <a:lvl1pPr marL="0" indent="0">
+              <a:buNone/>
+              <a:defRPr sz="1400"/>
+            </a:lvl1pPr>
+            <a:lvl2pPr marL="457200" indent="0">
+              <a:buNone/>
+              <a:defRPr sz="1200"/>
+            </a:lvl2pPr>
+            <a:lvl3pPr marL="914400" indent="0">
+              <a:buNone/>
+              <a:defRPr sz="1000"/>
+            </a:lvl3pPr>
+            <a:lvl4pPr marL="1371600" indent="0">
+              <a:buNone/>
+              <a:defRPr sz="900"/>
+            </a:lvl4pPr>
+            <a:lvl5pPr marL="1828800" indent="0">
+              <a:buNone/>
+              <a:defRPr sz="900"/>
+            </a:lvl5pPr>
+            <a:lvl6pPr marL="2286000" indent="0">
+              <a:buNone/>
+              <a:defRPr sz="900"/>
+            </a:lvl6pPr>
+            <a:lvl7pPr marL="2743200" indent="0">
+              <a:buNone/>
+              <a:defRPr sz="900"/>
+            </a:lvl7pPr>
+            <a:lvl8pPr marL="3200400" indent="0">
+              <a:buNone/>
+              <a:defRPr sz="900"/>
+            </a:lvl8pPr>
+            <a:lvl9pPr marL="3657600" indent="0">
+              <a:buNone/>
+              <a:defRPr sz="900"/>
+            </a:lvl9pPr>
+          </a:lstStyle>
+          <a:p>
+            <a:pPr lvl="0"/>
+            <a:r>
+              <a:rPr lang="zh-TW" altLang="en-US" smtClean="0"/>
+              <a:t>編輯母片文字樣式</a:t>
+            </a:r>
+          </a:p>
+        </p:txBody>
+      </p:sp>
+      <p:sp>
+        <p:nvSpPr>
+          <p:cNvPr id="5" name="Date Placeholder 4"/>
+          <p:cNvSpPr>
+            <a:spLocks noGrp="1"/>
+          </p:cNvSpPr>
+          <p:nvPr>
+            <p:ph type="dt" sz="half" idx="10"/>
+          </p:nvPr>
+        </p:nvSpPr>
+        <p:spPr/>
+        <p:txBody>
+          <a:bodyPr/>
+          <a:lstStyle/>
+          <a:p>
+            <a:fld id="{4A96DD15-C290-4C09-A75B-3A57087BD85C}" type="datetimeFigureOut">
+              <a:rPr lang="zh-TW" altLang="en-US" smtClean="0"/>
+              <a:t>2019/12/31</a:t>
+            </a:fld>
+            <a:endParaRPr lang="zh-TW" altLang="en-US"/>
+          </a:p>
+        </p:txBody>
+      </p:sp>
+      <p:sp>
+        <p:nvSpPr>
+          <p:cNvPr id="6" name="Footer Placeholder 5"/>
+          <p:cNvSpPr>
+            <a:spLocks noGrp="1"/>
+          </p:cNvSpPr>
+          <p:nvPr>
+            <p:ph type="ftr" sz="quarter" idx="11"/>
+          </p:nvPr>
+        </p:nvSpPr>
+        <p:spPr/>
+        <p:txBody>
+          <a:bodyPr/>
+          <a:lstStyle/>
+          <a:p>
+            <a:endParaRPr lang="zh-TW" altLang="en-US"/>
+          </a:p>
+        </p:txBody>
+      </p:sp>
+      <p:sp>
+        <p:nvSpPr>
+          <p:cNvPr id="7" name="Slide Number Placeholder 6"/>
+          <p:cNvSpPr>
+            <a:spLocks noGrp="1"/>
+          </p:cNvSpPr>
+          <p:nvPr>
+            <p:ph type="sldNum" sz="quarter" idx="12"/>
+          </p:nvPr>
+        </p:nvSpPr>
+        <p:spPr/>
+        <p:txBody>
+          <a:bodyPr/>
+          <a:lstStyle/>
+          <a:p>
+            <a:fld id="{6FB2D222-3859-4E31-872A-6BB8A0B82D6B}" type="slidenum">
+              <a:rPr lang="zh-TW" altLang="en-US" smtClean="0"/>
+              <a:t>‹#›</a:t>
+            </a:fld>
+            <a:endParaRPr lang="zh-TW" altLang="en-US"/>
+          </a:p>
+        </p:txBody>
+      </p:sp>
+    </p:spTree>
+    <p:extLst>
+      <p:ext uri="{BB962C8B-B14F-4D97-AF65-F5344CB8AC3E}">
+        <p14:creationId xmlns:p14="http://schemas.microsoft.com/office/powerpoint/2010/main" val="1205076930"/>
+      </p:ext>
+    </p:extLst>
+  </p:cSld>
+  <p:clrMapOvr>
+    <a:masterClrMapping/>
+  </p:clrMapOvr>
+</p:sldLayout>
+</file>
+
+<file path=ppt/slideLayouts/slideLayout11.xml><?xml version="1.0" encoding="utf-8"?>
+<p:sldLayout xmlns:a="http://schemas.openxmlformats.org/drawingml/2006/main" xmlns:r="http://schemas.openxmlformats.org/officeDocument/2006/relationships" xmlns:p="http://schemas.openxmlformats.org/presentationml/2006/main" preserve="1">
+  <p:cSld name="標題與說明文字">
+    <p:spTree>
+      <p:nvGrpSpPr>
+        <p:cNvPr id="1" name=""/>
+        <p:cNvGrpSpPr/>
+        <p:nvPr/>
+      </p:nvGrpSpPr>
+      <p:grpSpPr>
+        <a:xfrm>
+          <a:off x="0" y="0"/>
+          <a:ext cx="0" cy="0"/>
+          <a:chOff x="0" y="0"/>
+          <a:chExt cx="0" cy="0"/>
+        </a:xfrm>
+      </p:grpSpPr>
+      <p:sp>
+        <p:nvSpPr>
+          <p:cNvPr id="2" name="Title 1"/>
+          <p:cNvSpPr>
+            <a:spLocks noGrp="1"/>
+          </p:cNvSpPr>
+          <p:nvPr>
+            <p:ph type="title"/>
+          </p:nvPr>
+        </p:nvSpPr>
+        <p:spPr>
+          <a:xfrm>
+            <a:off x="1141412" y="609601"/>
+            <a:ext cx="9905999" cy="3124199"/>
+          </a:xfrm>
+        </p:spPr>
+        <p:txBody>
+          <a:bodyPr anchor="ctr">
+            <a:normAutofit/>
+          </a:bodyPr>
+          <a:lstStyle>
+            <a:lvl1pPr algn="l">
+              <a:defRPr sz="3200" b="0" cap="all"/>
+            </a:lvl1pPr>
+          </a:lstStyle>
+          <a:p>
+            <a:r>
+              <a:rPr lang="zh-TW" altLang="en-US" smtClean="0"/>
+              <a:t>按一下以編輯母片標題樣式</a:t>
+            </a:r>
+            <a:endParaRPr lang="en-US" dirty="0"/>
+          </a:p>
+        </p:txBody>
+      </p:sp>
+      <p:sp>
+        <p:nvSpPr>
+          <p:cNvPr id="3" name="Text Placeholder 2"/>
+          <p:cNvSpPr>
+            <a:spLocks noGrp="1"/>
+          </p:cNvSpPr>
+          <p:nvPr>
+            <p:ph type="body" idx="1"/>
+          </p:nvPr>
+        </p:nvSpPr>
+        <p:spPr>
+          <a:xfrm>
+            <a:off x="1141411" y="4343400"/>
+            <a:ext cx="9906000" cy="1447800"/>
+          </a:xfrm>
+        </p:spPr>
+        <p:txBody>
+          <a:bodyPr anchor="ctr">
+            <a:normAutofit/>
+          </a:bodyPr>
+          <a:lstStyle>
+            <a:lvl1pPr marL="0" indent="0" algn="l">
+              <a:buNone/>
+              <a:defRPr sz="2000">
+                <a:gradFill flip="none" rotWithShape="1">
+                  <a:gsLst>
+                    <a:gs pos="0">
+                      <a:schemeClr val="tx1"/>
+                    </a:gs>
+                    <a:gs pos="100000">
+                      <a:schemeClr val="tx1">
+                        <a:lumMod val="75000"/>
+                      </a:schemeClr>
+                    </a:gs>
+                  </a:gsLst>
+                  <a:lin ang="5400000" scaled="0"/>
+                  <a:tileRect/>
+                </a:gradFill>
+              </a:defRPr>
+            </a:lvl1pPr>
+            <a:lvl2pPr marL="457200" indent="0">
+              <a:buNone/>
+              <a:defRPr sz="1800">
+                <a:solidFill>
+                  <a:schemeClr val="tx1">
+                    <a:tint val="75000"/>
+                  </a:schemeClr>
+                </a:solidFill>
+              </a:defRPr>
+            </a:lvl2pPr>
+            <a:lvl3pPr marL="914400" indent="0">
+              <a:buNone/>
+              <a:defRPr sz="1600">
+                <a:solidFill>
+                  <a:schemeClr val="tx1">
+                    <a:tint val="75000"/>
+                  </a:schemeClr>
+                </a:solidFill>
+              </a:defRPr>
+            </a:lvl3pPr>
+            <a:lvl4pPr marL="1371600" indent="0">
+              <a:buNone/>
+              <a:defRPr sz="1400">
+                <a:solidFill>
+                  <a:schemeClr val="tx1">
+                    <a:tint val="75000"/>
+                  </a:schemeClr>
+                </a:solidFill>
+              </a:defRPr>
+            </a:lvl4pPr>
+            <a:lvl5pPr marL="1828800" indent="0">
+              <a:buNone/>
+              <a:defRPr sz="1400">
+                <a:solidFill>
+                  <a:schemeClr val="tx1">
+                    <a:tint val="75000"/>
+                  </a:schemeClr>
+                </a:solidFill>
+              </a:defRPr>
+            </a:lvl5pPr>
+            <a:lvl6pPr marL="2286000" indent="0">
+              <a:buNone/>
+              <a:defRPr sz="1400">
+                <a:solidFill>
+                  <a:schemeClr val="tx1">
+                    <a:tint val="75000"/>
+                  </a:schemeClr>
+                </a:solidFill>
+              </a:defRPr>
+            </a:lvl6pPr>
+            <a:lvl7pPr marL="2743200" indent="0">
+              <a:buNone/>
+              <a:defRPr sz="1400">
+                <a:solidFill>
+                  <a:schemeClr val="tx1">
+                    <a:tint val="75000"/>
+                  </a:schemeClr>
+                </a:solidFill>
+              </a:defRPr>
+            </a:lvl7pPr>
+            <a:lvl8pPr marL="3200400" indent="0">
+              <a:buNone/>
+              <a:defRPr sz="1400">
+                <a:solidFill>
+                  <a:schemeClr val="tx1">
+                    <a:tint val="75000"/>
+                  </a:schemeClr>
+                </a:solidFill>
+              </a:defRPr>
+            </a:lvl8pPr>
+            <a:lvl9pPr marL="3657600" indent="0">
+              <a:buNone/>
+              <a:defRPr sz="1400">
+                <a:solidFill>
+                  <a:schemeClr val="tx1">
+                    <a:tint val="75000"/>
+                  </a:schemeClr>
+                </a:solidFill>
+              </a:defRPr>
+            </a:lvl9pPr>
+          </a:lstStyle>
+          <a:p>
+            <a:pPr lvl="0"/>
+            <a:r>
+              <a:rPr lang="zh-TW" altLang="en-US" smtClean="0"/>
+              <a:t>編輯母片文字樣式</a:t>
+            </a:r>
+          </a:p>
+        </p:txBody>
+      </p:sp>
+      <p:sp>
+        <p:nvSpPr>
+          <p:cNvPr id="4" name="Date Placeholder 3"/>
+          <p:cNvSpPr>
+            <a:spLocks noGrp="1"/>
+          </p:cNvSpPr>
+          <p:nvPr>
+            <p:ph type="dt" sz="half" idx="10"/>
+          </p:nvPr>
+        </p:nvSpPr>
+        <p:spPr/>
+        <p:txBody>
+          <a:bodyPr/>
+          <a:lstStyle/>
+          <a:p>
+            <a:fld id="{4A96DD15-C290-4C09-A75B-3A57087BD85C}" type="datetimeFigureOut">
+              <a:rPr lang="zh-TW" altLang="en-US" smtClean="0"/>
+              <a:t>2019/12/31</a:t>
+            </a:fld>
+            <a:endParaRPr lang="zh-TW" altLang="en-US"/>
+          </a:p>
+        </p:txBody>
+      </p:sp>
+      <p:sp>
+        <p:nvSpPr>
+          <p:cNvPr id="5" name="Footer Placeholder 4"/>
+          <p:cNvSpPr>
+            <a:spLocks noGrp="1"/>
+          </p:cNvSpPr>
+          <p:nvPr>
+            <p:ph type="ftr" sz="quarter" idx="11"/>
+          </p:nvPr>
+        </p:nvSpPr>
+        <p:spPr/>
+        <p:txBody>
+          <a:bodyPr/>
+          <a:lstStyle/>
+          <a:p>
+            <a:endParaRPr lang="zh-TW" altLang="en-US"/>
+          </a:p>
+        </p:txBody>
+      </p:sp>
+      <p:sp>
+        <p:nvSpPr>
+          <p:cNvPr id="6" name="Slide Number Placeholder 5"/>
+          <p:cNvSpPr>
+            <a:spLocks noGrp="1"/>
+          </p:cNvSpPr>
+          <p:nvPr>
+            <p:ph type="sldNum" sz="quarter" idx="12"/>
+          </p:nvPr>
+        </p:nvSpPr>
+        <p:spPr/>
+        <p:txBody>
+          <a:bodyPr/>
+          <a:lstStyle/>
+          <a:p>
+            <a:fld id="{6FB2D222-3859-4E31-872A-6BB8A0B82D6B}" type="slidenum">
+              <a:rPr lang="zh-TW" altLang="en-US" smtClean="0"/>
+              <a:t>‹#›</a:t>
+            </a:fld>
+            <a:endParaRPr lang="zh-TW" altLang="en-US"/>
+          </a:p>
+        </p:txBody>
+      </p:sp>
+    </p:spTree>
+    <p:extLst>
+      <p:ext uri="{BB962C8B-B14F-4D97-AF65-F5344CB8AC3E}">
+        <p14:creationId xmlns:p14="http://schemas.microsoft.com/office/powerpoint/2010/main" val="1903268318"/>
+      </p:ext>
+    </p:extLst>
+  </p:cSld>
+  <p:clrMapOvr>
+    <a:masterClrMapping/>
+  </p:clrMapOvr>
+</p:sldLayout>
+</file>
+
+<file path=ppt/slideLayouts/slideLayout12.xml><?xml version="1.0" encoding="utf-8"?>
+<p:sldLayout xmlns:a="http://schemas.openxmlformats.org/drawingml/2006/main" xmlns:r="http://schemas.openxmlformats.org/officeDocument/2006/relationships" xmlns:p="http://schemas.openxmlformats.org/presentationml/2006/main" preserve="1">
+  <p:cSld name="引述 (含標題)">
+    <p:spTree>
+      <p:nvGrpSpPr>
+        <p:cNvPr id="1" name=""/>
+        <p:cNvGrpSpPr/>
+        <p:nvPr/>
+      </p:nvGrpSpPr>
+      <p:grpSpPr>
+        <a:xfrm>
+          <a:off x="0" y="0"/>
+          <a:ext cx="0" cy="0"/>
+          <a:chOff x="0" y="0"/>
+          <a:chExt cx="0" cy="0"/>
+        </a:xfrm>
+      </p:grpSpPr>
+      <p:sp>
+        <p:nvSpPr>
+          <p:cNvPr id="14" name="TextBox 13"/>
+          <p:cNvSpPr txBox="1"/>
+          <p:nvPr/>
+        </p:nvSpPr>
+        <p:spPr>
+          <a:xfrm>
+            <a:off x="836612" y="786824"/>
+            <a:ext cx="609600" cy="584776"/>
+          </a:xfrm>
+          <a:prstGeom prst="rect">
+            <a:avLst/>
+          </a:prstGeom>
+        </p:spPr>
+        <p:txBody>
+          <a:bodyPr vert="horz" lIns="91440" tIns="45720" rIns="91440" bIns="45720" rtlCol="0" anchor="ctr">
+            <a:noAutofit/>
+          </a:bodyPr>
+          <a:lstStyle>
+            <a:lvl1pPr>
+              <a:spcBef>
+                <a:spcPct val="0"/>
+              </a:spcBef>
+              <a:buNone/>
+              <a:defRPr sz="3200" b="0" cap="all">
+                <a:ln w="3175" cmpd="sng">
+                  <a:noFill/>
+                </a:ln>
+                <a:effectLst>
+                  <a:glow rad="38100">
+                    <a:schemeClr val="bg1">
+                      <a:lumMod val="65000"/>
+                      <a:lumOff val="35000"/>
+                      <a:alpha val="40000"/>
+                    </a:schemeClr>
+                  </a:glow>
+                  <a:outerShdw blurRad="28575" dist="38100" dir="14040000" algn="tl" rotWithShape="0">
+                    <a:srgbClr val="000000">
+                      <a:alpha val="25000"/>
+                    </a:srgbClr>
+                  </a:outerShdw>
+                </a:effectLst>
+              </a:defRPr>
+            </a:lvl1pPr>
+            <a:lvl2pPr>
+              <a:defRPr>
+                <a:solidFill>
+                  <a:schemeClr val="tx2"/>
+                </a:solidFill>
+              </a:defRPr>
+            </a:lvl2pPr>
+            <a:lvl3pPr>
+              <a:defRPr>
+                <a:solidFill>
+                  <a:schemeClr val="tx2"/>
+                </a:solidFill>
+              </a:defRPr>
+            </a:lvl3pPr>
+            <a:lvl4pPr>
+              <a:defRPr>
+                <a:solidFill>
+                  <a:schemeClr val="tx2"/>
+                </a:solidFill>
+              </a:defRPr>
+            </a:lvl4pPr>
+            <a:lvl5pPr>
+              <a:defRPr>
+                <a:solidFill>
+                  <a:schemeClr val="tx2"/>
+                </a:solidFill>
+              </a:defRPr>
+            </a:lvl5pPr>
+            <a:lvl6pPr>
+              <a:defRPr>
+                <a:solidFill>
+                  <a:schemeClr val="tx2"/>
+                </a:solidFill>
+              </a:defRPr>
+            </a:lvl6pPr>
+            <a:lvl7pPr>
+              <a:defRPr>
+                <a:solidFill>
+                  <a:schemeClr val="tx2"/>
+                </a:solidFill>
+              </a:defRPr>
+            </a:lvl7pPr>
+            <a:lvl8pPr>
+              <a:defRPr>
+                <a:solidFill>
+                  <a:schemeClr val="tx2"/>
+                </a:solidFill>
+              </a:defRPr>
+            </a:lvl8pPr>
+            <a:lvl9pPr>
+              <a:defRPr>
+                <a:solidFill>
+                  <a:schemeClr val="tx2"/>
+                </a:solidFill>
+              </a:defRPr>
+            </a:lvl9pPr>
+          </a:lstStyle>
+          <a:p>
+            <a:pPr lvl="0"/>
+            <a:r>
+              <a:rPr lang="en-US" sz="8000" dirty="0">
+                <a:solidFill>
+                  <a:schemeClr val="accent1"/>
+                </a:solidFill>
+              </a:rPr>
+              <a:t>“</a:t>
+            </a:r>
+          </a:p>
+        </p:txBody>
+      </p:sp>
+      <p:sp>
+        <p:nvSpPr>
+          <p:cNvPr id="15" name="TextBox 14"/>
+          <p:cNvSpPr txBox="1"/>
+          <p:nvPr/>
+        </p:nvSpPr>
+        <p:spPr>
+          <a:xfrm>
+            <a:off x="10437812" y="2743200"/>
+            <a:ext cx="609600" cy="584776"/>
+          </a:xfrm>
+          <a:prstGeom prst="rect">
+            <a:avLst/>
+          </a:prstGeom>
+        </p:spPr>
+        <p:txBody>
+          <a:bodyPr vert="horz" lIns="91440" tIns="45720" rIns="91440" bIns="45720" rtlCol="0" anchor="ctr">
+            <a:noAutofit/>
+          </a:bodyPr>
+          <a:lstStyle>
+            <a:lvl1pPr>
+              <a:spcBef>
+                <a:spcPct val="0"/>
+              </a:spcBef>
+              <a:buNone/>
+              <a:defRPr sz="3200" b="0" cap="all">
+                <a:ln w="3175" cmpd="sng">
+                  <a:noFill/>
+                </a:ln>
+                <a:effectLst>
+                  <a:glow rad="38100">
+                    <a:schemeClr val="bg1">
+                      <a:lumMod val="65000"/>
+                      <a:lumOff val="35000"/>
+                      <a:alpha val="40000"/>
+                    </a:schemeClr>
+                  </a:glow>
+                  <a:outerShdw blurRad="28575" dist="38100" dir="14040000" algn="tl" rotWithShape="0">
+                    <a:srgbClr val="000000">
+                      <a:alpha val="25000"/>
+                    </a:srgbClr>
+                  </a:outerShdw>
+                </a:effectLst>
+              </a:defRPr>
+            </a:lvl1pPr>
+            <a:lvl2pPr>
+              <a:defRPr>
+                <a:solidFill>
+                  <a:schemeClr val="tx2"/>
+                </a:solidFill>
+              </a:defRPr>
+            </a:lvl2pPr>
+            <a:lvl3pPr>
+              <a:defRPr>
+                <a:solidFill>
+                  <a:schemeClr val="tx2"/>
+                </a:solidFill>
+              </a:defRPr>
+            </a:lvl3pPr>
+            <a:lvl4pPr>
+              <a:defRPr>
+                <a:solidFill>
+                  <a:schemeClr val="tx2"/>
+                </a:solidFill>
+              </a:defRPr>
+            </a:lvl4pPr>
+            <a:lvl5pPr>
+              <a:defRPr>
+                <a:solidFill>
+                  <a:schemeClr val="tx2"/>
+                </a:solidFill>
+              </a:defRPr>
+            </a:lvl5pPr>
+            <a:lvl6pPr>
+              <a:defRPr>
+                <a:solidFill>
+                  <a:schemeClr val="tx2"/>
+                </a:solidFill>
+              </a:defRPr>
+            </a:lvl6pPr>
+            <a:lvl7pPr>
+              <a:defRPr>
+                <a:solidFill>
+                  <a:schemeClr val="tx2"/>
+                </a:solidFill>
+              </a:defRPr>
+            </a:lvl7pPr>
+            <a:lvl8pPr>
+              <a:defRPr>
+                <a:solidFill>
+                  <a:schemeClr val="tx2"/>
+                </a:solidFill>
+              </a:defRPr>
+            </a:lvl8pPr>
+            <a:lvl9pPr>
+              <a:defRPr>
+                <a:solidFill>
+                  <a:schemeClr val="tx2"/>
+                </a:solidFill>
+              </a:defRPr>
+            </a:lvl9pPr>
+          </a:lstStyle>
+          <a:p>
+            <a:pPr lvl="0" algn="r"/>
+            <a:r>
+              <a:rPr lang="en-US" sz="8000" dirty="0">
+                <a:solidFill>
+                  <a:schemeClr val="accent1"/>
+                </a:solidFill>
+              </a:rPr>
+              <a:t>”</a:t>
+            </a:r>
+          </a:p>
+        </p:txBody>
+      </p:sp>
+      <p:sp>
+        <p:nvSpPr>
+          <p:cNvPr id="2" name="Title 1"/>
+          <p:cNvSpPr>
+            <a:spLocks noGrp="1"/>
+          </p:cNvSpPr>
+          <p:nvPr>
+            <p:ph type="title"/>
+          </p:nvPr>
+        </p:nvSpPr>
+        <p:spPr>
+          <a:xfrm>
+            <a:off x="1446213" y="609601"/>
+            <a:ext cx="9296398" cy="2743199"/>
+          </a:xfrm>
+        </p:spPr>
+        <p:txBody>
+          <a:bodyPr anchor="ctr">
+            <a:normAutofit/>
+          </a:bodyPr>
+          <a:lstStyle>
+            <a:lvl1pPr algn="l">
+              <a:defRPr sz="3200" b="0" cap="all">
+                <a:solidFill>
+                  <a:schemeClr val="tx1"/>
+                </a:solidFill>
+              </a:defRPr>
+            </a:lvl1pPr>
+          </a:lstStyle>
+          <a:p>
+            <a:r>
+              <a:rPr lang="zh-TW" altLang="en-US" smtClean="0"/>
+              <a:t>按一下以編輯母片標題樣式</a:t>
+            </a:r>
+            <a:endParaRPr lang="en-US" dirty="0"/>
+          </a:p>
+        </p:txBody>
+      </p:sp>
+      <p:sp>
+        <p:nvSpPr>
+          <p:cNvPr id="10" name="Text Placeholder 9"/>
+          <p:cNvSpPr>
+            <a:spLocks noGrp="1"/>
+          </p:cNvSpPr>
+          <p:nvPr>
+            <p:ph type="body" sz="quarter" idx="13"/>
+          </p:nvPr>
+        </p:nvSpPr>
+        <p:spPr>
+          <a:xfrm>
+            <a:off x="1674812" y="3352800"/>
+            <a:ext cx="8839202" cy="381000"/>
+          </a:xfrm>
+        </p:spPr>
+        <p:txBody>
+          <a:bodyPr anchor="ctr"/>
+          <a:lstStyle>
+            <a:lvl1pPr marL="0" indent="0">
+              <a:buFontTx/>
+              <a:buNone/>
+              <a:defRPr/>
+            </a:lvl1pPr>
+            <a:lvl2pPr marL="457200" indent="0">
+              <a:buFontTx/>
+              <a:buNone/>
+              <a:defRPr/>
+            </a:lvl2pPr>
+            <a:lvl3pPr marL="914400" indent="0">
+              <a:buFontTx/>
+              <a:buNone/>
+              <a:defRPr/>
+            </a:lvl3pPr>
+            <a:lvl4pPr marL="1371600" indent="0">
+              <a:buFontTx/>
+              <a:buNone/>
+              <a:defRPr/>
+            </a:lvl4pPr>
+            <a:lvl5pPr marL="1828800" indent="0">
+              <a:buFontTx/>
+              <a:buNone/>
+              <a:defRPr/>
+            </a:lvl5pPr>
+          </a:lstStyle>
+          <a:p>
+            <a:pPr lvl="0"/>
+            <a:r>
+              <a:rPr lang="zh-TW" altLang="en-US" smtClean="0"/>
+              <a:t>編輯母片文字樣式</a:t>
+            </a:r>
+          </a:p>
+        </p:txBody>
+      </p:sp>
+      <p:sp>
+        <p:nvSpPr>
+          <p:cNvPr id="3" name="Text Placeholder 2"/>
+          <p:cNvSpPr>
+            <a:spLocks noGrp="1"/>
+          </p:cNvSpPr>
+          <p:nvPr>
+            <p:ph type="body" idx="1"/>
+          </p:nvPr>
+        </p:nvSpPr>
+        <p:spPr>
+          <a:xfrm>
+            <a:off x="1141411" y="4343400"/>
+            <a:ext cx="9906000" cy="1447800"/>
+          </a:xfrm>
+        </p:spPr>
+        <p:txBody>
+          <a:bodyPr vert="horz" lIns="91440" tIns="45720" rIns="91440" bIns="45720" rtlCol="0" anchor="ctr">
+            <a:normAutofit/>
+          </a:bodyPr>
+          <a:lstStyle>
+            <a:lvl1pPr>
+              <a:buNone/>
+              <a:defRPr lang="en-US" sz="2000">
+                <a:gradFill flip="none" rotWithShape="1">
+                  <a:gsLst>
+                    <a:gs pos="0">
+                      <a:schemeClr val="tx1"/>
+                    </a:gs>
+                    <a:gs pos="100000">
+                      <a:schemeClr val="tx1">
+                        <a:lumMod val="75000"/>
+                      </a:schemeClr>
+                    </a:gs>
+                  </a:gsLst>
+                  <a:lin ang="5400000" scaled="0"/>
+                  <a:tileRect/>
+                </a:gradFill>
+              </a:defRPr>
+            </a:lvl1pPr>
+          </a:lstStyle>
+          <a:p>
+            <a:pPr marL="0" lvl="0" indent="0">
+              <a:buNone/>
+            </a:pPr>
+            <a:r>
+              <a:rPr lang="zh-TW" altLang="en-US" smtClean="0"/>
+              <a:t>編輯母片文字樣式</a:t>
+            </a:r>
+          </a:p>
+        </p:txBody>
+      </p:sp>
+      <p:sp>
+        <p:nvSpPr>
+          <p:cNvPr id="4" name="Date Placeholder 3"/>
+          <p:cNvSpPr>
+            <a:spLocks noGrp="1"/>
+          </p:cNvSpPr>
+          <p:nvPr>
+            <p:ph type="dt" sz="half" idx="10"/>
+          </p:nvPr>
+        </p:nvSpPr>
+        <p:spPr/>
+        <p:txBody>
+          <a:bodyPr/>
+          <a:lstStyle/>
+          <a:p>
+            <a:fld id="{4A96DD15-C290-4C09-A75B-3A57087BD85C}" type="datetimeFigureOut">
+              <a:rPr lang="zh-TW" altLang="en-US" smtClean="0"/>
+              <a:t>2019/12/31</a:t>
+            </a:fld>
+            <a:endParaRPr lang="zh-TW" altLang="en-US"/>
+          </a:p>
+        </p:txBody>
+      </p:sp>
+      <p:sp>
+        <p:nvSpPr>
+          <p:cNvPr id="5" name="Footer Placeholder 4"/>
+          <p:cNvSpPr>
+            <a:spLocks noGrp="1"/>
+          </p:cNvSpPr>
+          <p:nvPr>
+            <p:ph type="ftr" sz="quarter" idx="11"/>
+          </p:nvPr>
+        </p:nvSpPr>
+        <p:spPr/>
+        <p:txBody>
+          <a:bodyPr/>
+          <a:lstStyle/>
+          <a:p>
+            <a:endParaRPr lang="zh-TW" altLang="en-US"/>
+          </a:p>
+        </p:txBody>
+      </p:sp>
+      <p:sp>
+        <p:nvSpPr>
+          <p:cNvPr id="6" name="Slide Number Placeholder 5"/>
+          <p:cNvSpPr>
+            <a:spLocks noGrp="1"/>
+          </p:cNvSpPr>
+          <p:nvPr>
+            <p:ph type="sldNum" sz="quarter" idx="12"/>
+          </p:nvPr>
+        </p:nvSpPr>
+        <p:spPr/>
+        <p:txBody>
+          <a:bodyPr/>
+          <a:lstStyle/>
+          <a:p>
+            <a:fld id="{6FB2D222-3859-4E31-872A-6BB8A0B82D6B}" type="slidenum">
+              <a:rPr lang="zh-TW" altLang="en-US" smtClean="0"/>
+              <a:t>‹#›</a:t>
+            </a:fld>
+            <a:endParaRPr lang="zh-TW" altLang="en-US"/>
+          </a:p>
+        </p:txBody>
+      </p:sp>
+    </p:spTree>
+    <p:extLst>
+      <p:ext uri="{BB962C8B-B14F-4D97-AF65-F5344CB8AC3E}">
+        <p14:creationId xmlns:p14="http://schemas.microsoft.com/office/powerpoint/2010/main" val="784518175"/>
+      </p:ext>
+    </p:extLst>
+  </p:cSld>
+  <p:clrMapOvr>
+    <a:masterClrMapping/>
+  </p:clrMapOvr>
+</p:sldLayout>
+</file>
+
+<file path=ppt/slideLayouts/slideLayout13.xml><?xml version="1.0" encoding="utf-8"?>
+<p:sldLayout xmlns:a="http://schemas.openxmlformats.org/drawingml/2006/main" xmlns:r="http://schemas.openxmlformats.org/officeDocument/2006/relationships" xmlns:p="http://schemas.openxmlformats.org/presentationml/2006/main" preserve="1">
+  <p:cSld name="名片">
+    <p:spTree>
+      <p:nvGrpSpPr>
+        <p:cNvPr id="1" name=""/>
+        <p:cNvGrpSpPr/>
+        <p:nvPr/>
+      </p:nvGrpSpPr>
+      <p:grpSpPr>
+        <a:xfrm>
+          <a:off x="0" y="0"/>
+          <a:ext cx="0" cy="0"/>
+          <a:chOff x="0" y="0"/>
+          <a:chExt cx="0" cy="0"/>
+        </a:xfrm>
+      </p:grpSpPr>
+      <p:sp>
+        <p:nvSpPr>
+          <p:cNvPr id="2" name="Title 1"/>
+          <p:cNvSpPr>
+            <a:spLocks noGrp="1"/>
+          </p:cNvSpPr>
+          <p:nvPr>
+            <p:ph type="title"/>
+          </p:nvPr>
+        </p:nvSpPr>
+        <p:spPr>
+          <a:xfrm>
+            <a:off x="1141412" y="3308581"/>
+            <a:ext cx="9906000" cy="1468800"/>
+          </a:xfrm>
+        </p:spPr>
+        <p:txBody>
+          <a:bodyPr anchor="b">
+            <a:normAutofit/>
+          </a:bodyPr>
+          <a:lstStyle>
+            <a:lvl1pPr algn="l">
+              <a:defRPr sz="3200" b="0" cap="all"/>
+            </a:lvl1pPr>
+          </a:lstStyle>
+          <a:p>
+            <a:r>
+              <a:rPr lang="zh-TW" altLang="en-US" smtClean="0"/>
+              <a:t>按一下以編輯母片標題樣式</a:t>
+            </a:r>
+            <a:endParaRPr lang="en-US" dirty="0"/>
+          </a:p>
+        </p:txBody>
+      </p:sp>
+      <p:sp>
+        <p:nvSpPr>
+          <p:cNvPr id="3" name="Text Placeholder 2"/>
+          <p:cNvSpPr>
+            <a:spLocks noGrp="1"/>
+          </p:cNvSpPr>
+          <p:nvPr>
+            <p:ph type="body" idx="1"/>
+          </p:nvPr>
+        </p:nvSpPr>
+        <p:spPr>
+          <a:xfrm>
+            <a:off x="1141410" y="4777381"/>
+            <a:ext cx="9906001" cy="860400"/>
+          </a:xfrm>
+        </p:spPr>
+        <p:txBody>
+          <a:bodyPr vert="horz" lIns="91440" tIns="45720" rIns="91440" bIns="45720" rtlCol="0" anchor="t">
+            <a:normAutofit/>
+          </a:bodyPr>
+          <a:lstStyle>
+            <a:lvl1pPr>
+              <a:defRPr lang="en-US" sz="2000">
+                <a:gradFill flip="none" rotWithShape="1">
+                  <a:gsLst>
+                    <a:gs pos="0">
+                      <a:schemeClr val="tx1"/>
+                    </a:gs>
+                    <a:gs pos="100000">
+                      <a:schemeClr val="tx1">
+                        <a:lumMod val="75000"/>
+                      </a:schemeClr>
+                    </a:gs>
+                  </a:gsLst>
+                  <a:lin ang="5400000" scaled="0"/>
+                  <a:tileRect/>
+                </a:gradFill>
+              </a:defRPr>
+            </a:lvl1pPr>
+          </a:lstStyle>
+          <a:p>
+            <a:pPr marL="0" lvl="0" indent="0">
+              <a:buNone/>
+            </a:pPr>
+            <a:r>
+              <a:rPr lang="zh-TW" altLang="en-US" smtClean="0"/>
+              <a:t>編輯母片文字樣式</a:t>
+            </a:r>
+          </a:p>
+        </p:txBody>
+      </p:sp>
+      <p:sp>
+        <p:nvSpPr>
+          <p:cNvPr id="4" name="Date Placeholder 3"/>
+          <p:cNvSpPr>
+            <a:spLocks noGrp="1"/>
+          </p:cNvSpPr>
+          <p:nvPr>
+            <p:ph type="dt" sz="half" idx="10"/>
+          </p:nvPr>
+        </p:nvSpPr>
+        <p:spPr/>
+        <p:txBody>
+          <a:bodyPr/>
+          <a:lstStyle/>
+          <a:p>
+            <a:fld id="{4A96DD15-C290-4C09-A75B-3A57087BD85C}" type="datetimeFigureOut">
+              <a:rPr lang="zh-TW" altLang="en-US" smtClean="0"/>
+              <a:t>2019/12/31</a:t>
+            </a:fld>
+            <a:endParaRPr lang="zh-TW" altLang="en-US"/>
+          </a:p>
+        </p:txBody>
+      </p:sp>
+      <p:sp>
+        <p:nvSpPr>
+          <p:cNvPr id="5" name="Footer Placeholder 4"/>
+          <p:cNvSpPr>
+            <a:spLocks noGrp="1"/>
+          </p:cNvSpPr>
+          <p:nvPr>
+            <p:ph type="ftr" sz="quarter" idx="11"/>
+          </p:nvPr>
+        </p:nvSpPr>
+        <p:spPr/>
+        <p:txBody>
+          <a:bodyPr/>
+          <a:lstStyle/>
+          <a:p>
+            <a:endParaRPr lang="zh-TW" altLang="en-US"/>
+          </a:p>
+        </p:txBody>
+      </p:sp>
+      <p:sp>
+        <p:nvSpPr>
+          <p:cNvPr id="6" name="Slide Number Placeholder 5"/>
+          <p:cNvSpPr>
+            <a:spLocks noGrp="1"/>
+          </p:cNvSpPr>
+          <p:nvPr>
+            <p:ph type="sldNum" sz="quarter" idx="12"/>
+          </p:nvPr>
+        </p:nvSpPr>
+        <p:spPr/>
+        <p:txBody>
+          <a:bodyPr/>
+          <a:lstStyle/>
+          <a:p>
+            <a:fld id="{6FB2D222-3859-4E31-872A-6BB8A0B82D6B}" type="slidenum">
+              <a:rPr lang="zh-TW" altLang="en-US" smtClean="0"/>
+              <a:t>‹#›</a:t>
+            </a:fld>
+            <a:endParaRPr lang="zh-TW" altLang="en-US"/>
+          </a:p>
+        </p:txBody>
+      </p:sp>
+    </p:spTree>
+    <p:extLst>
+      <p:ext uri="{BB962C8B-B14F-4D97-AF65-F5344CB8AC3E}">
+        <p14:creationId xmlns:p14="http://schemas.microsoft.com/office/powerpoint/2010/main" val="2201271676"/>
+      </p:ext>
+    </p:extLst>
+  </p:cSld>
+  <p:clrMapOvr>
+    <a:masterClrMapping/>
+  </p:clrMapOvr>
+</p:sldLayout>
+</file>
+
+<file path=ppt/slideLayouts/slideLayout14.xml><?xml version="1.0" encoding="utf-8"?>
+<p:sldLayout xmlns:a="http://schemas.openxmlformats.org/drawingml/2006/main" xmlns:r="http://schemas.openxmlformats.org/officeDocument/2006/relationships" xmlns:p="http://schemas.openxmlformats.org/presentationml/2006/main" preserve="1">
+  <p:cSld name="引述名片">
+    <p:spTree>
+      <p:nvGrpSpPr>
+        <p:cNvPr id="1" name=""/>
+        <p:cNvGrpSpPr/>
+        <p:nvPr/>
+      </p:nvGrpSpPr>
+      <p:grpSpPr>
+        <a:xfrm>
+          <a:off x="0" y="0"/>
+          <a:ext cx="0" cy="0"/>
+          <a:chOff x="0" y="0"/>
+          <a:chExt cx="0" cy="0"/>
+        </a:xfrm>
+      </p:grpSpPr>
+      <p:sp>
+        <p:nvSpPr>
+          <p:cNvPr id="14" name="TextBox 13"/>
+          <p:cNvSpPr txBox="1"/>
+          <p:nvPr/>
+        </p:nvSpPr>
+        <p:spPr>
+          <a:xfrm>
+            <a:off x="836612" y="786824"/>
+            <a:ext cx="609600" cy="584776"/>
+          </a:xfrm>
+          <a:prstGeom prst="rect">
+            <a:avLst/>
+          </a:prstGeom>
+        </p:spPr>
+        <p:txBody>
+          <a:bodyPr vert="horz" lIns="91440" tIns="45720" rIns="91440" bIns="45720" rtlCol="0" anchor="ctr">
+            <a:noAutofit/>
+          </a:bodyPr>
+          <a:lstStyle>
+            <a:lvl1pPr>
+              <a:spcBef>
+                <a:spcPct val="0"/>
+              </a:spcBef>
+              <a:buNone/>
+              <a:defRPr sz="3200" b="0" cap="all">
+                <a:ln w="3175" cmpd="sng">
+                  <a:noFill/>
+                </a:ln>
+                <a:effectLst>
+                  <a:glow rad="38100">
+                    <a:schemeClr val="bg1">
+                      <a:lumMod val="65000"/>
+                      <a:lumOff val="35000"/>
+                      <a:alpha val="40000"/>
+                    </a:schemeClr>
+                  </a:glow>
+                  <a:outerShdw blurRad="28575" dist="38100" dir="14040000" algn="tl" rotWithShape="0">
+                    <a:srgbClr val="000000">
+                      <a:alpha val="25000"/>
+                    </a:srgbClr>
+                  </a:outerShdw>
+                </a:effectLst>
+              </a:defRPr>
+            </a:lvl1pPr>
+            <a:lvl2pPr>
+              <a:defRPr>
+                <a:solidFill>
+                  <a:schemeClr val="tx2"/>
+                </a:solidFill>
+              </a:defRPr>
+            </a:lvl2pPr>
+            <a:lvl3pPr>
+              <a:defRPr>
+                <a:solidFill>
+                  <a:schemeClr val="tx2"/>
+                </a:solidFill>
+              </a:defRPr>
+            </a:lvl3pPr>
+            <a:lvl4pPr>
+              <a:defRPr>
+                <a:solidFill>
+                  <a:schemeClr val="tx2"/>
+                </a:solidFill>
+              </a:defRPr>
+            </a:lvl4pPr>
+            <a:lvl5pPr>
+              <a:defRPr>
+                <a:solidFill>
+                  <a:schemeClr val="tx2"/>
+                </a:solidFill>
+              </a:defRPr>
+            </a:lvl5pPr>
+            <a:lvl6pPr>
+              <a:defRPr>
+                <a:solidFill>
+                  <a:schemeClr val="tx2"/>
+                </a:solidFill>
+              </a:defRPr>
+            </a:lvl6pPr>
+            <a:lvl7pPr>
+              <a:defRPr>
+                <a:solidFill>
+                  <a:schemeClr val="tx2"/>
+                </a:solidFill>
+              </a:defRPr>
+            </a:lvl7pPr>
+            <a:lvl8pPr>
+              <a:defRPr>
+                <a:solidFill>
+                  <a:schemeClr val="tx2"/>
+                </a:solidFill>
+              </a:defRPr>
+            </a:lvl8pPr>
+            <a:lvl9pPr>
+              <a:defRPr>
+                <a:solidFill>
+                  <a:schemeClr val="tx2"/>
+                </a:solidFill>
+              </a:defRPr>
+            </a:lvl9pPr>
+          </a:lstStyle>
+          <a:p>
+            <a:pPr lvl="0"/>
+            <a:r>
+              <a:rPr lang="en-US" sz="8000" dirty="0">
+                <a:solidFill>
+                  <a:schemeClr val="accent1"/>
+                </a:solidFill>
+              </a:rPr>
+              <a:t>“</a:t>
+            </a:r>
+          </a:p>
+        </p:txBody>
+      </p:sp>
+      <p:sp>
+        <p:nvSpPr>
+          <p:cNvPr id="15" name="TextBox 14"/>
+          <p:cNvSpPr txBox="1"/>
+          <p:nvPr/>
+        </p:nvSpPr>
+        <p:spPr>
+          <a:xfrm>
+            <a:off x="10437812" y="2743200"/>
+            <a:ext cx="609600" cy="584776"/>
+          </a:xfrm>
+          <a:prstGeom prst="rect">
+            <a:avLst/>
+          </a:prstGeom>
+        </p:spPr>
+        <p:txBody>
+          <a:bodyPr vert="horz" lIns="91440" tIns="45720" rIns="91440" bIns="45720" rtlCol="0" anchor="ctr">
+            <a:noAutofit/>
+          </a:bodyPr>
+          <a:lstStyle>
+            <a:lvl1pPr>
+              <a:spcBef>
+                <a:spcPct val="0"/>
+              </a:spcBef>
+              <a:buNone/>
+              <a:defRPr sz="3200" b="0" cap="all">
+                <a:ln w="3175" cmpd="sng">
+                  <a:noFill/>
+                </a:ln>
+                <a:effectLst>
+                  <a:glow rad="38100">
+                    <a:schemeClr val="bg1">
+                      <a:lumMod val="65000"/>
+                      <a:lumOff val="35000"/>
+                      <a:alpha val="40000"/>
+                    </a:schemeClr>
+                  </a:glow>
+                  <a:outerShdw blurRad="28575" dist="38100" dir="14040000" algn="tl" rotWithShape="0">
+                    <a:srgbClr val="000000">
+                      <a:alpha val="25000"/>
+                    </a:srgbClr>
+                  </a:outerShdw>
+                </a:effectLst>
+              </a:defRPr>
+            </a:lvl1pPr>
+            <a:lvl2pPr>
+              <a:defRPr>
+                <a:solidFill>
+                  <a:schemeClr val="tx2"/>
+                </a:solidFill>
+              </a:defRPr>
+            </a:lvl2pPr>
+            <a:lvl3pPr>
+              <a:defRPr>
+                <a:solidFill>
+                  <a:schemeClr val="tx2"/>
+                </a:solidFill>
+              </a:defRPr>
+            </a:lvl3pPr>
+            <a:lvl4pPr>
+              <a:defRPr>
+                <a:solidFill>
+                  <a:schemeClr val="tx2"/>
+                </a:solidFill>
+              </a:defRPr>
+            </a:lvl4pPr>
+            <a:lvl5pPr>
+              <a:defRPr>
+                <a:solidFill>
+                  <a:schemeClr val="tx2"/>
+                </a:solidFill>
+              </a:defRPr>
+            </a:lvl5pPr>
+            <a:lvl6pPr>
+              <a:defRPr>
+                <a:solidFill>
+                  <a:schemeClr val="tx2"/>
+                </a:solidFill>
+              </a:defRPr>
+            </a:lvl6pPr>
+            <a:lvl7pPr>
+              <a:defRPr>
+                <a:solidFill>
+                  <a:schemeClr val="tx2"/>
+                </a:solidFill>
+              </a:defRPr>
+            </a:lvl7pPr>
+            <a:lvl8pPr>
+              <a:defRPr>
+                <a:solidFill>
+                  <a:schemeClr val="tx2"/>
+                </a:solidFill>
+              </a:defRPr>
+            </a:lvl8pPr>
+            <a:lvl9pPr>
+              <a:defRPr>
+                <a:solidFill>
+                  <a:schemeClr val="tx2"/>
+                </a:solidFill>
+              </a:defRPr>
+            </a:lvl9pPr>
+          </a:lstStyle>
+          <a:p>
+            <a:pPr lvl="0" algn="r"/>
+            <a:r>
+              <a:rPr lang="en-US" sz="8000" dirty="0">
+                <a:solidFill>
+                  <a:schemeClr val="accent1"/>
+                </a:solidFill>
+              </a:rPr>
+              <a:t>”</a:t>
+            </a:r>
+          </a:p>
+        </p:txBody>
+      </p:sp>
+      <p:sp>
+        <p:nvSpPr>
+          <p:cNvPr id="2" name="Title 1"/>
+          <p:cNvSpPr>
+            <a:spLocks noGrp="1"/>
+          </p:cNvSpPr>
+          <p:nvPr>
+            <p:ph type="title"/>
+          </p:nvPr>
+        </p:nvSpPr>
+        <p:spPr>
+          <a:xfrm>
+            <a:off x="1446213" y="609601"/>
+            <a:ext cx="9296398" cy="2743199"/>
+          </a:xfrm>
+        </p:spPr>
+        <p:txBody>
+          <a:bodyPr anchor="ctr">
+            <a:normAutofit/>
+          </a:bodyPr>
+          <a:lstStyle>
+            <a:lvl1pPr algn="l">
+              <a:defRPr sz="3200" b="0" cap="all">
+                <a:gradFill flip="none" rotWithShape="1">
+                  <a:gsLst>
+                    <a:gs pos="0">
+                      <a:schemeClr val="tx1"/>
+                    </a:gs>
+                    <a:gs pos="100000">
+                      <a:schemeClr val="tx1">
+                        <a:lumMod val="75000"/>
+                      </a:schemeClr>
+                    </a:gs>
+                  </a:gsLst>
+                  <a:lin ang="5400000" scaled="0"/>
+                  <a:tileRect/>
+                </a:gradFill>
+              </a:defRPr>
+            </a:lvl1pPr>
+          </a:lstStyle>
+          <a:p>
+            <a:r>
+              <a:rPr lang="zh-TW" altLang="en-US" smtClean="0"/>
+              <a:t>按一下以編輯母片標題樣式</a:t>
+            </a:r>
+            <a:endParaRPr lang="en-US" dirty="0"/>
+          </a:p>
+        </p:txBody>
+      </p:sp>
+      <p:sp>
+        <p:nvSpPr>
+          <p:cNvPr id="10" name="Text Placeholder 9"/>
+          <p:cNvSpPr>
+            <a:spLocks noGrp="1"/>
+          </p:cNvSpPr>
+          <p:nvPr>
+            <p:ph type="body" sz="quarter" idx="13"/>
+          </p:nvPr>
+        </p:nvSpPr>
+        <p:spPr>
+          <a:xfrm>
+            <a:off x="1141412" y="3886200"/>
+            <a:ext cx="9906000" cy="889000"/>
+          </a:xfrm>
+        </p:spPr>
+        <p:txBody>
+          <a:bodyPr vert="horz" lIns="91440" tIns="45720" rIns="91440" bIns="45720" rtlCol="0" anchor="b">
+            <a:normAutofit/>
+          </a:bodyPr>
+          <a:lstStyle>
+            <a:lvl1pPr>
+              <a:buNone/>
+              <a:defRPr lang="en-US" sz="2400" b="0" cap="all" dirty="0">
+                <a:ln w="3175" cmpd="sng">
+                  <a:noFill/>
+                </a:ln>
+                <a:gradFill flip="none" rotWithShape="1">
+                  <a:gsLst>
+                    <a:gs pos="0">
+                      <a:schemeClr val="tx1"/>
+                    </a:gs>
+                    <a:gs pos="100000">
+                      <a:schemeClr val="tx1">
+                        <a:lumMod val="75000"/>
+                      </a:schemeClr>
+                    </a:gs>
+                  </a:gsLst>
+                  <a:lin ang="5400000" scaled="0"/>
+                  <a:tileRect/>
+                </a:gradFill>
+                <a:effectLst>
+                  <a:glow rad="38100">
+                    <a:schemeClr val="bg1">
+                      <a:lumMod val="65000"/>
+                      <a:lumOff val="35000"/>
+                      <a:alpha val="40000"/>
+                    </a:schemeClr>
+                  </a:glow>
+                  <a:outerShdw blurRad="28575" dist="38100" dir="14040000" algn="tl" rotWithShape="0">
+                    <a:srgbClr val="000000">
+                      <a:alpha val="25000"/>
+                    </a:srgbClr>
+                  </a:outerShdw>
+                </a:effectLst>
+              </a:defRPr>
+            </a:lvl1pPr>
+          </a:lstStyle>
+          <a:p>
+            <a:pPr marL="0" lvl="0">
+              <a:spcBef>
+                <a:spcPct val="0"/>
+              </a:spcBef>
+              <a:buNone/>
+            </a:pPr>
+            <a:r>
+              <a:rPr lang="zh-TW" altLang="en-US" smtClean="0"/>
+              <a:t>編輯母片文字樣式</a:t>
+            </a:r>
+          </a:p>
+        </p:txBody>
+      </p:sp>
+      <p:sp>
+        <p:nvSpPr>
+          <p:cNvPr id="3" name="Text Placeholder 2"/>
+          <p:cNvSpPr>
+            <a:spLocks noGrp="1"/>
+          </p:cNvSpPr>
+          <p:nvPr>
+            <p:ph type="body" idx="1"/>
+          </p:nvPr>
+        </p:nvSpPr>
+        <p:spPr>
+          <a:xfrm>
+            <a:off x="1141411" y="4775200"/>
+            <a:ext cx="9906000" cy="1016000"/>
+          </a:xfrm>
+        </p:spPr>
+        <p:txBody>
+          <a:bodyPr anchor="t">
+            <a:normAutofit/>
+          </a:bodyPr>
+          <a:lstStyle>
+            <a:lvl1pPr marL="0" indent="0" algn="l">
+              <a:buNone/>
+              <a:defRPr sz="1800">
+                <a:gradFill flip="none" rotWithShape="1">
+                  <a:gsLst>
+                    <a:gs pos="0">
+                      <a:schemeClr val="tx1"/>
+                    </a:gs>
+                    <a:gs pos="100000">
+                      <a:schemeClr val="tx1">
+                        <a:lumMod val="75000"/>
+                      </a:schemeClr>
+                    </a:gs>
+                  </a:gsLst>
+                  <a:lin ang="5400000" scaled="0"/>
+                  <a:tileRect/>
+                </a:gradFill>
+              </a:defRPr>
+            </a:lvl1pPr>
+            <a:lvl2pPr marL="457200" indent="0">
+              <a:buNone/>
+              <a:defRPr sz="1800">
+                <a:solidFill>
+                  <a:schemeClr val="tx1">
+                    <a:tint val="75000"/>
+                  </a:schemeClr>
+                </a:solidFill>
+              </a:defRPr>
+            </a:lvl2pPr>
+            <a:lvl3pPr marL="914400" indent="0">
+              <a:buNone/>
+              <a:defRPr sz="1600">
+                <a:solidFill>
+                  <a:schemeClr val="tx1">
+                    <a:tint val="75000"/>
+                  </a:schemeClr>
+                </a:solidFill>
+              </a:defRPr>
+            </a:lvl3pPr>
+            <a:lvl4pPr marL="1371600" indent="0">
+              <a:buNone/>
+              <a:defRPr sz="1400">
+                <a:solidFill>
+                  <a:schemeClr val="tx1">
+                    <a:tint val="75000"/>
+                  </a:schemeClr>
+                </a:solidFill>
+              </a:defRPr>
+            </a:lvl4pPr>
+            <a:lvl5pPr marL="1828800" indent="0">
+              <a:buNone/>
+              <a:defRPr sz="1400">
+                <a:solidFill>
+                  <a:schemeClr val="tx1">
+                    <a:tint val="75000"/>
+                  </a:schemeClr>
+                </a:solidFill>
+              </a:defRPr>
+            </a:lvl5pPr>
+            <a:lvl6pPr marL="2286000" indent="0">
+              <a:buNone/>
+              <a:defRPr sz="1400">
+                <a:solidFill>
+                  <a:schemeClr val="tx1">
+                    <a:tint val="75000"/>
+                  </a:schemeClr>
+                </a:solidFill>
+              </a:defRPr>
+            </a:lvl6pPr>
+            <a:lvl7pPr marL="2743200" indent="0">
+              <a:buNone/>
+              <a:defRPr sz="1400">
+                <a:solidFill>
+                  <a:schemeClr val="tx1">
+                    <a:tint val="75000"/>
+                  </a:schemeClr>
+                </a:solidFill>
+              </a:defRPr>
+            </a:lvl7pPr>
+            <a:lvl8pPr marL="3200400" indent="0">
+              <a:buNone/>
+              <a:defRPr sz="1400">
+                <a:solidFill>
+                  <a:schemeClr val="tx1">
+                    <a:tint val="75000"/>
+                  </a:schemeClr>
+                </a:solidFill>
+              </a:defRPr>
+            </a:lvl8pPr>
+            <a:lvl9pPr marL="3657600" indent="0">
+              <a:buNone/>
+              <a:defRPr sz="1400">
+                <a:solidFill>
+                  <a:schemeClr val="tx1">
+                    <a:tint val="75000"/>
+                  </a:schemeClr>
+                </a:solidFill>
+              </a:defRPr>
+            </a:lvl9pPr>
+          </a:lstStyle>
+          <a:p>
+            <a:pPr lvl="0"/>
+            <a:r>
+              <a:rPr lang="zh-TW" altLang="en-US" smtClean="0"/>
+              <a:t>編輯母片文字樣式</a:t>
+            </a:r>
+          </a:p>
+        </p:txBody>
+      </p:sp>
+      <p:sp>
+        <p:nvSpPr>
+          <p:cNvPr id="4" name="Date Placeholder 3"/>
+          <p:cNvSpPr>
+            <a:spLocks noGrp="1"/>
+          </p:cNvSpPr>
+          <p:nvPr>
+            <p:ph type="dt" sz="half" idx="10"/>
+          </p:nvPr>
+        </p:nvSpPr>
+        <p:spPr/>
+        <p:txBody>
+          <a:bodyPr/>
+          <a:lstStyle/>
+          <a:p>
+            <a:fld id="{4A96DD15-C290-4C09-A75B-3A57087BD85C}" type="datetimeFigureOut">
+              <a:rPr lang="zh-TW" altLang="en-US" smtClean="0"/>
+              <a:t>2019/12/31</a:t>
+            </a:fld>
+            <a:endParaRPr lang="zh-TW" altLang="en-US"/>
+          </a:p>
+        </p:txBody>
+      </p:sp>
+      <p:sp>
+        <p:nvSpPr>
+          <p:cNvPr id="5" name="Footer Placeholder 4"/>
+          <p:cNvSpPr>
+            <a:spLocks noGrp="1"/>
+          </p:cNvSpPr>
+          <p:nvPr>
+            <p:ph type="ftr" sz="quarter" idx="11"/>
+          </p:nvPr>
+        </p:nvSpPr>
+        <p:spPr/>
+        <p:txBody>
+          <a:bodyPr/>
+          <a:lstStyle/>
+          <a:p>
+            <a:endParaRPr lang="zh-TW" altLang="en-US"/>
+          </a:p>
+        </p:txBody>
+      </p:sp>
+      <p:sp>
+        <p:nvSpPr>
+          <p:cNvPr id="6" name="Slide Number Placeholder 5"/>
+          <p:cNvSpPr>
+            <a:spLocks noGrp="1"/>
+          </p:cNvSpPr>
+          <p:nvPr>
+            <p:ph type="sldNum" sz="quarter" idx="12"/>
+          </p:nvPr>
+        </p:nvSpPr>
+        <p:spPr/>
+        <p:txBody>
+          <a:bodyPr/>
+          <a:lstStyle/>
+          <a:p>
+            <a:fld id="{6FB2D222-3859-4E31-872A-6BB8A0B82D6B}" type="slidenum">
+              <a:rPr lang="zh-TW" altLang="en-US" smtClean="0"/>
+              <a:t>‹#›</a:t>
+            </a:fld>
+            <a:endParaRPr lang="zh-TW" altLang="en-US"/>
+          </a:p>
+        </p:txBody>
+      </p:sp>
+    </p:spTree>
+    <p:extLst>
+      <p:ext uri="{BB962C8B-B14F-4D97-AF65-F5344CB8AC3E}">
+        <p14:creationId xmlns:p14="http://schemas.microsoft.com/office/powerpoint/2010/main" val="1172980330"/>
+      </p:ext>
+    </p:extLst>
+  </p:cSld>
+  <p:clrMapOvr>
+    <a:masterClrMapping/>
+  </p:clrMapOvr>
+</p:sldLayout>
+</file>
+
+<file path=ppt/slideLayouts/slideLayout15.xml><?xml version="1.0" encoding="utf-8"?>
+<p:sldLayout xmlns:a="http://schemas.openxmlformats.org/drawingml/2006/main" xmlns:r="http://schemas.openxmlformats.org/officeDocument/2006/relationships" xmlns:p="http://schemas.openxmlformats.org/presentationml/2006/main" preserve="1">
+  <p:cSld name="是非題">
+    <p:spTree>
+      <p:nvGrpSpPr>
+        <p:cNvPr id="1" name=""/>
+        <p:cNvGrpSpPr/>
+        <p:nvPr/>
+      </p:nvGrpSpPr>
+      <p:grpSpPr>
+        <a:xfrm>
+          <a:off x="0" y="0"/>
+          <a:ext cx="0" cy="0"/>
+          <a:chOff x="0" y="0"/>
+          <a:chExt cx="0" cy="0"/>
+        </a:xfrm>
+      </p:grpSpPr>
+      <p:sp>
+        <p:nvSpPr>
+          <p:cNvPr id="2" name="Title 1"/>
+          <p:cNvSpPr>
+            <a:spLocks noGrp="1"/>
+          </p:cNvSpPr>
+          <p:nvPr>
+            <p:ph type="title"/>
+          </p:nvPr>
+        </p:nvSpPr>
+        <p:spPr>
+          <a:xfrm>
+            <a:off x="1141412" y="609601"/>
+            <a:ext cx="9905999" cy="2743199"/>
+          </a:xfrm>
+        </p:spPr>
+        <p:txBody>
+          <a:bodyPr vert="horz" lIns="91440" tIns="45720" rIns="91440" bIns="45720" rtlCol="0" anchor="ctr">
+            <a:normAutofit/>
+          </a:bodyPr>
+          <a:lstStyle>
+            <a:lvl1pPr>
+              <a:defRPr lang="en-US" b="0" dirty="0"/>
+            </a:lvl1pPr>
+          </a:lstStyle>
+          <a:p>
+            <a:pPr marL="0" lvl="0"/>
+            <a:r>
+              <a:rPr lang="zh-TW" altLang="en-US" smtClean="0"/>
+              <a:t>按一下以編輯母片標題樣式</a:t>
+            </a:r>
+            <a:endParaRPr lang="en-US" dirty="0"/>
+          </a:p>
+        </p:txBody>
+      </p:sp>
+      <p:sp>
+        <p:nvSpPr>
+          <p:cNvPr id="10" name="Text Placeholder 9"/>
+          <p:cNvSpPr>
+            <a:spLocks noGrp="1"/>
+          </p:cNvSpPr>
+          <p:nvPr>
+            <p:ph type="body" sz="quarter" idx="13"/>
+          </p:nvPr>
+        </p:nvSpPr>
+        <p:spPr>
+          <a:xfrm>
+            <a:off x="1141412" y="3505200"/>
+            <a:ext cx="9906000" cy="838200"/>
+          </a:xfrm>
+        </p:spPr>
+        <p:txBody>
+          <a:bodyPr vert="horz" lIns="91440" tIns="45720" rIns="91440" bIns="45720" rtlCol="0" anchor="b">
+            <a:normAutofit/>
+          </a:bodyPr>
+          <a:lstStyle>
+            <a:lvl1pPr>
+              <a:buNone/>
+              <a:defRPr lang="en-US" sz="2800" b="0" cap="all" dirty="0">
+                <a:ln w="3175" cmpd="sng">
+                  <a:noFill/>
+                </a:ln>
+                <a:gradFill flip="none" rotWithShape="1">
+                  <a:gsLst>
+                    <a:gs pos="0">
+                      <a:schemeClr val="tx1"/>
+                    </a:gs>
+                    <a:gs pos="100000">
+                      <a:schemeClr val="tx1">
+                        <a:lumMod val="75000"/>
+                      </a:schemeClr>
+                    </a:gs>
+                  </a:gsLst>
+                  <a:lin ang="5400000" scaled="0"/>
+                  <a:tileRect/>
+                </a:gradFill>
+                <a:effectLst>
+                  <a:glow rad="38100">
+                    <a:schemeClr val="bg1">
+                      <a:lumMod val="65000"/>
+                      <a:lumOff val="35000"/>
+                      <a:alpha val="40000"/>
+                    </a:schemeClr>
+                  </a:glow>
+                  <a:outerShdw blurRad="28575" dist="38100" dir="14040000" algn="tl" rotWithShape="0">
+                    <a:srgbClr val="000000">
+                      <a:alpha val="25000"/>
+                    </a:srgbClr>
+                  </a:outerShdw>
+                </a:effectLst>
+              </a:defRPr>
+            </a:lvl1pPr>
+          </a:lstStyle>
+          <a:p>
+            <a:pPr marL="0" lvl="0">
+              <a:spcBef>
+                <a:spcPct val="0"/>
+              </a:spcBef>
+              <a:buNone/>
+            </a:pPr>
+            <a:r>
+              <a:rPr lang="zh-TW" altLang="en-US" smtClean="0"/>
+              <a:t>編輯母片文字樣式</a:t>
+            </a:r>
+          </a:p>
+        </p:txBody>
+      </p:sp>
+      <p:sp>
+        <p:nvSpPr>
+          <p:cNvPr id="3" name="Text Placeholder 2"/>
+          <p:cNvSpPr>
+            <a:spLocks noGrp="1"/>
+          </p:cNvSpPr>
+          <p:nvPr>
+            <p:ph type="body" idx="1"/>
+          </p:nvPr>
+        </p:nvSpPr>
+        <p:spPr>
+          <a:xfrm>
+            <a:off x="1141411" y="4343400"/>
+            <a:ext cx="9906000" cy="1447800"/>
+          </a:xfrm>
+        </p:spPr>
+        <p:txBody>
+          <a:bodyPr anchor="t">
+            <a:normAutofit/>
+          </a:bodyPr>
+          <a:lstStyle>
+            <a:lvl1pPr marL="0" indent="0" algn="l">
+              <a:buNone/>
+              <a:defRPr sz="1800">
+                <a:gradFill flip="none" rotWithShape="1">
+                  <a:gsLst>
+                    <a:gs pos="0">
+                      <a:schemeClr val="tx1"/>
+                    </a:gs>
+                    <a:gs pos="100000">
+                      <a:schemeClr val="tx1">
+                        <a:lumMod val="75000"/>
+                      </a:schemeClr>
+                    </a:gs>
+                  </a:gsLst>
+                  <a:lin ang="5400000" scaled="0"/>
+                  <a:tileRect/>
+                </a:gradFill>
+              </a:defRPr>
+            </a:lvl1pPr>
+            <a:lvl2pPr marL="457200" indent="0">
+              <a:buNone/>
+              <a:defRPr sz="1800">
+                <a:solidFill>
+                  <a:schemeClr val="tx1">
+                    <a:tint val="75000"/>
+                  </a:schemeClr>
+                </a:solidFill>
+              </a:defRPr>
+            </a:lvl2pPr>
+            <a:lvl3pPr marL="914400" indent="0">
+              <a:buNone/>
+              <a:defRPr sz="1600">
+                <a:solidFill>
+                  <a:schemeClr val="tx1">
+                    <a:tint val="75000"/>
+                  </a:schemeClr>
+                </a:solidFill>
+              </a:defRPr>
+            </a:lvl3pPr>
+            <a:lvl4pPr marL="1371600" indent="0">
+              <a:buNone/>
+              <a:defRPr sz="1400">
+                <a:solidFill>
+                  <a:schemeClr val="tx1">
+                    <a:tint val="75000"/>
+                  </a:schemeClr>
+                </a:solidFill>
+              </a:defRPr>
+            </a:lvl4pPr>
+            <a:lvl5pPr marL="1828800" indent="0">
+              <a:buNone/>
+              <a:defRPr sz="1400">
+                <a:solidFill>
+                  <a:schemeClr val="tx1">
+                    <a:tint val="75000"/>
+                  </a:schemeClr>
+                </a:solidFill>
+              </a:defRPr>
+            </a:lvl5pPr>
+            <a:lvl6pPr marL="2286000" indent="0">
+              <a:buNone/>
+              <a:defRPr sz="1400">
+                <a:solidFill>
+                  <a:schemeClr val="tx1">
+                    <a:tint val="75000"/>
+                  </a:schemeClr>
+                </a:solidFill>
+              </a:defRPr>
+            </a:lvl6pPr>
+            <a:lvl7pPr marL="2743200" indent="0">
+              <a:buNone/>
+              <a:defRPr sz="1400">
+                <a:solidFill>
+                  <a:schemeClr val="tx1">
+                    <a:tint val="75000"/>
+                  </a:schemeClr>
+                </a:solidFill>
+              </a:defRPr>
+            </a:lvl7pPr>
+            <a:lvl8pPr marL="3200400" indent="0">
+              <a:buNone/>
+              <a:defRPr sz="1400">
+                <a:solidFill>
+                  <a:schemeClr val="tx1">
+                    <a:tint val="75000"/>
+                  </a:schemeClr>
+                </a:solidFill>
+              </a:defRPr>
+            </a:lvl8pPr>
+            <a:lvl9pPr marL="3657600" indent="0">
+              <a:buNone/>
+              <a:defRPr sz="1400">
+                <a:solidFill>
+                  <a:schemeClr val="tx1">
+                    <a:tint val="75000"/>
+                  </a:schemeClr>
+                </a:solidFill>
+              </a:defRPr>
+            </a:lvl9pPr>
+          </a:lstStyle>
+          <a:p>
+            <a:pPr lvl="0"/>
+            <a:r>
+              <a:rPr lang="zh-TW" altLang="en-US" smtClean="0"/>
+              <a:t>編輯母片文字樣式</a:t>
+            </a:r>
+          </a:p>
+        </p:txBody>
+      </p:sp>
+      <p:sp>
+        <p:nvSpPr>
+          <p:cNvPr id="4" name="Date Placeholder 3"/>
+          <p:cNvSpPr>
+            <a:spLocks noGrp="1"/>
+          </p:cNvSpPr>
+          <p:nvPr>
+            <p:ph type="dt" sz="half" idx="10"/>
+          </p:nvPr>
+        </p:nvSpPr>
+        <p:spPr/>
+        <p:txBody>
+          <a:bodyPr/>
+          <a:lstStyle/>
+          <a:p>
+            <a:fld id="{4A96DD15-C290-4C09-A75B-3A57087BD85C}" type="datetimeFigureOut">
+              <a:rPr lang="zh-TW" altLang="en-US" smtClean="0"/>
+              <a:t>2019/12/31</a:t>
+            </a:fld>
+            <a:endParaRPr lang="zh-TW" altLang="en-US"/>
+          </a:p>
+        </p:txBody>
+      </p:sp>
+      <p:sp>
+        <p:nvSpPr>
+          <p:cNvPr id="5" name="Footer Placeholder 4"/>
+          <p:cNvSpPr>
+            <a:spLocks noGrp="1"/>
+          </p:cNvSpPr>
+          <p:nvPr>
+            <p:ph type="ftr" sz="quarter" idx="11"/>
+          </p:nvPr>
+        </p:nvSpPr>
+        <p:spPr/>
+        <p:txBody>
+          <a:bodyPr/>
+          <a:lstStyle/>
+          <a:p>
+            <a:endParaRPr lang="zh-TW" altLang="en-US"/>
+          </a:p>
+        </p:txBody>
+      </p:sp>
+      <p:sp>
+        <p:nvSpPr>
+          <p:cNvPr id="6" name="Slide Number Placeholder 5"/>
+          <p:cNvSpPr>
+            <a:spLocks noGrp="1"/>
+          </p:cNvSpPr>
+          <p:nvPr>
+            <p:ph type="sldNum" sz="quarter" idx="12"/>
+          </p:nvPr>
+        </p:nvSpPr>
+        <p:spPr/>
+        <p:txBody>
+          <a:bodyPr/>
+          <a:lstStyle/>
+          <a:p>
+            <a:fld id="{6FB2D222-3859-4E31-872A-6BB8A0B82D6B}" type="slidenum">
+              <a:rPr lang="zh-TW" altLang="en-US" smtClean="0"/>
+              <a:t>‹#›</a:t>
+            </a:fld>
+            <a:endParaRPr lang="zh-TW" altLang="en-US"/>
+          </a:p>
+        </p:txBody>
+      </p:sp>
+    </p:spTree>
+    <p:extLst>
+      <p:ext uri="{BB962C8B-B14F-4D97-AF65-F5344CB8AC3E}">
+        <p14:creationId xmlns:p14="http://schemas.microsoft.com/office/powerpoint/2010/main" val="196606980"/>
+      </p:ext>
+    </p:extLst>
+  </p:cSld>
+  <p:clrMapOvr>
+    <a:masterClrMapping/>
+  </p:clrMapOvr>
+</p:sldLayout>
+</file>
+
+<file path=ppt/slideLayouts/slideLayout16.xml><?xml version="1.0" encoding="utf-8"?>
 <p:sldLayout xmlns:a="http://schemas.openxmlformats.org/drawingml/2006/main" xmlns:r="http://schemas.openxmlformats.org/officeDocument/2006/relationships" xmlns:p="http://schemas.openxmlformats.org/presentationml/2006/main" type="vertTx" preserve="1">
   <p:cSld name="標題及直排文字">
     <p:spTree>
@@ -327,7 +2520,7 @@
       </p:grpSpPr>
       <p:sp>
         <p:nvSpPr>
-          <p:cNvPr id="2" name="標題 1"/>
+          <p:cNvPr id="7" name="Title 1"/>
           <p:cNvSpPr>
             <a:spLocks noGrp="1"/>
           </p:cNvSpPr>
@@ -335,7 +2528,12 @@
             <p:ph type="title"/>
           </p:nvPr>
         </p:nvSpPr>
-        <p:spPr/>
+        <p:spPr>
+          <a:xfrm>
+            <a:off x="1141413" y="609600"/>
+            <a:ext cx="9905998" cy="1905000"/>
+          </a:xfrm>
+        </p:spPr>
         <p:txBody>
           <a:bodyPr/>
           <a:lstStyle/>
@@ -344,13 +2542,13 @@
               <a:rPr lang="zh-TW" altLang="en-US" smtClean="0"/>
               <a:t>按一下以編輯母片標題樣式</a:t>
             </a:r>
-            <a:endParaRPr lang="zh-TW" altLang="en-US"/>
-          </a:p>
-        </p:txBody>
-      </p:sp>
-      <p:sp>
-        <p:nvSpPr>
-          <p:cNvPr id="3" name="直排文字版面配置區 2"/>
+            <a:endParaRPr lang="en-US" dirty="0"/>
+          </a:p>
+        </p:txBody>
+      </p:sp>
+      <p:sp>
+        <p:nvSpPr>
+          <p:cNvPr id="3" name="Vertical Text Placeholder 2"/>
           <p:cNvSpPr>
             <a:spLocks noGrp="1"/>
           </p:cNvSpPr>
@@ -360,7 +2558,7 @@
         </p:nvSpPr>
         <p:spPr/>
         <p:txBody>
-          <a:bodyPr vert="eaVert"/>
+          <a:bodyPr vert="eaVert" anchor="t"/>
           <a:lstStyle/>
           <a:p>
             <a:pPr lvl="0"/>
@@ -396,13 +2594,13 @@
               <a:rPr lang="zh-TW" altLang="en-US" smtClean="0"/>
               <a:t>第五層</a:t>
             </a:r>
-            <a:endParaRPr lang="zh-TW" altLang="en-US"/>
-          </a:p>
-        </p:txBody>
-      </p:sp>
-      <p:sp>
-        <p:nvSpPr>
-          <p:cNvPr id="4" name="日期版面配置區 3"/>
+            <a:endParaRPr lang="en-US" dirty="0"/>
+          </a:p>
+        </p:txBody>
+      </p:sp>
+      <p:sp>
+        <p:nvSpPr>
+          <p:cNvPr id="4" name="Date Placeholder 3"/>
           <p:cNvSpPr>
             <a:spLocks noGrp="1"/>
           </p:cNvSpPr>
@@ -417,7 +2615,7 @@
           <a:p>
             <a:fld id="{4A96DD15-C290-4C09-A75B-3A57087BD85C}" type="datetimeFigureOut">
               <a:rPr lang="zh-TW" altLang="en-US" smtClean="0"/>
-              <a:t>2019/12/28</a:t>
+              <a:t>2019/12/31</a:t>
             </a:fld>
             <a:endParaRPr lang="zh-TW" altLang="en-US"/>
           </a:p>
@@ -425,7 +2623,7 @@
       </p:sp>
       <p:sp>
         <p:nvSpPr>
-          <p:cNvPr id="5" name="頁尾版面配置區 4"/>
+          <p:cNvPr id="5" name="Footer Placeholder 4"/>
           <p:cNvSpPr>
             <a:spLocks noGrp="1"/>
           </p:cNvSpPr>
@@ -444,7 +2642,7 @@
       </p:sp>
       <p:sp>
         <p:nvSpPr>
-          <p:cNvPr id="6" name="投影片編號版面配置區 5"/>
+          <p:cNvPr id="6" name="Slide Number Placeholder 5"/>
           <p:cNvSpPr>
             <a:spLocks noGrp="1"/>
           </p:cNvSpPr>
@@ -468,7 +2666,7 @@
     </p:spTree>
     <p:extLst>
       <p:ext uri="{BB962C8B-B14F-4D97-AF65-F5344CB8AC3E}">
-        <p14:creationId xmlns:p14="http://schemas.microsoft.com/office/powerpoint/2010/main" val="2170026247"/>
+        <p14:creationId xmlns:p14="http://schemas.microsoft.com/office/powerpoint/2010/main" val="4079627245"/>
       </p:ext>
     </p:extLst>
   </p:cSld>
@@ -478,7 +2676,7 @@
 </p:sldLayout>
 </file>
 
-<file path=ppt/slideLayouts/slideLayout11.xml><?xml version="1.0" encoding="utf-8"?>
+<file path=ppt/slideLayouts/slideLayout17.xml><?xml version="1.0" encoding="utf-8"?>
 <p:sldLayout xmlns:a="http://schemas.openxmlformats.org/drawingml/2006/main" xmlns:r="http://schemas.openxmlformats.org/officeDocument/2006/relationships" xmlns:p="http://schemas.openxmlformats.org/presentationml/2006/main" type="vertTitleAndTx" preserve="1">
   <p:cSld name="直排標題及文字">
     <p:spTree>
@@ -497,7 +2695,7 @@
       </p:grpSpPr>
       <p:sp>
         <p:nvSpPr>
-          <p:cNvPr id="2" name="直排標題 1"/>
+          <p:cNvPr id="2" name="Vertical Title 1"/>
           <p:cNvSpPr>
             <a:spLocks noGrp="1"/>
           </p:cNvSpPr>
@@ -507,8 +2705,8 @@
         </p:nvSpPr>
         <p:spPr>
           <a:xfrm>
-            <a:off x="8724900" y="365125"/>
-            <a:ext cx="2628900" cy="5811838"/>
+            <a:off x="8836898" y="609599"/>
+            <a:ext cx="2210514" cy="5181601"/>
           </a:xfrm>
         </p:spPr>
         <p:txBody>
@@ -519,13 +2717,13 @@
               <a:rPr lang="zh-TW" altLang="en-US" smtClean="0"/>
               <a:t>按一下以編輯母片標題樣式</a:t>
             </a:r>
-            <a:endParaRPr lang="zh-TW" altLang="en-US"/>
-          </a:p>
-        </p:txBody>
-      </p:sp>
-      <p:sp>
-        <p:nvSpPr>
-          <p:cNvPr id="3" name="直排文字版面配置區 2"/>
+            <a:endParaRPr lang="en-US" dirty="0"/>
+          </a:p>
+        </p:txBody>
+      </p:sp>
+      <p:sp>
+        <p:nvSpPr>
+          <p:cNvPr id="3" name="Vertical Text Placeholder 2"/>
           <p:cNvSpPr>
             <a:spLocks noGrp="1"/>
           </p:cNvSpPr>
@@ -535,12 +2733,12 @@
         </p:nvSpPr>
         <p:spPr>
           <a:xfrm>
-            <a:off x="838200" y="365125"/>
-            <a:ext cx="7734300" cy="5811838"/>
+            <a:off x="1141412" y="609600"/>
+            <a:ext cx="7543800" cy="5181600"/>
           </a:xfrm>
         </p:spPr>
         <p:txBody>
-          <a:bodyPr vert="eaVert"/>
+          <a:bodyPr vert="eaVert" anchor="t"/>
           <a:lstStyle/>
           <a:p>
             <a:pPr lvl="0"/>
@@ -576,13 +2774,13 @@
               <a:rPr lang="zh-TW" altLang="en-US" smtClean="0"/>
               <a:t>第五層</a:t>
             </a:r>
-            <a:endParaRPr lang="zh-TW" altLang="en-US"/>
-          </a:p>
-        </p:txBody>
-      </p:sp>
-      <p:sp>
-        <p:nvSpPr>
-          <p:cNvPr id="4" name="日期版面配置區 3"/>
+            <a:endParaRPr lang="en-US" dirty="0"/>
+          </a:p>
+        </p:txBody>
+      </p:sp>
+      <p:sp>
+        <p:nvSpPr>
+          <p:cNvPr id="4" name="Date Placeholder 3"/>
           <p:cNvSpPr>
             <a:spLocks noGrp="1"/>
           </p:cNvSpPr>
@@ -597,7 +2795,7 @@
           <a:p>
             <a:fld id="{4A96DD15-C290-4C09-A75B-3A57087BD85C}" type="datetimeFigureOut">
               <a:rPr lang="zh-TW" altLang="en-US" smtClean="0"/>
-              <a:t>2019/12/28</a:t>
+              <a:t>2019/12/31</a:t>
             </a:fld>
             <a:endParaRPr lang="zh-TW" altLang="en-US"/>
           </a:p>
@@ -605,7 +2803,7 @@
       </p:sp>
       <p:sp>
         <p:nvSpPr>
-          <p:cNvPr id="5" name="頁尾版面配置區 4"/>
+          <p:cNvPr id="5" name="Footer Placeholder 4"/>
           <p:cNvSpPr>
             <a:spLocks noGrp="1"/>
           </p:cNvSpPr>
@@ -624,7 +2822,7 @@
       </p:sp>
       <p:sp>
         <p:nvSpPr>
-          <p:cNvPr id="6" name="投影片編號版面配置區 5"/>
+          <p:cNvPr id="6" name="Slide Number Placeholder 5"/>
           <p:cNvSpPr>
             <a:spLocks noGrp="1"/>
           </p:cNvSpPr>
@@ -648,7 +2846,7 @@
     </p:spTree>
     <p:extLst>
       <p:ext uri="{BB962C8B-B14F-4D97-AF65-F5344CB8AC3E}">
-        <p14:creationId xmlns:p14="http://schemas.microsoft.com/office/powerpoint/2010/main" val="1258356584"/>
+        <p14:creationId xmlns:p14="http://schemas.microsoft.com/office/powerpoint/2010/main" val="1420483469"/>
       </p:ext>
     </p:extLst>
   </p:cSld>
@@ -677,7 +2875,7 @@
       </p:grpSpPr>
       <p:sp>
         <p:nvSpPr>
-          <p:cNvPr id="2" name="標題 1"/>
+          <p:cNvPr id="2" name="Title 1"/>
           <p:cNvSpPr>
             <a:spLocks noGrp="1"/>
           </p:cNvSpPr>
@@ -694,18 +2892,75 @@
               <a:rPr lang="zh-TW" altLang="en-US" smtClean="0"/>
               <a:t>按一下以編輯母片標題樣式</a:t>
             </a:r>
-            <a:endParaRPr lang="zh-TW" altLang="en-US"/>
-          </a:p>
-        </p:txBody>
-      </p:sp>
-      <p:sp>
-        <p:nvSpPr>
-          <p:cNvPr id="3" name="內容版面配置區 2"/>
+            <a:endParaRPr lang="en-US" dirty="0"/>
+          </a:p>
+        </p:txBody>
+      </p:sp>
+      <p:sp>
+        <p:nvSpPr>
+          <p:cNvPr id="3" name="Content Placeholder 2"/>
           <p:cNvSpPr>
             <a:spLocks noGrp="1"/>
           </p:cNvSpPr>
           <p:nvPr>
             <p:ph idx="1"/>
+          </p:nvPr>
+        </p:nvSpPr>
+        <p:spPr>
+          <a:xfrm>
+            <a:off x="1141412" y="1905317"/>
+            <a:ext cx="9905998" cy="3124201"/>
+          </a:xfrm>
+        </p:spPr>
+        <p:txBody>
+          <a:bodyPr anchor="ctr"/>
+          <a:lstStyle/>
+          <a:p>
+            <a:pPr lvl="0"/>
+            <a:r>
+              <a:rPr lang="zh-TW" altLang="en-US" smtClean="0"/>
+              <a:t>編輯母片文字樣式</a:t>
+            </a:r>
+          </a:p>
+          <a:p>
+            <a:pPr lvl="1"/>
+            <a:r>
+              <a:rPr lang="zh-TW" altLang="en-US" smtClean="0"/>
+              <a:t>第二層</a:t>
+            </a:r>
+          </a:p>
+          <a:p>
+            <a:pPr lvl="2"/>
+            <a:r>
+              <a:rPr lang="zh-TW" altLang="en-US" smtClean="0"/>
+              <a:t>第三層</a:t>
+            </a:r>
+          </a:p>
+          <a:p>
+            <a:pPr lvl="3"/>
+            <a:r>
+              <a:rPr lang="zh-TW" altLang="en-US" smtClean="0"/>
+              <a:t>第四層</a:t>
+            </a:r>
+          </a:p>
+          <a:p>
+            <a:pPr lvl="4"/>
+            <a:r>
+              <a:rPr lang="zh-TW" altLang="en-US" smtClean="0"/>
+              <a:t>第五層</a:t>
+            </a:r>
+            <a:endParaRPr lang="en-US" dirty="0"/>
+          </a:p>
+        </p:txBody>
+      </p:sp>
+      <p:sp>
+        <p:nvSpPr>
+          <p:cNvPr id="4" name="Date Placeholder 3"/>
+          <p:cNvSpPr>
+            <a:spLocks noGrp="1"/>
+          </p:cNvSpPr>
+          <p:nvPr>
+            <p:ph type="dt" sz="half" idx="10"/>
           </p:nvPr>
         </p:nvSpPr>
         <p:spPr/>
@@ -713,51 +2968,22 @@
           <a:bodyPr/>
           <a:lstStyle/>
           <a:p>
-            <a:pPr lvl="0"/>
-            <a:r>
-              <a:rPr lang="zh-TW" altLang="en-US" smtClean="0"/>
-              <a:t>編輯母片文字樣式</a:t>
-            </a:r>
-          </a:p>
-          <a:p>
-            <a:pPr lvl="1"/>
-            <a:r>
-              <a:rPr lang="zh-TW" altLang="en-US" smtClean="0"/>
-              <a:t>第二層</a:t>
-            </a:r>
-          </a:p>
-          <a:p>
-            <a:pPr lvl="2"/>
-            <a:r>
-              <a:rPr lang="zh-TW" altLang="en-US" smtClean="0"/>
-              <a:t>第三層</a:t>
-            </a:r>
-          </a:p>
-          <a:p>
-            <a:pPr lvl="3"/>
-            <a:r>
-              <a:rPr lang="zh-TW" altLang="en-US" smtClean="0"/>
-              <a:t>第四層</a:t>
-            </a:r>
-          </a:p>
-          <a:p>
-            <a:pPr lvl="4"/>
-            <a:r>
-              <a:rPr lang="zh-TW" altLang="en-US" smtClean="0"/>
-              <a:t>第五層</a:t>
-            </a:r>
+            <a:fld id="{4A96DD15-C290-4C09-A75B-3A57087BD85C}" type="datetimeFigureOut">
+              <a:rPr lang="zh-TW" altLang="en-US" smtClean="0"/>
+              <a:t>2019/12/31</a:t>
+            </a:fld>
             <a:endParaRPr lang="zh-TW" altLang="en-US"/>
           </a:p>
         </p:txBody>
       </p:sp>
       <p:sp>
         <p:nvSpPr>
-          <p:cNvPr id="4" name="日期版面配置區 3"/>
-          <p:cNvSpPr>
-            <a:spLocks noGrp="1"/>
-          </p:cNvSpPr>
-          <p:nvPr>
-            <p:ph type="dt" sz="half" idx="10"/>
+          <p:cNvPr id="5" name="Footer Placeholder 4"/>
+          <p:cNvSpPr>
+            <a:spLocks noGrp="1"/>
+          </p:cNvSpPr>
+          <p:nvPr>
+            <p:ph type="ftr" sz="quarter" idx="11"/>
           </p:nvPr>
         </p:nvSpPr>
         <p:spPr/>
@@ -765,36 +2991,13 @@
           <a:bodyPr/>
           <a:lstStyle/>
           <a:p>
-            <a:fld id="{4A96DD15-C290-4C09-A75B-3A57087BD85C}" type="datetimeFigureOut">
-              <a:rPr lang="zh-TW" altLang="en-US" smtClean="0"/>
-              <a:t>2019/12/28</a:t>
-            </a:fld>
             <a:endParaRPr lang="zh-TW" altLang="en-US"/>
           </a:p>
         </p:txBody>
       </p:sp>
       <p:sp>
         <p:nvSpPr>
-          <p:cNvPr id="5" name="頁尾版面配置區 4"/>
-          <p:cNvSpPr>
-            <a:spLocks noGrp="1"/>
-          </p:cNvSpPr>
-          <p:nvPr>
-            <p:ph type="ftr" sz="quarter" idx="11"/>
-          </p:nvPr>
-        </p:nvSpPr>
-        <p:spPr/>
-        <p:txBody>
-          <a:bodyPr/>
-          <a:lstStyle/>
-          <a:p>
-            <a:endParaRPr lang="zh-TW" altLang="en-US"/>
-          </a:p>
-        </p:txBody>
-      </p:sp>
-      <p:sp>
-        <p:nvSpPr>
-          <p:cNvPr id="6" name="投影片編號版面配置區 5"/>
+          <p:cNvPr id="6" name="Slide Number Placeholder 5"/>
           <p:cNvSpPr>
             <a:spLocks noGrp="1"/>
           </p:cNvSpPr>
@@ -818,7 +3021,7 @@
     </p:spTree>
     <p:extLst>
       <p:ext uri="{BB962C8B-B14F-4D97-AF65-F5344CB8AC3E}">
-        <p14:creationId xmlns:p14="http://schemas.microsoft.com/office/powerpoint/2010/main" val="2502834560"/>
+        <p14:creationId xmlns:p14="http://schemas.microsoft.com/office/powerpoint/2010/main" val="1365157402"/>
       </p:ext>
     </p:extLst>
   </p:cSld>
@@ -847,7 +3050,7 @@
       </p:grpSpPr>
       <p:sp>
         <p:nvSpPr>
-          <p:cNvPr id="2" name="標題 1"/>
+          <p:cNvPr id="2" name="Title 1"/>
           <p:cNvSpPr>
             <a:spLocks noGrp="1"/>
           </p:cNvSpPr>
@@ -857,15 +3060,15 @@
         </p:nvSpPr>
         <p:spPr>
           <a:xfrm>
-            <a:off x="831850" y="1709738"/>
-            <a:ext cx="10515600" cy="2852737"/>
+            <a:off x="1751013" y="3308581"/>
+            <a:ext cx="8686800" cy="1468800"/>
           </a:xfrm>
         </p:spPr>
         <p:txBody>
           <a:bodyPr anchor="b"/>
           <a:lstStyle>
-            <a:lvl1pPr>
-              <a:defRPr sz="6000"/>
+            <a:lvl1pPr algn="r">
+              <a:defRPr sz="4000" b="0" cap="all"/>
             </a:lvl1pPr>
           </a:lstStyle>
           <a:p>
@@ -873,13 +3076,13 @@
               <a:rPr lang="zh-TW" altLang="en-US" smtClean="0"/>
               <a:t>按一下以編輯母片標題樣式</a:t>
             </a:r>
-            <a:endParaRPr lang="zh-TW" altLang="en-US"/>
-          </a:p>
-        </p:txBody>
-      </p:sp>
-      <p:sp>
-        <p:nvSpPr>
-          <p:cNvPr id="3" name="文字版面配置區 2"/>
+            <a:endParaRPr lang="en-US" dirty="0"/>
+          </a:p>
+        </p:txBody>
+      </p:sp>
+      <p:sp>
+        <p:nvSpPr>
+          <p:cNvPr id="3" name="Text Placeholder 2"/>
           <p:cNvSpPr>
             <a:spLocks noGrp="1"/>
           </p:cNvSpPr>
@@ -889,34 +3092,35 @@
         </p:nvSpPr>
         <p:spPr>
           <a:xfrm>
-            <a:off x="831850" y="4589463"/>
-            <a:ext cx="10515600" cy="1500187"/>
+            <a:off x="1751011" y="4777381"/>
+            <a:ext cx="8686801" cy="860400"/>
           </a:xfrm>
         </p:spPr>
         <p:txBody>
-          <a:bodyPr/>
+          <a:bodyPr anchor="t">
+            <a:normAutofit/>
+          </a:bodyPr>
           <a:lstStyle>
-            <a:lvl1pPr marL="0" indent="0">
-              <a:buNone/>
-              <a:defRPr sz="2400">
-                <a:solidFill>
-                  <a:schemeClr val="tx1">
-                    <a:tint val="75000"/>
-                  </a:schemeClr>
-                </a:solidFill>
+            <a:lvl1pPr marL="0" indent="0" algn="r">
+              <a:buNone/>
+              <a:defRPr sz="2000">
+                <a:gradFill flip="none" rotWithShape="1">
+                  <a:gsLst>
+                    <a:gs pos="0">
+                      <a:schemeClr val="tx1"/>
+                    </a:gs>
+                    <a:gs pos="100000">
+                      <a:schemeClr val="tx1">
+                        <a:lumMod val="75000"/>
+                      </a:schemeClr>
+                    </a:gs>
+                  </a:gsLst>
+                  <a:lin ang="5400000" scaled="0"/>
+                  <a:tileRect/>
+                </a:gradFill>
               </a:defRPr>
             </a:lvl1pPr>
             <a:lvl2pPr marL="457200" indent="0">
-              <a:buNone/>
-              <a:defRPr sz="2000">
-                <a:solidFill>
-                  <a:schemeClr val="tx1">
-                    <a:tint val="75000"/>
-                  </a:schemeClr>
-                </a:solidFill>
-              </a:defRPr>
-            </a:lvl2pPr>
-            <a:lvl3pPr marL="914400" indent="0">
               <a:buNone/>
               <a:defRPr sz="1800">
                 <a:solidFill>
@@ -925,8 +3129,8 @@
                   </a:schemeClr>
                 </a:solidFill>
               </a:defRPr>
-            </a:lvl3pPr>
-            <a:lvl4pPr marL="1371600" indent="0">
+            </a:lvl2pPr>
+            <a:lvl3pPr marL="914400" indent="0">
               <a:buNone/>
               <a:defRPr sz="1600">
                 <a:solidFill>
@@ -935,56 +3139,66 @@
                   </a:schemeClr>
                 </a:solidFill>
               </a:defRPr>
-            </a:lvl4pPr>
-            <a:lvl5pPr marL="1828800" indent="0">
-              <a:buNone/>
-              <a:defRPr sz="1600">
+            </a:lvl3pPr>
+            <a:lvl4pPr marL="1371600" indent="0">
+              <a:buNone/>
+              <a:defRPr sz="1400">
                 <a:solidFill>
                   <a:schemeClr val="tx1">
                     <a:tint val="75000"/>
                   </a:schemeClr>
                 </a:solidFill>
               </a:defRPr>
-            </a:lvl5pPr>
-            <a:lvl6pPr marL="2286000" indent="0">
-              <a:buNone/>
-              <a:defRPr sz="1600">
+            </a:lvl4pPr>
+            <a:lvl5pPr marL="1828800" indent="0">
+              <a:buNone/>
+              <a:defRPr sz="1400">
                 <a:solidFill>
                   <a:schemeClr val="tx1">
                     <a:tint val="75000"/>
                   </a:schemeClr>
                 </a:solidFill>
               </a:defRPr>
-            </a:lvl6pPr>
-            <a:lvl7pPr marL="2743200" indent="0">
-              <a:buNone/>
-              <a:defRPr sz="1600">
+            </a:lvl5pPr>
+            <a:lvl6pPr marL="2286000" indent="0">
+              <a:buNone/>
+              <a:defRPr sz="1400">
                 <a:solidFill>
                   <a:schemeClr val="tx1">
                     <a:tint val="75000"/>
                   </a:schemeClr>
                 </a:solidFill>
               </a:defRPr>
-            </a:lvl7pPr>
-            <a:lvl8pPr marL="3200400" indent="0">
-              <a:buNone/>
-              <a:defRPr sz="1600">
+            </a:lvl6pPr>
+            <a:lvl7pPr marL="2743200" indent="0">
+              <a:buNone/>
+              <a:defRPr sz="1400">
                 <a:solidFill>
                   <a:schemeClr val="tx1">
                     <a:tint val="75000"/>
                   </a:schemeClr>
                 </a:solidFill>
               </a:defRPr>
-            </a:lvl8pPr>
-            <a:lvl9pPr marL="3657600" indent="0">
-              <a:buNone/>
-              <a:defRPr sz="1600">
+            </a:lvl7pPr>
+            <a:lvl8pPr marL="3200400" indent="0">
+              <a:buNone/>
+              <a:defRPr sz="1400">
                 <a:solidFill>
                   <a:schemeClr val="tx1">
                     <a:tint val="75000"/>
                   </a:schemeClr>
                 </a:solidFill>
               </a:defRPr>
+            </a:lvl8pPr>
+            <a:lvl9pPr marL="3657600" indent="0">
+              <a:buNone/>
+              <a:defRPr sz="1400">
+                <a:solidFill>
+                  <a:schemeClr val="tx1">
+                    <a:tint val="75000"/>
+                  </a:schemeClr>
+                </a:solidFill>
+              </a:defRPr>
             </a:lvl9pPr>
           </a:lstStyle>
           <a:p>
@@ -998,7 +3212,7 @@
       </p:sp>
       <p:sp>
         <p:nvSpPr>
-          <p:cNvPr id="4" name="日期版面配置區 3"/>
+          <p:cNvPr id="4" name="Date Placeholder 3"/>
           <p:cNvSpPr>
             <a:spLocks noGrp="1"/>
           </p:cNvSpPr>
@@ -1013,7 +3227,7 @@
           <a:p>
             <a:fld id="{4A96DD15-C290-4C09-A75B-3A57087BD85C}" type="datetimeFigureOut">
               <a:rPr lang="zh-TW" altLang="en-US" smtClean="0"/>
-              <a:t>2019/12/28</a:t>
+              <a:t>2019/12/31</a:t>
             </a:fld>
             <a:endParaRPr lang="zh-TW" altLang="en-US"/>
           </a:p>
@@ -1021,7 +3235,7 @@
       </p:sp>
       <p:sp>
         <p:nvSpPr>
-          <p:cNvPr id="5" name="頁尾版面配置區 4"/>
+          <p:cNvPr id="5" name="Footer Placeholder 4"/>
           <p:cNvSpPr>
             <a:spLocks noGrp="1"/>
           </p:cNvSpPr>
@@ -1040,7 +3254,7 @@
       </p:sp>
       <p:sp>
         <p:nvSpPr>
-          <p:cNvPr id="6" name="投影片編號版面配置區 5"/>
+          <p:cNvPr id="6" name="Slide Number Placeholder 5"/>
           <p:cNvSpPr>
             <a:spLocks noGrp="1"/>
           </p:cNvSpPr>
@@ -1064,7 +3278,7 @@
     </p:spTree>
     <p:extLst>
       <p:ext uri="{BB962C8B-B14F-4D97-AF65-F5344CB8AC3E}">
-        <p14:creationId xmlns:p14="http://schemas.microsoft.com/office/powerpoint/2010/main" val="3378479191"/>
+        <p14:creationId xmlns:p14="http://schemas.microsoft.com/office/powerpoint/2010/main" val="1195988593"/>
       </p:ext>
     </p:extLst>
   </p:cSld>
@@ -1093,7 +3307,7 @@
       </p:grpSpPr>
       <p:sp>
         <p:nvSpPr>
-          <p:cNvPr id="2" name="標題 1"/>
+          <p:cNvPr id="2" name="Title 1"/>
           <p:cNvSpPr>
             <a:spLocks noGrp="1"/>
           </p:cNvSpPr>
@@ -1110,13 +3324,13 @@
               <a:rPr lang="zh-TW" altLang="en-US" smtClean="0"/>
               <a:t>按一下以編輯母片標題樣式</a:t>
             </a:r>
-            <a:endParaRPr lang="zh-TW" altLang="en-US"/>
-          </a:p>
-        </p:txBody>
-      </p:sp>
-      <p:sp>
-        <p:nvSpPr>
-          <p:cNvPr id="3" name="內容版面配置區 2"/>
+            <a:endParaRPr lang="en-US" dirty="0"/>
+          </a:p>
+        </p:txBody>
+      </p:sp>
+      <p:sp>
+        <p:nvSpPr>
+          <p:cNvPr id="3" name="Content Placeholder 2"/>
           <p:cNvSpPr>
             <a:spLocks noGrp="1"/>
           </p:cNvSpPr>
@@ -1126,153 +3340,213 @@
         </p:nvSpPr>
         <p:spPr>
           <a:xfrm>
-            <a:off x="838200" y="1825625"/>
-            <a:ext cx="5181600" cy="4351338"/>
+            <a:off x="1141412" y="2666999"/>
+            <a:ext cx="4876800" cy="3124201"/>
           </a:xfrm>
         </p:spPr>
         <p:txBody>
+          <a:bodyPr>
+            <a:normAutofit/>
+          </a:bodyPr>
+          <a:lstStyle>
+            <a:lvl1pPr>
+              <a:defRPr sz="1800"/>
+            </a:lvl1pPr>
+            <a:lvl2pPr>
+              <a:defRPr sz="1600"/>
+            </a:lvl2pPr>
+            <a:lvl3pPr>
+              <a:defRPr sz="1400"/>
+            </a:lvl3pPr>
+            <a:lvl4pPr>
+              <a:defRPr sz="1200"/>
+            </a:lvl4pPr>
+            <a:lvl5pPr>
+              <a:defRPr sz="1200"/>
+            </a:lvl5pPr>
+            <a:lvl6pPr>
+              <a:defRPr sz="1200"/>
+            </a:lvl6pPr>
+            <a:lvl7pPr>
+              <a:defRPr sz="1200"/>
+            </a:lvl7pPr>
+            <a:lvl8pPr>
+              <a:defRPr sz="1200"/>
+            </a:lvl8pPr>
+            <a:lvl9pPr>
+              <a:defRPr sz="1200"/>
+            </a:lvl9pPr>
+          </a:lstStyle>
+          <a:p>
+            <a:pPr lvl="0"/>
+            <a:r>
+              <a:rPr lang="zh-TW" altLang="en-US" smtClean="0"/>
+              <a:t>編輯母片文字樣式</a:t>
+            </a:r>
+          </a:p>
+          <a:p>
+            <a:pPr lvl="1"/>
+            <a:r>
+              <a:rPr lang="zh-TW" altLang="en-US" smtClean="0"/>
+              <a:t>第二層</a:t>
+            </a:r>
+          </a:p>
+          <a:p>
+            <a:pPr lvl="2"/>
+            <a:r>
+              <a:rPr lang="zh-TW" altLang="en-US" smtClean="0"/>
+              <a:t>第三層</a:t>
+            </a:r>
+          </a:p>
+          <a:p>
+            <a:pPr lvl="3"/>
+            <a:r>
+              <a:rPr lang="zh-TW" altLang="en-US" smtClean="0"/>
+              <a:t>第四層</a:t>
+            </a:r>
+          </a:p>
+          <a:p>
+            <a:pPr lvl="4"/>
+            <a:r>
+              <a:rPr lang="zh-TW" altLang="en-US" smtClean="0"/>
+              <a:t>第五層</a:t>
+            </a:r>
+            <a:endParaRPr lang="en-US" dirty="0"/>
+          </a:p>
+        </p:txBody>
+      </p:sp>
+      <p:sp>
+        <p:nvSpPr>
+          <p:cNvPr id="4" name="Content Placeholder 3"/>
+          <p:cNvSpPr>
+            <a:spLocks noGrp="1"/>
+          </p:cNvSpPr>
+          <p:nvPr>
+            <p:ph sz="half" idx="2"/>
+          </p:nvPr>
+        </p:nvSpPr>
+        <p:spPr>
+          <a:xfrm>
+            <a:off x="6170612" y="2667000"/>
+            <a:ext cx="4876800" cy="3124200"/>
+          </a:xfrm>
+        </p:spPr>
+        <p:txBody>
+          <a:bodyPr>
+            <a:normAutofit/>
+          </a:bodyPr>
+          <a:lstStyle>
+            <a:lvl1pPr>
+              <a:defRPr sz="1800"/>
+            </a:lvl1pPr>
+            <a:lvl2pPr>
+              <a:defRPr sz="1600"/>
+            </a:lvl2pPr>
+            <a:lvl3pPr>
+              <a:defRPr sz="1400"/>
+            </a:lvl3pPr>
+            <a:lvl4pPr>
+              <a:defRPr sz="1200"/>
+            </a:lvl4pPr>
+            <a:lvl5pPr>
+              <a:defRPr sz="1200"/>
+            </a:lvl5pPr>
+            <a:lvl6pPr>
+              <a:defRPr sz="1200"/>
+            </a:lvl6pPr>
+            <a:lvl7pPr>
+              <a:defRPr sz="1200"/>
+            </a:lvl7pPr>
+            <a:lvl8pPr>
+              <a:defRPr sz="1200"/>
+            </a:lvl8pPr>
+            <a:lvl9pPr>
+              <a:defRPr sz="1200"/>
+            </a:lvl9pPr>
+          </a:lstStyle>
+          <a:p>
+            <a:pPr lvl="0"/>
+            <a:r>
+              <a:rPr lang="zh-TW" altLang="en-US" smtClean="0"/>
+              <a:t>編輯母片文字樣式</a:t>
+            </a:r>
+          </a:p>
+          <a:p>
+            <a:pPr lvl="1"/>
+            <a:r>
+              <a:rPr lang="zh-TW" altLang="en-US" smtClean="0"/>
+              <a:t>第二層</a:t>
+            </a:r>
+          </a:p>
+          <a:p>
+            <a:pPr lvl="2"/>
+            <a:r>
+              <a:rPr lang="zh-TW" altLang="en-US" smtClean="0"/>
+              <a:t>第三層</a:t>
+            </a:r>
+          </a:p>
+          <a:p>
+            <a:pPr lvl="3"/>
+            <a:r>
+              <a:rPr lang="zh-TW" altLang="en-US" smtClean="0"/>
+              <a:t>第四層</a:t>
+            </a:r>
+          </a:p>
+          <a:p>
+            <a:pPr lvl="4"/>
+            <a:r>
+              <a:rPr lang="zh-TW" altLang="en-US" smtClean="0"/>
+              <a:t>第五層</a:t>
+            </a:r>
+            <a:endParaRPr lang="en-US" dirty="0"/>
+          </a:p>
+        </p:txBody>
+      </p:sp>
+      <p:sp>
+        <p:nvSpPr>
+          <p:cNvPr id="5" name="Date Placeholder 4"/>
+          <p:cNvSpPr>
+            <a:spLocks noGrp="1"/>
+          </p:cNvSpPr>
+          <p:nvPr>
+            <p:ph type="dt" sz="half" idx="10"/>
+          </p:nvPr>
+        </p:nvSpPr>
+        <p:spPr/>
+        <p:txBody>
           <a:bodyPr/>
           <a:lstStyle/>
           <a:p>
-            <a:pPr lvl="0"/>
-            <a:r>
-              <a:rPr lang="zh-TW" altLang="en-US" smtClean="0"/>
-              <a:t>編輯母片文字樣式</a:t>
-            </a:r>
-          </a:p>
-          <a:p>
-            <a:pPr lvl="1"/>
-            <a:r>
-              <a:rPr lang="zh-TW" altLang="en-US" smtClean="0"/>
-              <a:t>第二層</a:t>
-            </a:r>
-          </a:p>
-          <a:p>
-            <a:pPr lvl="2"/>
-            <a:r>
-              <a:rPr lang="zh-TW" altLang="en-US" smtClean="0"/>
-              <a:t>第三層</a:t>
-            </a:r>
-          </a:p>
-          <a:p>
-            <a:pPr lvl="3"/>
-            <a:r>
-              <a:rPr lang="zh-TW" altLang="en-US" smtClean="0"/>
-              <a:t>第四層</a:t>
-            </a:r>
-          </a:p>
-          <a:p>
-            <a:pPr lvl="4"/>
-            <a:r>
-              <a:rPr lang="zh-TW" altLang="en-US" smtClean="0"/>
-              <a:t>第五層</a:t>
-            </a:r>
+            <a:fld id="{4A96DD15-C290-4C09-A75B-3A57087BD85C}" type="datetimeFigureOut">
+              <a:rPr lang="zh-TW" altLang="en-US" smtClean="0"/>
+              <a:t>2019/12/31</a:t>
+            </a:fld>
             <a:endParaRPr lang="zh-TW" altLang="en-US"/>
           </a:p>
         </p:txBody>
       </p:sp>
       <p:sp>
         <p:nvSpPr>
-          <p:cNvPr id="4" name="內容版面配置區 3"/>
-          <p:cNvSpPr>
-            <a:spLocks noGrp="1"/>
-          </p:cNvSpPr>
-          <p:nvPr>
-            <p:ph sz="half" idx="2"/>
-          </p:nvPr>
-        </p:nvSpPr>
-        <p:spPr>
-          <a:xfrm>
-            <a:off x="6172200" y="1825625"/>
-            <a:ext cx="5181600" cy="4351338"/>
-          </a:xfrm>
-        </p:spPr>
+          <p:cNvPr id="6" name="Footer Placeholder 5"/>
+          <p:cNvSpPr>
+            <a:spLocks noGrp="1"/>
+          </p:cNvSpPr>
+          <p:nvPr>
+            <p:ph type="ftr" sz="quarter" idx="11"/>
+          </p:nvPr>
+        </p:nvSpPr>
+        <p:spPr/>
         <p:txBody>
           <a:bodyPr/>
           <a:lstStyle/>
           <a:p>
-            <a:pPr lvl="0"/>
-            <a:r>
-              <a:rPr lang="zh-TW" altLang="en-US" smtClean="0"/>
-              <a:t>編輯母片文字樣式</a:t>
-            </a:r>
-          </a:p>
-          <a:p>
-            <a:pPr lvl="1"/>
-            <a:r>
-              <a:rPr lang="zh-TW" altLang="en-US" smtClean="0"/>
-              <a:t>第二層</a:t>
-            </a:r>
-          </a:p>
-          <a:p>
-            <a:pPr lvl="2"/>
-            <a:r>
-              <a:rPr lang="zh-TW" altLang="en-US" smtClean="0"/>
-              <a:t>第三層</a:t>
-            </a:r>
-          </a:p>
-          <a:p>
-            <a:pPr lvl="3"/>
-            <a:r>
-              <a:rPr lang="zh-TW" altLang="en-US" smtClean="0"/>
-              <a:t>第四層</a:t>
-            </a:r>
-          </a:p>
-          <a:p>
-            <a:pPr lvl="4"/>
-            <a:r>
-              <a:rPr lang="zh-TW" altLang="en-US" smtClean="0"/>
-              <a:t>第五層</a:t>
-            </a:r>
             <a:endParaRPr lang="zh-TW" altLang="en-US"/>
           </a:p>
         </p:txBody>
       </p:sp>
       <p:sp>
         <p:nvSpPr>
-          <p:cNvPr id="5" name="日期版面配置區 4"/>
-          <p:cNvSpPr>
-            <a:spLocks noGrp="1"/>
-          </p:cNvSpPr>
-          <p:nvPr>
-            <p:ph type="dt" sz="half" idx="10"/>
-          </p:nvPr>
-        </p:nvSpPr>
-        <p:spPr/>
-        <p:txBody>
-          <a:bodyPr/>
-          <a:lstStyle/>
-          <a:p>
-            <a:fld id="{4A96DD15-C290-4C09-A75B-3A57087BD85C}" type="datetimeFigureOut">
-              <a:rPr lang="zh-TW" altLang="en-US" smtClean="0"/>
-              <a:t>2019/12/28</a:t>
-            </a:fld>
-            <a:endParaRPr lang="zh-TW" altLang="en-US"/>
-          </a:p>
-        </p:txBody>
-      </p:sp>
-      <p:sp>
-        <p:nvSpPr>
-          <p:cNvPr id="6" name="頁尾版面配置區 5"/>
-          <p:cNvSpPr>
-            <a:spLocks noGrp="1"/>
-          </p:cNvSpPr>
-          <p:nvPr>
-            <p:ph type="ftr" sz="quarter" idx="11"/>
-          </p:nvPr>
-        </p:nvSpPr>
-        <p:spPr/>
-        <p:txBody>
-          <a:bodyPr/>
-          <a:lstStyle/>
-          <a:p>
-            <a:endParaRPr lang="zh-TW" altLang="en-US"/>
-          </a:p>
-        </p:txBody>
-      </p:sp>
-      <p:sp>
-        <p:nvSpPr>
-          <p:cNvPr id="7" name="投影片編號版面配置區 6"/>
+          <p:cNvPr id="7" name="Slide Number Placeholder 6"/>
           <p:cNvSpPr>
             <a:spLocks noGrp="1"/>
           </p:cNvSpPr>
@@ -1296,7 +3570,7 @@
     </p:spTree>
     <p:extLst>
       <p:ext uri="{BB962C8B-B14F-4D97-AF65-F5344CB8AC3E}">
-        <p14:creationId xmlns:p14="http://schemas.microsoft.com/office/powerpoint/2010/main" val="4083492314"/>
+        <p14:creationId xmlns:p14="http://schemas.microsoft.com/office/powerpoint/2010/main" val="3913266983"/>
       </p:ext>
     </p:extLst>
   </p:cSld>
@@ -1325,54 +3599,55 @@
       </p:grpSpPr>
       <p:sp>
         <p:nvSpPr>
-          <p:cNvPr id="2" name="標題 1"/>
+          <p:cNvPr id="2" name="Title 1"/>
           <p:cNvSpPr>
             <a:spLocks noGrp="1"/>
           </p:cNvSpPr>
           <p:nvPr>
             <p:ph type="title"/>
+          </p:nvPr>
+        </p:nvSpPr>
+        <p:spPr/>
+        <p:txBody>
+          <a:bodyPr/>
+          <a:lstStyle>
+            <a:lvl1pPr>
+              <a:defRPr/>
+            </a:lvl1pPr>
+          </a:lstStyle>
+          <a:p>
+            <a:r>
+              <a:rPr lang="zh-TW" altLang="en-US" smtClean="0"/>
+              <a:t>按一下以編輯母片標題樣式</a:t>
+            </a:r>
+            <a:endParaRPr lang="en-US" dirty="0"/>
+          </a:p>
+        </p:txBody>
+      </p:sp>
+      <p:sp>
+        <p:nvSpPr>
+          <p:cNvPr id="3" name="Text Placeholder 2"/>
+          <p:cNvSpPr>
+            <a:spLocks noGrp="1"/>
+          </p:cNvSpPr>
+          <p:nvPr>
+            <p:ph type="body" idx="1"/>
           </p:nvPr>
         </p:nvSpPr>
         <p:spPr>
           <a:xfrm>
-            <a:off x="839788" y="365125"/>
-            <a:ext cx="10515600" cy="1325563"/>
+            <a:off x="1429280" y="2658533"/>
+            <a:ext cx="4588931" cy="576262"/>
           </a:xfrm>
         </p:spPr>
         <p:txBody>
-          <a:bodyPr/>
-          <a:lstStyle/>
-          <a:p>
-            <a:r>
-              <a:rPr lang="zh-TW" altLang="en-US" smtClean="0"/>
-              <a:t>按一下以編輯母片標題樣式</a:t>
-            </a:r>
-            <a:endParaRPr lang="zh-TW" altLang="en-US"/>
-          </a:p>
-        </p:txBody>
-      </p:sp>
-      <p:sp>
-        <p:nvSpPr>
-          <p:cNvPr id="3" name="文字版面配置區 2"/>
-          <p:cNvSpPr>
-            <a:spLocks noGrp="1"/>
-          </p:cNvSpPr>
-          <p:nvPr>
-            <p:ph type="body" idx="1"/>
-          </p:nvPr>
-        </p:nvSpPr>
-        <p:spPr>
-          <a:xfrm>
-            <a:off x="839788" y="1681163"/>
-            <a:ext cx="5157787" cy="823912"/>
-          </a:xfrm>
-        </p:spPr>
-        <p:txBody>
-          <a:bodyPr anchor="b"/>
+          <a:bodyPr anchor="b">
+            <a:noAutofit/>
+          </a:bodyPr>
           <a:lstStyle>
             <a:lvl1pPr marL="0" indent="0">
               <a:buNone/>
-              <a:defRPr sz="2400" b="1"/>
+              <a:defRPr sz="2800" b="0"/>
             </a:lvl1pPr>
             <a:lvl2pPr marL="457200" indent="0">
               <a:buNone/>
@@ -1418,7 +3693,7 @@
       </p:sp>
       <p:sp>
         <p:nvSpPr>
-          <p:cNvPr id="4" name="內容版面配置區 3"/>
+          <p:cNvPr id="4" name="Content Placeholder 3"/>
           <p:cNvSpPr>
             <a:spLocks noGrp="1"/>
           </p:cNvSpPr>
@@ -1428,13 +3703,43 @@
         </p:nvSpPr>
         <p:spPr>
           <a:xfrm>
-            <a:off x="839788" y="2505075"/>
-            <a:ext cx="5157787" cy="3684588"/>
+            <a:off x="1141412" y="3243262"/>
+            <a:ext cx="4876800" cy="2547937"/>
           </a:xfrm>
         </p:spPr>
         <p:txBody>
-          <a:bodyPr/>
-          <a:lstStyle/>
+          <a:bodyPr anchor="t">
+            <a:normAutofit/>
+          </a:bodyPr>
+          <a:lstStyle>
+            <a:lvl1pPr>
+              <a:defRPr sz="1800"/>
+            </a:lvl1pPr>
+            <a:lvl2pPr>
+              <a:defRPr sz="1600"/>
+            </a:lvl2pPr>
+            <a:lvl3pPr>
+              <a:defRPr sz="1400"/>
+            </a:lvl3pPr>
+            <a:lvl4pPr>
+              <a:defRPr sz="1200"/>
+            </a:lvl4pPr>
+            <a:lvl5pPr>
+              <a:defRPr sz="1200"/>
+            </a:lvl5pPr>
+            <a:lvl6pPr>
+              <a:defRPr sz="1200"/>
+            </a:lvl6pPr>
+            <a:lvl7pPr>
+              <a:defRPr sz="1200"/>
+            </a:lvl7pPr>
+            <a:lvl8pPr>
+              <a:defRPr sz="1200"/>
+            </a:lvl8pPr>
+            <a:lvl9pPr>
+              <a:defRPr sz="1200"/>
+            </a:lvl9pPr>
+          </a:lstStyle>
           <a:p>
             <a:pPr lvl="0"/>
             <a:r>
@@ -1469,13 +3774,13 @@
               <a:rPr lang="zh-TW" altLang="en-US" smtClean="0"/>
               <a:t>第五層</a:t>
             </a:r>
-            <a:endParaRPr lang="zh-TW" altLang="en-US"/>
-          </a:p>
-        </p:txBody>
-      </p:sp>
-      <p:sp>
-        <p:nvSpPr>
-          <p:cNvPr id="5" name="文字版面配置區 4"/>
+            <a:endParaRPr lang="en-US" dirty="0"/>
+          </a:p>
+        </p:txBody>
+      </p:sp>
+      <p:sp>
+        <p:nvSpPr>
+          <p:cNvPr id="5" name="Text Placeholder 4"/>
           <p:cNvSpPr>
             <a:spLocks noGrp="1"/>
           </p:cNvSpPr>
@@ -1485,16 +3790,18 @@
         </p:nvSpPr>
         <p:spPr>
           <a:xfrm>
-            <a:off x="6172200" y="1681163"/>
-            <a:ext cx="5183188" cy="823912"/>
+            <a:off x="6443133" y="2667000"/>
+            <a:ext cx="4604280" cy="576262"/>
           </a:xfrm>
         </p:spPr>
         <p:txBody>
-          <a:bodyPr anchor="b"/>
+          <a:bodyPr anchor="b">
+            <a:noAutofit/>
+          </a:bodyPr>
           <a:lstStyle>
             <a:lvl1pPr marL="0" indent="0">
               <a:buNone/>
-              <a:defRPr sz="2400" b="1"/>
+              <a:defRPr sz="2800" b="0"/>
             </a:lvl1pPr>
             <a:lvl2pPr marL="457200" indent="0">
               <a:buNone/>
@@ -1540,7 +3847,7 @@
       </p:sp>
       <p:sp>
         <p:nvSpPr>
-          <p:cNvPr id="6" name="內容版面配置區 5"/>
+          <p:cNvPr id="6" name="Content Placeholder 5"/>
           <p:cNvSpPr>
             <a:spLocks noGrp="1"/>
           </p:cNvSpPr>
@@ -1550,59 +3857,112 @@
         </p:nvSpPr>
         <p:spPr>
           <a:xfrm>
-            <a:off x="6172200" y="2505075"/>
-            <a:ext cx="5183188" cy="3684588"/>
+            <a:off x="6170612" y="3243262"/>
+            <a:ext cx="4876801" cy="2547937"/>
           </a:xfrm>
         </p:spPr>
         <p:txBody>
+          <a:bodyPr anchor="t">
+            <a:normAutofit/>
+          </a:bodyPr>
+          <a:lstStyle>
+            <a:lvl1pPr>
+              <a:defRPr sz="1800"/>
+            </a:lvl1pPr>
+            <a:lvl2pPr>
+              <a:defRPr sz="1600"/>
+            </a:lvl2pPr>
+            <a:lvl3pPr>
+              <a:defRPr sz="1400"/>
+            </a:lvl3pPr>
+            <a:lvl4pPr>
+              <a:defRPr sz="1200"/>
+            </a:lvl4pPr>
+            <a:lvl5pPr>
+              <a:defRPr sz="1200"/>
+            </a:lvl5pPr>
+            <a:lvl6pPr>
+              <a:defRPr sz="1200"/>
+            </a:lvl6pPr>
+            <a:lvl7pPr>
+              <a:defRPr sz="1200"/>
+            </a:lvl7pPr>
+            <a:lvl8pPr>
+              <a:defRPr sz="1200"/>
+            </a:lvl8pPr>
+            <a:lvl9pPr>
+              <a:defRPr sz="1200"/>
+            </a:lvl9pPr>
+          </a:lstStyle>
+          <a:p>
+            <a:pPr lvl="0"/>
+            <a:r>
+              <a:rPr lang="zh-TW" altLang="en-US" smtClean="0"/>
+              <a:t>編輯母片文字樣式</a:t>
+            </a:r>
+          </a:p>
+          <a:p>
+            <a:pPr lvl="1"/>
+            <a:r>
+              <a:rPr lang="zh-TW" altLang="en-US" smtClean="0"/>
+              <a:t>第二層</a:t>
+            </a:r>
+          </a:p>
+          <a:p>
+            <a:pPr lvl="2"/>
+            <a:r>
+              <a:rPr lang="zh-TW" altLang="en-US" smtClean="0"/>
+              <a:t>第三層</a:t>
+            </a:r>
+          </a:p>
+          <a:p>
+            <a:pPr lvl="3"/>
+            <a:r>
+              <a:rPr lang="zh-TW" altLang="en-US" smtClean="0"/>
+              <a:t>第四層</a:t>
+            </a:r>
+          </a:p>
+          <a:p>
+            <a:pPr lvl="4"/>
+            <a:r>
+              <a:rPr lang="zh-TW" altLang="en-US" smtClean="0"/>
+              <a:t>第五層</a:t>
+            </a:r>
+            <a:endParaRPr lang="en-US" dirty="0"/>
+          </a:p>
+        </p:txBody>
+      </p:sp>
+      <p:sp>
+        <p:nvSpPr>
+          <p:cNvPr id="7" name="Date Placeholder 6"/>
+          <p:cNvSpPr>
+            <a:spLocks noGrp="1"/>
+          </p:cNvSpPr>
+          <p:nvPr>
+            <p:ph type="dt" sz="half" idx="10"/>
+          </p:nvPr>
+        </p:nvSpPr>
+        <p:spPr/>
+        <p:txBody>
           <a:bodyPr/>
           <a:lstStyle/>
           <a:p>
-            <a:pPr lvl="0"/>
-            <a:r>
-              <a:rPr lang="zh-TW" altLang="en-US" smtClean="0"/>
-              <a:t>編輯母片文字樣式</a:t>
-            </a:r>
-          </a:p>
-          <a:p>
-            <a:pPr lvl="1"/>
-            <a:r>
-              <a:rPr lang="zh-TW" altLang="en-US" smtClean="0"/>
-              <a:t>第二層</a:t>
-            </a:r>
-          </a:p>
-          <a:p>
-            <a:pPr lvl="2"/>
-            <a:r>
-              <a:rPr lang="zh-TW" altLang="en-US" smtClean="0"/>
-              <a:t>第三層</a:t>
-            </a:r>
-          </a:p>
-          <a:p>
-            <a:pPr lvl="3"/>
-            <a:r>
-              <a:rPr lang="zh-TW" altLang="en-US" smtClean="0"/>
-              <a:t>第四層</a:t>
-            </a:r>
-          </a:p>
-          <a:p>
-            <a:pPr lvl="4"/>
-            <a:r>
-              <a:rPr lang="zh-TW" altLang="en-US" smtClean="0"/>
-              <a:t>第五層</a:t>
-            </a:r>
+            <a:fld id="{4A96DD15-C290-4C09-A75B-3A57087BD85C}" type="datetimeFigureOut">
+              <a:rPr lang="zh-TW" altLang="en-US" smtClean="0"/>
+              <a:t>2019/12/31</a:t>
+            </a:fld>
             <a:endParaRPr lang="zh-TW" altLang="en-US"/>
           </a:p>
         </p:txBody>
       </p:sp>
       <p:sp>
         <p:nvSpPr>
-          <p:cNvPr id="7" name="日期版面配置區 6"/>
-          <p:cNvSpPr>
-            <a:spLocks noGrp="1"/>
-          </p:cNvSpPr>
-          <p:nvPr>
-            <p:ph type="dt" sz="half" idx="10"/>
+          <p:cNvPr id="8" name="Footer Placeholder 7"/>
+          <p:cNvSpPr>
+            <a:spLocks noGrp="1"/>
+          </p:cNvSpPr>
+          <p:nvPr>
+            <p:ph type="ftr" sz="quarter" idx="11"/>
           </p:nvPr>
         </p:nvSpPr>
         <p:spPr/>
@@ -1610,36 +3970,13 @@
           <a:bodyPr/>
           <a:lstStyle/>
           <a:p>
-            <a:fld id="{4A96DD15-C290-4C09-A75B-3A57087BD85C}" type="datetimeFigureOut">
-              <a:rPr lang="zh-TW" altLang="en-US" smtClean="0"/>
-              <a:t>2019/12/28</a:t>
-            </a:fld>
             <a:endParaRPr lang="zh-TW" altLang="en-US"/>
           </a:p>
         </p:txBody>
       </p:sp>
       <p:sp>
         <p:nvSpPr>
-          <p:cNvPr id="8" name="頁尾版面配置區 7"/>
-          <p:cNvSpPr>
-            <a:spLocks noGrp="1"/>
-          </p:cNvSpPr>
-          <p:nvPr>
-            <p:ph type="ftr" sz="quarter" idx="11"/>
-          </p:nvPr>
-        </p:nvSpPr>
-        <p:spPr/>
-        <p:txBody>
-          <a:bodyPr/>
-          <a:lstStyle/>
-          <a:p>
-            <a:endParaRPr lang="zh-TW" altLang="en-US"/>
-          </a:p>
-        </p:txBody>
-      </p:sp>
-      <p:sp>
-        <p:nvSpPr>
-          <p:cNvPr id="9" name="投影片編號版面配置區 8"/>
+          <p:cNvPr id="9" name="Slide Number Placeholder 8"/>
           <p:cNvSpPr>
             <a:spLocks noGrp="1"/>
           </p:cNvSpPr>
@@ -1663,7 +4000,7 @@
     </p:spTree>
     <p:extLst>
       <p:ext uri="{BB962C8B-B14F-4D97-AF65-F5344CB8AC3E}">
-        <p14:creationId xmlns:p14="http://schemas.microsoft.com/office/powerpoint/2010/main" val="468483148"/>
+        <p14:creationId xmlns:p14="http://schemas.microsoft.com/office/powerpoint/2010/main" val="3544273858"/>
       </p:ext>
     </p:extLst>
   </p:cSld>
@@ -1692,7 +4029,7 @@
       </p:grpSpPr>
       <p:sp>
         <p:nvSpPr>
-          <p:cNvPr id="2" name="標題 1"/>
+          <p:cNvPr id="2" name="Title 1"/>
           <p:cNvSpPr>
             <a:spLocks noGrp="1"/>
           </p:cNvSpPr>
@@ -1709,13 +4046,13 @@
               <a:rPr lang="zh-TW" altLang="en-US" smtClean="0"/>
               <a:t>按一下以編輯母片標題樣式</a:t>
             </a:r>
-            <a:endParaRPr lang="zh-TW" altLang="en-US"/>
-          </a:p>
-        </p:txBody>
-      </p:sp>
-      <p:sp>
-        <p:nvSpPr>
-          <p:cNvPr id="3" name="日期版面配置區 2"/>
+            <a:endParaRPr lang="en-US" dirty="0"/>
+          </a:p>
+        </p:txBody>
+      </p:sp>
+      <p:sp>
+        <p:nvSpPr>
+          <p:cNvPr id="3" name="Date Placeholder 2"/>
           <p:cNvSpPr>
             <a:spLocks noGrp="1"/>
           </p:cNvSpPr>
@@ -1730,7 +4067,7 @@
           <a:p>
             <a:fld id="{4A96DD15-C290-4C09-A75B-3A57087BD85C}" type="datetimeFigureOut">
               <a:rPr lang="zh-TW" altLang="en-US" smtClean="0"/>
-              <a:t>2019/12/28</a:t>
+              <a:t>2019/12/31</a:t>
             </a:fld>
             <a:endParaRPr lang="zh-TW" altLang="en-US"/>
           </a:p>
@@ -1738,7 +4075,7 @@
       </p:sp>
       <p:sp>
         <p:nvSpPr>
-          <p:cNvPr id="4" name="頁尾版面配置區 3"/>
+          <p:cNvPr id="4" name="Footer Placeholder 3"/>
           <p:cNvSpPr>
             <a:spLocks noGrp="1"/>
           </p:cNvSpPr>
@@ -1757,7 +4094,7 @@
       </p:sp>
       <p:sp>
         <p:nvSpPr>
-          <p:cNvPr id="5" name="投影片編號版面配置區 4"/>
+          <p:cNvPr id="5" name="Slide Number Placeholder 4"/>
           <p:cNvSpPr>
             <a:spLocks noGrp="1"/>
           </p:cNvSpPr>
@@ -1781,7 +4118,7 @@
     </p:spTree>
     <p:extLst>
       <p:ext uri="{BB962C8B-B14F-4D97-AF65-F5344CB8AC3E}">
-        <p14:creationId xmlns:p14="http://schemas.microsoft.com/office/powerpoint/2010/main" val="2852901524"/>
+        <p14:creationId xmlns:p14="http://schemas.microsoft.com/office/powerpoint/2010/main" val="3500133847"/>
       </p:ext>
     </p:extLst>
   </p:cSld>
@@ -1810,7 +4147,7 @@
       </p:grpSpPr>
       <p:sp>
         <p:nvSpPr>
-          <p:cNvPr id="2" name="日期版面配置區 1"/>
+          <p:cNvPr id="2" name="Date Placeholder 1"/>
           <p:cNvSpPr>
             <a:spLocks noGrp="1"/>
           </p:cNvSpPr>
@@ -1825,7 +4162,7 @@
           <a:p>
             <a:fld id="{4A96DD15-C290-4C09-A75B-3A57087BD85C}" type="datetimeFigureOut">
               <a:rPr lang="zh-TW" altLang="en-US" smtClean="0"/>
-              <a:t>2019/12/28</a:t>
+              <a:t>2019/12/31</a:t>
             </a:fld>
             <a:endParaRPr lang="zh-TW" altLang="en-US"/>
           </a:p>
@@ -1833,7 +4170,7 @@
       </p:sp>
       <p:sp>
         <p:nvSpPr>
-          <p:cNvPr id="3" name="頁尾版面配置區 2"/>
+          <p:cNvPr id="3" name="Footer Placeholder 2"/>
           <p:cNvSpPr>
             <a:spLocks noGrp="1"/>
           </p:cNvSpPr>
@@ -1852,7 +4189,7 @@
       </p:sp>
       <p:sp>
         <p:nvSpPr>
-          <p:cNvPr id="4" name="投影片編號版面配置區 3"/>
+          <p:cNvPr id="4" name="Slide Number Placeholder 3"/>
           <p:cNvSpPr>
             <a:spLocks noGrp="1"/>
           </p:cNvSpPr>
@@ -1876,7 +4213,7 @@
     </p:spTree>
     <p:extLst>
       <p:ext uri="{BB962C8B-B14F-4D97-AF65-F5344CB8AC3E}">
-        <p14:creationId xmlns:p14="http://schemas.microsoft.com/office/powerpoint/2010/main" val="4182351864"/>
+        <p14:creationId xmlns:p14="http://schemas.microsoft.com/office/powerpoint/2010/main" val="1025943936"/>
       </p:ext>
     </p:extLst>
   </p:cSld>
@@ -1905,7 +4242,7 @@
       </p:grpSpPr>
       <p:sp>
         <p:nvSpPr>
-          <p:cNvPr id="2" name="標題 1"/>
+          <p:cNvPr id="2" name="Title 1"/>
           <p:cNvSpPr>
             <a:spLocks noGrp="1"/>
           </p:cNvSpPr>
@@ -1915,129 +4252,135 @@
         </p:nvSpPr>
         <p:spPr>
           <a:xfrm>
-            <a:off x="839788" y="457200"/>
-            <a:ext cx="3932237" cy="1600200"/>
+            <a:off x="1141411" y="1600200"/>
+            <a:ext cx="3549121" cy="1371600"/>
           </a:xfrm>
         </p:spPr>
         <p:txBody>
-          <a:bodyPr anchor="b"/>
+          <a:bodyPr anchor="b">
+            <a:normAutofit/>
+          </a:bodyPr>
+          <a:lstStyle>
+            <a:lvl1pPr algn="l">
+              <a:defRPr sz="2400" b="0"/>
+            </a:lvl1pPr>
+          </a:lstStyle>
+          <a:p>
+            <a:r>
+              <a:rPr lang="zh-TW" altLang="en-US" smtClean="0"/>
+              <a:t>按一下以編輯母片標題樣式</a:t>
+            </a:r>
+            <a:endParaRPr lang="en-US" dirty="0"/>
+          </a:p>
+        </p:txBody>
+      </p:sp>
+      <p:sp>
+        <p:nvSpPr>
+          <p:cNvPr id="3" name="Content Placeholder 2"/>
+          <p:cNvSpPr>
+            <a:spLocks noGrp="1"/>
+          </p:cNvSpPr>
+          <p:nvPr>
+            <p:ph idx="1"/>
+          </p:nvPr>
+        </p:nvSpPr>
+        <p:spPr>
+          <a:xfrm>
+            <a:off x="5103812" y="609601"/>
+            <a:ext cx="5943601" cy="5181600"/>
+          </a:xfrm>
+        </p:spPr>
+        <p:txBody>
+          <a:bodyPr anchor="ctr">
+            <a:normAutofit/>
+          </a:bodyPr>
           <a:lstStyle>
             <a:lvl1pPr>
-              <a:defRPr sz="3200"/>
+              <a:defRPr sz="2000"/>
             </a:lvl1pPr>
+            <a:lvl2pPr>
+              <a:defRPr sz="1800"/>
+            </a:lvl2pPr>
+            <a:lvl3pPr>
+              <a:defRPr sz="1600"/>
+            </a:lvl3pPr>
+            <a:lvl4pPr>
+              <a:defRPr sz="1400"/>
+            </a:lvl4pPr>
+            <a:lvl5pPr>
+              <a:defRPr sz="1400"/>
+            </a:lvl5pPr>
+            <a:lvl6pPr>
+              <a:defRPr sz="1400"/>
+            </a:lvl6pPr>
+            <a:lvl7pPr>
+              <a:defRPr sz="1400"/>
+            </a:lvl7pPr>
+            <a:lvl8pPr>
+              <a:defRPr sz="1400"/>
+            </a:lvl8pPr>
+            <a:lvl9pPr>
+              <a:defRPr sz="1400"/>
+            </a:lvl9pPr>
           </a:lstStyle>
           <a:p>
-            <a:r>
-              <a:rPr lang="zh-TW" altLang="en-US" smtClean="0"/>
-              <a:t>按一下以編輯母片標題樣式</a:t>
-            </a:r>
-            <a:endParaRPr lang="zh-TW" altLang="en-US"/>
-          </a:p>
-        </p:txBody>
-      </p:sp>
-      <p:sp>
-        <p:nvSpPr>
-          <p:cNvPr id="3" name="內容版面配置區 2"/>
-          <p:cNvSpPr>
-            <a:spLocks noGrp="1"/>
-          </p:cNvSpPr>
-          <p:nvPr>
-            <p:ph idx="1"/>
+            <a:pPr lvl="0"/>
+            <a:r>
+              <a:rPr lang="zh-TW" altLang="en-US" smtClean="0"/>
+              <a:t>編輯母片文字樣式</a:t>
+            </a:r>
+          </a:p>
+          <a:p>
+            <a:pPr lvl="1"/>
+            <a:r>
+              <a:rPr lang="zh-TW" altLang="en-US" smtClean="0"/>
+              <a:t>第二層</a:t>
+            </a:r>
+          </a:p>
+          <a:p>
+            <a:pPr lvl="2"/>
+            <a:r>
+              <a:rPr lang="zh-TW" altLang="en-US" smtClean="0"/>
+              <a:t>第三層</a:t>
+            </a:r>
+          </a:p>
+          <a:p>
+            <a:pPr lvl="3"/>
+            <a:r>
+              <a:rPr lang="zh-TW" altLang="en-US" smtClean="0"/>
+              <a:t>第四層</a:t>
+            </a:r>
+          </a:p>
+          <a:p>
+            <a:pPr lvl="4"/>
+            <a:r>
+              <a:rPr lang="zh-TW" altLang="en-US" smtClean="0"/>
+              <a:t>第五層</a:t>
+            </a:r>
+            <a:endParaRPr lang="en-US" dirty="0"/>
+          </a:p>
+        </p:txBody>
+      </p:sp>
+      <p:sp>
+        <p:nvSpPr>
+          <p:cNvPr id="4" name="Text Placeholder 3"/>
+          <p:cNvSpPr>
+            <a:spLocks noGrp="1"/>
+          </p:cNvSpPr>
+          <p:nvPr>
+            <p:ph type="body" sz="half" idx="2"/>
           </p:nvPr>
         </p:nvSpPr>
         <p:spPr>
           <a:xfrm>
-            <a:off x="5183188" y="987425"/>
-            <a:ext cx="6172200" cy="4873625"/>
+            <a:off x="1141411" y="2971800"/>
+            <a:ext cx="3549121" cy="1828800"/>
           </a:xfrm>
         </p:spPr>
         <p:txBody>
-          <a:bodyPr/>
-          <a:lstStyle>
-            <a:lvl1pPr>
-              <a:defRPr sz="3200"/>
-            </a:lvl1pPr>
-            <a:lvl2pPr>
-              <a:defRPr sz="2800"/>
-            </a:lvl2pPr>
-            <a:lvl3pPr>
-              <a:defRPr sz="2400"/>
-            </a:lvl3pPr>
-            <a:lvl4pPr>
-              <a:defRPr sz="2000"/>
-            </a:lvl4pPr>
-            <a:lvl5pPr>
-              <a:defRPr sz="2000"/>
-            </a:lvl5pPr>
-            <a:lvl6pPr>
-              <a:defRPr sz="2000"/>
-            </a:lvl6pPr>
-            <a:lvl7pPr>
-              <a:defRPr sz="2000"/>
-            </a:lvl7pPr>
-            <a:lvl8pPr>
-              <a:defRPr sz="2000"/>
-            </a:lvl8pPr>
-            <a:lvl9pPr>
-              <a:defRPr sz="2000"/>
-            </a:lvl9pPr>
-          </a:lstStyle>
-          <a:p>
-            <a:pPr lvl="0"/>
-            <a:r>
-              <a:rPr lang="zh-TW" altLang="en-US" smtClean="0"/>
-              <a:t>編輯母片文字樣式</a:t>
-            </a:r>
-          </a:p>
-          <a:p>
-            <a:pPr lvl="1"/>
-            <a:r>
-              <a:rPr lang="zh-TW" altLang="en-US" smtClean="0"/>
-              <a:t>第二層</a:t>
-            </a:r>
-          </a:p>
-          <a:p>
-            <a:pPr lvl="2"/>
-            <a:r>
-              <a:rPr lang="zh-TW" altLang="en-US" smtClean="0"/>
-              <a:t>第三層</a:t>
-            </a:r>
-          </a:p>
-          <a:p>
-            <a:pPr lvl="3"/>
-            <a:r>
-              <a:rPr lang="zh-TW" altLang="en-US" smtClean="0"/>
-              <a:t>第四層</a:t>
-            </a:r>
-          </a:p>
-          <a:p>
-            <a:pPr lvl="4"/>
-            <a:r>
-              <a:rPr lang="zh-TW" altLang="en-US" smtClean="0"/>
-              <a:t>第五層</a:t>
-            </a:r>
-            <a:endParaRPr lang="zh-TW" altLang="en-US"/>
-          </a:p>
-        </p:txBody>
-      </p:sp>
-      <p:sp>
-        <p:nvSpPr>
-          <p:cNvPr id="4" name="文字版面配置區 3"/>
-          <p:cNvSpPr>
-            <a:spLocks noGrp="1"/>
-          </p:cNvSpPr>
-          <p:nvPr>
-            <p:ph type="body" sz="half" idx="2"/>
-          </p:nvPr>
-        </p:nvSpPr>
-        <p:spPr>
-          <a:xfrm>
-            <a:off x="839788" y="2057400"/>
-            <a:ext cx="3932237" cy="3811588"/>
-          </a:xfrm>
-        </p:spPr>
-        <p:txBody>
-          <a:bodyPr/>
+          <a:bodyPr>
+            <a:normAutofit/>
+          </a:bodyPr>
           <a:lstStyle>
             <a:lvl1pPr marL="0" indent="0">
               <a:buNone/>
@@ -2045,35 +4388,35 @@
             </a:lvl1pPr>
             <a:lvl2pPr marL="457200" indent="0">
               <a:buNone/>
-              <a:defRPr sz="1400"/>
+              <a:defRPr sz="1200"/>
             </a:lvl2pPr>
             <a:lvl3pPr marL="914400" indent="0">
               <a:buNone/>
-              <a:defRPr sz="1200"/>
+              <a:defRPr sz="1000"/>
             </a:lvl3pPr>
             <a:lvl4pPr marL="1371600" indent="0">
               <a:buNone/>
-              <a:defRPr sz="1000"/>
+              <a:defRPr sz="900"/>
             </a:lvl4pPr>
             <a:lvl5pPr marL="1828800" indent="0">
               <a:buNone/>
-              <a:defRPr sz="1000"/>
+              <a:defRPr sz="900"/>
             </a:lvl5pPr>
             <a:lvl6pPr marL="2286000" indent="0">
               <a:buNone/>
-              <a:defRPr sz="1000"/>
+              <a:defRPr sz="900"/>
             </a:lvl6pPr>
             <a:lvl7pPr marL="2743200" indent="0">
               <a:buNone/>
-              <a:defRPr sz="1000"/>
+              <a:defRPr sz="900"/>
             </a:lvl7pPr>
             <a:lvl8pPr marL="3200400" indent="0">
               <a:buNone/>
-              <a:defRPr sz="1000"/>
+              <a:defRPr sz="900"/>
             </a:lvl8pPr>
             <a:lvl9pPr marL="3657600" indent="0">
               <a:buNone/>
-              <a:defRPr sz="1000"/>
+              <a:defRPr sz="900"/>
             </a:lvl9pPr>
           </a:lstStyle>
           <a:p>
@@ -2087,7 +4430,7 @@
       </p:sp>
       <p:sp>
         <p:nvSpPr>
-          <p:cNvPr id="5" name="日期版面配置區 4"/>
+          <p:cNvPr id="5" name="Date Placeholder 4"/>
           <p:cNvSpPr>
             <a:spLocks noGrp="1"/>
           </p:cNvSpPr>
@@ -2102,7 +4445,7 @@
           <a:p>
             <a:fld id="{4A96DD15-C290-4C09-A75B-3A57087BD85C}" type="datetimeFigureOut">
               <a:rPr lang="zh-TW" altLang="en-US" smtClean="0"/>
-              <a:t>2019/12/28</a:t>
+              <a:t>2019/12/31</a:t>
             </a:fld>
             <a:endParaRPr lang="zh-TW" altLang="en-US"/>
           </a:p>
@@ -2110,7 +4453,7 @@
       </p:sp>
       <p:sp>
         <p:nvSpPr>
-          <p:cNvPr id="6" name="頁尾版面配置區 5"/>
+          <p:cNvPr id="6" name="Footer Placeholder 5"/>
           <p:cNvSpPr>
             <a:spLocks noGrp="1"/>
           </p:cNvSpPr>
@@ -2129,7 +4472,7 @@
       </p:sp>
       <p:sp>
         <p:nvSpPr>
-          <p:cNvPr id="7" name="投影片編號版面配置區 6"/>
+          <p:cNvPr id="7" name="Slide Number Placeholder 6"/>
           <p:cNvSpPr>
             <a:spLocks noGrp="1"/>
           </p:cNvSpPr>
@@ -2153,7 +4496,7 @@
     </p:spTree>
     <p:extLst>
       <p:ext uri="{BB962C8B-B14F-4D97-AF65-F5344CB8AC3E}">
-        <p14:creationId xmlns:p14="http://schemas.microsoft.com/office/powerpoint/2010/main" val="1586489479"/>
+        <p14:creationId xmlns:p14="http://schemas.microsoft.com/office/powerpoint/2010/main" val="3224805545"/>
       </p:ext>
     </p:extLst>
   </p:cSld>
@@ -2182,7 +4525,7 @@
       </p:grpSpPr>
       <p:sp>
         <p:nvSpPr>
-          <p:cNvPr id="2" name="標題 1"/>
+          <p:cNvPr id="2" name="Title 1"/>
           <p:cNvSpPr>
             <a:spLocks noGrp="1"/>
           </p:cNvSpPr>
@@ -2192,15 +4535,17 @@
         </p:nvSpPr>
         <p:spPr>
           <a:xfrm>
-            <a:off x="839788" y="457200"/>
-            <a:ext cx="3932237" cy="1600200"/>
+            <a:off x="1141411" y="1600200"/>
+            <a:ext cx="5334001" cy="1371600"/>
           </a:xfrm>
         </p:spPr>
         <p:txBody>
-          <a:bodyPr anchor="b"/>
+          <a:bodyPr anchor="b">
+            <a:normAutofit/>
+          </a:bodyPr>
           <a:lstStyle>
-            <a:lvl1pPr>
-              <a:defRPr sz="3200"/>
+            <a:lvl1pPr algn="l">
+              <a:defRPr sz="2800" b="0"/>
             </a:lvl1pPr>
           </a:lstStyle>
           <a:p>
@@ -2208,15 +4553,15 @@
               <a:rPr lang="zh-TW" altLang="en-US" smtClean="0"/>
               <a:t>按一下以編輯母片標題樣式</a:t>
             </a:r>
-            <a:endParaRPr lang="zh-TW" altLang="en-US"/>
-          </a:p>
-        </p:txBody>
-      </p:sp>
-      <p:sp>
-        <p:nvSpPr>
-          <p:cNvPr id="3" name="圖片版面配置區 2"/>
-          <p:cNvSpPr>
-            <a:spLocks noGrp="1"/>
+            <a:endParaRPr lang="en-US" dirty="0"/>
+          </a:p>
+        </p:txBody>
+      </p:sp>
+      <p:sp>
+        <p:nvSpPr>
+          <p:cNvPr id="14" name="Picture Placeholder 2"/>
+          <p:cNvSpPr>
+            <a:spLocks noGrp="1" noChangeAspect="1"/>
           </p:cNvSpPr>
           <p:nvPr>
             <p:ph type="pic" idx="1"/>
@@ -2224,112 +4569,143 @@
         </p:nvSpPr>
         <p:spPr>
           <a:xfrm>
-            <a:off x="5183188" y="987425"/>
-            <a:ext cx="6172200" cy="4873625"/>
+            <a:off x="7433733" y="-18288"/>
+            <a:ext cx="3276599" cy="6903720"/>
           </a:xfrm>
+          <a:ln w="38100">
+            <a:gradFill flip="none" rotWithShape="1">
+              <a:gsLst>
+                <a:gs pos="0">
+                  <a:schemeClr val="bg2"/>
+                </a:gs>
+                <a:gs pos="100000">
+                  <a:schemeClr val="bg2">
+                    <a:lumMod val="75000"/>
+                  </a:schemeClr>
+                </a:gs>
+              </a:gsLst>
+              <a:lin ang="5400000" scaled="0"/>
+              <a:tileRect/>
+            </a:gradFill>
+          </a:ln>
+          <a:effectLst>
+            <a:innerShdw blurRad="57150" dist="38100" dir="10800000">
+              <a:srgbClr val="000000">
+                <a:alpha val="70000"/>
+              </a:srgbClr>
+            </a:innerShdw>
+          </a:effectLst>
         </p:spPr>
         <p:txBody>
-          <a:bodyPr/>
+          <a:bodyPr anchor="t">
+            <a:normAutofit/>
+          </a:bodyPr>
           <a:lstStyle>
-            <a:lvl1pPr marL="0" indent="0">
-              <a:buNone/>
-              <a:defRPr sz="3200"/>
-            </a:lvl1pPr>
-            <a:lvl2pPr marL="457200" indent="0">
-              <a:buNone/>
-              <a:defRPr sz="2800"/>
-            </a:lvl2pPr>
-            <a:lvl3pPr marL="914400" indent="0">
-              <a:buNone/>
-              <a:defRPr sz="2400"/>
-            </a:lvl3pPr>
-            <a:lvl4pPr marL="1371600" indent="0">
-              <a:buNone/>
-              <a:defRPr sz="2000"/>
-            </a:lvl4pPr>
-            <a:lvl5pPr marL="1828800" indent="0">
-              <a:buNone/>
-              <a:defRPr sz="2000"/>
-            </a:lvl5pPr>
-            <a:lvl6pPr marL="2286000" indent="0">
-              <a:buNone/>
-              <a:defRPr sz="2000"/>
-            </a:lvl6pPr>
-            <a:lvl7pPr marL="2743200" indent="0">
-              <a:buNone/>
-              <a:defRPr sz="2000"/>
-            </a:lvl7pPr>
-            <a:lvl8pPr marL="3200400" indent="0">
-              <a:buNone/>
-              <a:defRPr sz="2000"/>
-            </a:lvl8pPr>
-            <a:lvl9pPr marL="3657600" indent="0">
-              <a:buNone/>
-              <a:defRPr sz="2000"/>
-            </a:lvl9pPr>
-          </a:lstStyle>
-          <a:p>
-            <a:endParaRPr lang="zh-TW" altLang="en-US"/>
-          </a:p>
-        </p:txBody>
-      </p:sp>
-      <p:sp>
-        <p:nvSpPr>
-          <p:cNvPr id="4" name="文字版面配置區 3"/>
-          <p:cNvSpPr>
-            <a:spLocks noGrp="1"/>
-          </p:cNvSpPr>
-          <p:nvPr>
-            <p:ph type="body" sz="half" idx="2"/>
-          </p:nvPr>
-        </p:nvSpPr>
-        <p:spPr>
-          <a:xfrm>
-            <a:off x="839788" y="2057400"/>
-            <a:ext cx="3932237" cy="3811588"/>
-          </a:xfrm>
-        </p:spPr>
-        <p:txBody>
-          <a:bodyPr/>
-          <a:lstStyle>
-            <a:lvl1pPr marL="0" indent="0">
+            <a:lvl1pPr marL="0" indent="0" algn="ctr">
               <a:buNone/>
               <a:defRPr sz="1600"/>
             </a:lvl1pPr>
             <a:lvl2pPr marL="457200" indent="0">
               <a:buNone/>
-              <a:defRPr sz="1400"/>
+              <a:defRPr sz="1600"/>
             </a:lvl2pPr>
             <a:lvl3pPr marL="914400" indent="0">
               <a:buNone/>
-              <a:defRPr sz="1200"/>
+              <a:defRPr sz="1600"/>
             </a:lvl3pPr>
             <a:lvl4pPr marL="1371600" indent="0">
               <a:buNone/>
-              <a:defRPr sz="1000"/>
+              <a:defRPr sz="1600"/>
             </a:lvl4pPr>
             <a:lvl5pPr marL="1828800" indent="0">
               <a:buNone/>
-              <a:defRPr sz="1000"/>
+              <a:defRPr sz="1600"/>
             </a:lvl5pPr>
             <a:lvl6pPr marL="2286000" indent="0">
               <a:buNone/>
-              <a:defRPr sz="1000"/>
+              <a:defRPr sz="1600"/>
             </a:lvl6pPr>
             <a:lvl7pPr marL="2743200" indent="0">
               <a:buNone/>
-              <a:defRPr sz="1000"/>
+              <a:defRPr sz="1600"/>
             </a:lvl7pPr>
             <a:lvl8pPr marL="3200400" indent="0">
               <a:buNone/>
-              <a:defRPr sz="1000"/>
+              <a:defRPr sz="1600"/>
             </a:lvl8pPr>
             <a:lvl9pPr marL="3657600" indent="0">
               <a:buNone/>
-              <a:defRPr sz="1000"/>
+              <a:defRPr sz="1600"/>
             </a:lvl9pPr>
           </a:lstStyle>
           <a:p>
+            <a:r>
+              <a:rPr lang="zh-TW" altLang="en-US" smtClean="0"/>
+              <a:t>按一下圖示以新增圖片</a:t>
+            </a:r>
+            <a:endParaRPr lang="en-US" dirty="0"/>
+          </a:p>
+        </p:txBody>
+      </p:sp>
+      <p:sp>
+        <p:nvSpPr>
+          <p:cNvPr id="4" name="Text Placeholder 3"/>
+          <p:cNvSpPr>
+            <a:spLocks noGrp="1"/>
+          </p:cNvSpPr>
+          <p:nvPr>
+            <p:ph type="body" sz="half" idx="2"/>
+          </p:nvPr>
+        </p:nvSpPr>
+        <p:spPr>
+          <a:xfrm>
+            <a:off x="1141411" y="2971800"/>
+            <a:ext cx="5334001" cy="1828800"/>
+          </a:xfrm>
+        </p:spPr>
+        <p:txBody>
+          <a:bodyPr>
+            <a:normAutofit/>
+          </a:bodyPr>
+          <a:lstStyle>
+            <a:lvl1pPr marL="0" indent="0">
+              <a:buNone/>
+              <a:defRPr sz="1800"/>
+            </a:lvl1pPr>
+            <a:lvl2pPr marL="457200" indent="0">
+              <a:buNone/>
+              <a:defRPr sz="1200"/>
+            </a:lvl2pPr>
+            <a:lvl3pPr marL="914400" indent="0">
+              <a:buNone/>
+              <a:defRPr sz="1000"/>
+            </a:lvl3pPr>
+            <a:lvl4pPr marL="1371600" indent="0">
+              <a:buNone/>
+              <a:defRPr sz="900"/>
+            </a:lvl4pPr>
+            <a:lvl5pPr marL="1828800" indent="0">
+              <a:buNone/>
+              <a:defRPr sz="900"/>
+            </a:lvl5pPr>
+            <a:lvl6pPr marL="2286000" indent="0">
+              <a:buNone/>
+              <a:defRPr sz="900"/>
+            </a:lvl6pPr>
+            <a:lvl7pPr marL="2743200" indent="0">
+              <a:buNone/>
+              <a:defRPr sz="900"/>
+            </a:lvl7pPr>
+            <a:lvl8pPr marL="3200400" indent="0">
+              <a:buNone/>
+              <a:defRPr sz="900"/>
+            </a:lvl8pPr>
+            <a:lvl9pPr marL="3657600" indent="0">
+              <a:buNone/>
+              <a:defRPr sz="900"/>
+            </a:lvl9pPr>
+          </a:lstStyle>
+          <a:p>
             <a:pPr lvl="0"/>
             <a:r>
               <a:rPr lang="zh-TW" altLang="en-US" smtClean="0"/>
@@ -2340,7 +4716,7 @@
       </p:sp>
       <p:sp>
         <p:nvSpPr>
-          <p:cNvPr id="5" name="日期版面配置區 4"/>
+          <p:cNvPr id="5" name="Date Placeholder 4"/>
           <p:cNvSpPr>
             <a:spLocks noGrp="1"/>
           </p:cNvSpPr>
@@ -2348,14 +4724,19 @@
             <p:ph type="dt" sz="half" idx="10"/>
           </p:nvPr>
         </p:nvSpPr>
-        <p:spPr/>
+        <p:spPr>
+          <a:xfrm>
+            <a:off x="6399212" y="5883275"/>
+            <a:ext cx="914400" cy="365125"/>
+          </a:xfrm>
+        </p:spPr>
         <p:txBody>
           <a:bodyPr/>
           <a:lstStyle/>
           <a:p>
             <a:fld id="{4A96DD15-C290-4C09-A75B-3A57087BD85C}" type="datetimeFigureOut">
               <a:rPr lang="zh-TW" altLang="en-US" smtClean="0"/>
-              <a:t>2019/12/28</a:t>
+              <a:t>2019/12/31</a:t>
             </a:fld>
             <a:endParaRPr lang="zh-TW" altLang="en-US"/>
           </a:p>
@@ -2363,7 +4744,7 @@
       </p:sp>
       <p:sp>
         <p:nvSpPr>
-          <p:cNvPr id="6" name="頁尾版面配置區 5"/>
+          <p:cNvPr id="6" name="Footer Placeholder 5"/>
           <p:cNvSpPr>
             <a:spLocks noGrp="1"/>
           </p:cNvSpPr>
@@ -2371,7 +4752,12 @@
             <p:ph type="ftr" sz="quarter" idx="11"/>
           </p:nvPr>
         </p:nvSpPr>
-        <p:spPr/>
+        <p:spPr>
+          <a:xfrm>
+            <a:off x="1141412" y="5883275"/>
+            <a:ext cx="5105400" cy="365125"/>
+          </a:xfrm>
+        </p:spPr>
         <p:txBody>
           <a:bodyPr/>
           <a:lstStyle/>
@@ -2382,7 +4768,7 @@
       </p:sp>
       <p:sp>
         <p:nvSpPr>
-          <p:cNvPr id="7" name="投影片編號版面配置區 6"/>
+          <p:cNvPr id="7" name="Slide Number Placeholder 6"/>
           <p:cNvSpPr>
             <a:spLocks noGrp="1"/>
           </p:cNvSpPr>
@@ -2390,7 +4776,12 @@
             <p:ph type="sldNum" sz="quarter" idx="12"/>
           </p:nvPr>
         </p:nvSpPr>
-        <p:spPr/>
+        <p:spPr>
+          <a:xfrm>
+            <a:off x="10742612" y="5883275"/>
+            <a:ext cx="322567" cy="365125"/>
+          </a:xfrm>
+        </p:spPr>
         <p:txBody>
           <a:bodyPr/>
           <a:lstStyle/>
@@ -2406,7 +4797,7 @@
     </p:spTree>
     <p:extLst>
       <p:ext uri="{BB962C8B-B14F-4D97-AF65-F5344CB8AC3E}">
-        <p14:creationId xmlns:p14="http://schemas.microsoft.com/office/powerpoint/2010/main" val="1317777549"/>
+        <p14:creationId xmlns:p14="http://schemas.microsoft.com/office/powerpoint/2010/main" val="3979115582"/>
       </p:ext>
     </p:extLst>
   </p:cSld>
@@ -2420,8 +4811,8 @@
 <p:sldMaster xmlns:a="http://schemas.openxmlformats.org/drawingml/2006/main" xmlns:r="http://schemas.openxmlformats.org/officeDocument/2006/relationships" xmlns:p="http://schemas.openxmlformats.org/presentationml/2006/main">
   <p:cSld>
     <p:bg>
-      <p:bgRef idx="1001">
-        <a:schemeClr val="bg1"/>
+      <p:bgRef idx="1003">
+        <a:schemeClr val="bg2"/>
       </p:bgRef>
     </p:bg>
     <p:spTree>
@@ -2440,7 +4831,7 @@
       </p:grpSpPr>
       <p:sp>
         <p:nvSpPr>
-          <p:cNvPr id="2" name="標題版面配置區 1"/>
+          <p:cNvPr id="2" name="Title Placeholder 1"/>
           <p:cNvSpPr>
             <a:spLocks noGrp="1"/>
           </p:cNvSpPr>
@@ -2450,8 +4841,8 @@
         </p:nvSpPr>
         <p:spPr>
           <a:xfrm>
-            <a:off x="838200" y="365125"/>
-            <a:ext cx="10515600" cy="1325563"/>
+            <a:off x="1141413" y="609600"/>
+            <a:ext cx="9905998" cy="1905000"/>
           </a:xfrm>
           <a:prstGeom prst="rect">
             <a:avLst/>
@@ -2467,13 +4858,13 @@
               <a:rPr lang="zh-TW" altLang="en-US" smtClean="0"/>
               <a:t>按一下以編輯母片標題樣式</a:t>
             </a:r>
-            <a:endParaRPr lang="zh-TW" altLang="en-US"/>
-          </a:p>
-        </p:txBody>
-      </p:sp>
-      <p:sp>
-        <p:nvSpPr>
-          <p:cNvPr id="3" name="文字版面配置區 2"/>
+            <a:endParaRPr lang="en-US" dirty="0"/>
+          </a:p>
+        </p:txBody>
+      </p:sp>
+      <p:sp>
+        <p:nvSpPr>
+          <p:cNvPr id="3" name="Text Placeholder 2"/>
           <p:cNvSpPr>
             <a:spLocks noGrp="1"/>
           </p:cNvSpPr>
@@ -2483,15 +4874,15 @@
         </p:nvSpPr>
         <p:spPr>
           <a:xfrm>
-            <a:off x="838200" y="1825625"/>
-            <a:ext cx="10515600" cy="4351338"/>
+            <a:off x="1141413" y="2666999"/>
+            <a:ext cx="9905998" cy="3124201"/>
           </a:xfrm>
           <a:prstGeom prst="rect">
             <a:avLst/>
           </a:prstGeom>
         </p:spPr>
         <p:txBody>
-          <a:bodyPr vert="horz" lIns="91440" tIns="45720" rIns="91440" bIns="45720" rtlCol="0">
+          <a:bodyPr vert="horz" lIns="91440" tIns="45720" rIns="91440" bIns="45720" rtlCol="0" anchor="ctr">
             <a:normAutofit/>
           </a:bodyPr>
           <a:lstStyle/>
@@ -2529,13 +4920,13 @@
               <a:rPr lang="zh-TW" altLang="en-US" smtClean="0"/>
               <a:t>第五層</a:t>
             </a:r>
-            <a:endParaRPr lang="zh-TW" altLang="en-US"/>
-          </a:p>
-        </p:txBody>
-      </p:sp>
-      <p:sp>
-        <p:nvSpPr>
-          <p:cNvPr id="4" name="日期版面配置區 3"/>
+            <a:endParaRPr lang="en-US" dirty="0"/>
+          </a:p>
+        </p:txBody>
+      </p:sp>
+      <p:sp>
+        <p:nvSpPr>
+          <p:cNvPr id="4" name="Date Placeholder 3"/>
           <p:cNvSpPr>
             <a:spLocks noGrp="1"/>
           </p:cNvSpPr>
@@ -2545,8 +4936,8 @@
         </p:nvSpPr>
         <p:spPr>
           <a:xfrm>
-            <a:off x="838200" y="6356350"/>
-            <a:ext cx="2743200" cy="365125"/>
+            <a:off x="8837612" y="5883275"/>
+            <a:ext cx="1600200" cy="365125"/>
           </a:xfrm>
           <a:prstGeom prst="rect">
             <a:avLst/>
@@ -2555,20 +4946,28 @@
         <p:txBody>
           <a:bodyPr vert="horz" lIns="91440" tIns="45720" rIns="91440" bIns="45720" rtlCol="0" anchor="ctr"/>
           <a:lstStyle>
-            <a:lvl1pPr algn="l">
-              <a:defRPr sz="1200">
+            <a:lvl1pPr algn="r">
+              <a:defRPr sz="900" b="1" i="0">
                 <a:solidFill>
                   <a:schemeClr val="tx1">
-                    <a:tint val="75000"/>
+                    <a:lumMod val="75000"/>
                   </a:schemeClr>
                 </a:solidFill>
+                <a:effectLst>
+                  <a:outerShdw blurRad="50800" dist="38100" dir="2700000" algn="tl" rotWithShape="0">
+                    <a:srgbClr val="000000">
+                      <a:alpha val="43000"/>
+                    </a:srgbClr>
+                  </a:outerShdw>
+                </a:effectLst>
+                <a:latin typeface="+mn-lt"/>
               </a:defRPr>
             </a:lvl1pPr>
           </a:lstStyle>
           <a:p>
             <a:fld id="{4A96DD15-C290-4C09-A75B-3A57087BD85C}" type="datetimeFigureOut">
               <a:rPr lang="zh-TW" altLang="en-US" smtClean="0"/>
-              <a:t>2019/12/28</a:t>
+              <a:t>2019/12/31</a:t>
             </a:fld>
             <a:endParaRPr lang="zh-TW" altLang="en-US"/>
           </a:p>
@@ -2576,7 +4975,7 @@
       </p:sp>
       <p:sp>
         <p:nvSpPr>
-          <p:cNvPr id="5" name="頁尾版面配置區 4"/>
+          <p:cNvPr id="5" name="Footer Placeholder 4"/>
           <p:cNvSpPr>
             <a:spLocks noGrp="1"/>
           </p:cNvSpPr>
@@ -2586,8 +4985,8 @@
         </p:nvSpPr>
         <p:spPr>
           <a:xfrm>
-            <a:off x="4038600" y="6356350"/>
-            <a:ext cx="4114800" cy="365125"/>
+            <a:off x="1141412" y="5883275"/>
+            <a:ext cx="7543800" cy="365125"/>
           </a:xfrm>
           <a:prstGeom prst="rect">
             <a:avLst/>
@@ -2596,13 +4995,21 @@
         <p:txBody>
           <a:bodyPr vert="horz" lIns="91440" tIns="45720" rIns="91440" bIns="45720" rtlCol="0" anchor="ctr"/>
           <a:lstStyle>
-            <a:lvl1pPr algn="ctr">
-              <a:defRPr sz="1200">
+            <a:lvl1pPr algn="l">
+              <a:defRPr sz="900" b="1" i="0">
                 <a:solidFill>
                   <a:schemeClr val="tx1">
-                    <a:tint val="75000"/>
+                    <a:lumMod val="75000"/>
                   </a:schemeClr>
                 </a:solidFill>
+                <a:effectLst>
+                  <a:outerShdw blurRad="50800" dist="38100" dir="2700000" algn="tl" rotWithShape="0">
+                    <a:srgbClr val="000000">
+                      <a:alpha val="43000"/>
+                    </a:srgbClr>
+                  </a:outerShdw>
+                </a:effectLst>
+                <a:latin typeface="+mn-lt"/>
               </a:defRPr>
             </a:lvl1pPr>
           </a:lstStyle>
@@ -2613,7 +5020,7 @@
       </p:sp>
       <p:sp>
         <p:nvSpPr>
-          <p:cNvPr id="6" name="投影片編號版面配置區 5"/>
+          <p:cNvPr id="6" name="Slide Number Placeholder 5"/>
           <p:cNvSpPr>
             <a:spLocks noGrp="1"/>
           </p:cNvSpPr>
@@ -2623,8 +5030,8 @@
         </p:nvSpPr>
         <p:spPr>
           <a:xfrm>
-            <a:off x="8610600" y="6356350"/>
-            <a:ext cx="2743200" cy="365125"/>
+            <a:off x="10514012" y="5883275"/>
+            <a:ext cx="551167" cy="365125"/>
           </a:xfrm>
           <a:prstGeom prst="rect">
             <a:avLst/>
@@ -2634,12 +5041,20 @@
           <a:bodyPr vert="horz" lIns="91440" tIns="45720" rIns="91440" bIns="45720" rtlCol="0" anchor="ctr"/>
           <a:lstStyle>
             <a:lvl1pPr algn="r">
-              <a:defRPr sz="1200">
+              <a:defRPr sz="900" b="1" i="0">
                 <a:solidFill>
                   <a:schemeClr val="tx1">
-                    <a:tint val="75000"/>
+                    <a:lumMod val="75000"/>
                   </a:schemeClr>
                 </a:solidFill>
+                <a:effectLst>
+                  <a:outerShdw blurRad="50800" dist="38100" dir="2700000" algn="tl" rotWithShape="0">
+                    <a:srgbClr val="000000">
+                      <a:alpha val="43000"/>
+                    </a:srgbClr>
+                  </a:outerShdw>
+                </a:effectLst>
+                <a:latin typeface="+mn-lt"/>
               </a:defRPr>
             </a:lvl1pPr>
           </a:lstStyle>
@@ -2655,55 +5070,562 @@
     </p:spTree>
     <p:extLst>
       <p:ext uri="{BB962C8B-B14F-4D97-AF65-F5344CB8AC3E}">
-        <p14:creationId xmlns:p14="http://schemas.microsoft.com/office/powerpoint/2010/main" val="3889238596"/>
+        <p14:creationId xmlns:p14="http://schemas.microsoft.com/office/powerpoint/2010/main" val="1109423596"/>
       </p:ext>
     </p:extLst>
   </p:cSld>
-  <p:clrMap bg1="lt1" tx1="dk1" bg2="lt2" tx2="dk2" accent1="accent1" accent2="accent2" accent3="accent3" accent4="accent4" accent5="accent5" accent6="accent6" hlink="hlink" folHlink="folHlink"/>
+  <p:clrMap bg1="dk1" tx1="lt1" bg2="dk2" tx2="lt2" accent1="accent1" accent2="accent2" accent3="accent3" accent4="accent4" accent5="accent5" accent6="accent6" hlink="hlink" folHlink="folHlink"/>
   <p:sldLayoutIdLst>
-    <p:sldLayoutId id="2147483649" r:id="rId1"/>
-    <p:sldLayoutId id="2147483650" r:id="rId2"/>
-    <p:sldLayoutId id="2147483651" r:id="rId3"/>
-    <p:sldLayoutId id="2147483652" r:id="rId4"/>
-    <p:sldLayoutId id="2147483653" r:id="rId5"/>
-    <p:sldLayoutId id="2147483654" r:id="rId6"/>
-    <p:sldLayoutId id="2147483655" r:id="rId7"/>
-    <p:sldLayoutId id="2147483656" r:id="rId8"/>
-    <p:sldLayoutId id="2147483657" r:id="rId9"/>
-    <p:sldLayoutId id="2147483658" r:id="rId10"/>
-    <p:sldLayoutId id="2147483659" r:id="rId11"/>
+    <p:sldLayoutId id="2147483661" r:id="rId1"/>
+    <p:sldLayoutId id="2147483662" r:id="rId2"/>
+    <p:sldLayoutId id="2147483663" r:id="rId3"/>
+    <p:sldLayoutId id="2147483664" r:id="rId4"/>
+    <p:sldLayoutId id="2147483665" r:id="rId5"/>
+    <p:sldLayoutId id="2147483666" r:id="rId6"/>
+    <p:sldLayoutId id="2147483667" r:id="rId7"/>
+    <p:sldLayoutId id="2147483668" r:id="rId8"/>
+    <p:sldLayoutId id="2147483669" r:id="rId9"/>
+    <p:sldLayoutId id="2147483670" r:id="rId10"/>
+    <p:sldLayoutId id="2147483671" r:id="rId11"/>
+    <p:sldLayoutId id="2147483672" r:id="rId12"/>
+    <p:sldLayoutId id="2147483673" r:id="rId13"/>
+    <p:sldLayoutId id="2147483674" r:id="rId14"/>
+    <p:sldLayoutId id="2147483675" r:id="rId15"/>
+    <p:sldLayoutId id="2147483676" r:id="rId16"/>
+    <p:sldLayoutId id="2147483677" r:id="rId17"/>
   </p:sldLayoutIdLst>
   <p:txStyles>
     <p:titleStyle>
-      <a:lvl1pPr algn="l" defTabSz="914400" rtl="0" eaLnBrk="1" latinLnBrk="0" hangingPunct="1">
-        <a:lnSpc>
-          <a:spcPct val="90000"/>
-        </a:lnSpc>
+      <a:lvl1pPr algn="l" defTabSz="457200" rtl="0" eaLnBrk="1" latinLnBrk="0" hangingPunct="1">
         <a:spcBef>
           <a:spcPct val="0"/>
         </a:spcBef>
         <a:buNone/>
-        <a:defRPr sz="4400" kern="1200">
-          <a:solidFill>
-            <a:schemeClr val="tx1"/>
-          </a:solidFill>
+        <a:defRPr sz="3200" kern="1200" cap="all">
+          <a:ln w="3175" cmpd="sng">
+            <a:noFill/>
+          </a:ln>
+          <a:gradFill flip="none" rotWithShape="1">
+            <a:gsLst>
+              <a:gs pos="0">
+                <a:schemeClr val="tx1"/>
+              </a:gs>
+              <a:gs pos="100000">
+                <a:schemeClr val="tx1">
+                  <a:lumMod val="65000"/>
+                </a:schemeClr>
+              </a:gs>
+            </a:gsLst>
+            <a:lin ang="5580000" scaled="0"/>
+            <a:tileRect/>
+          </a:gradFill>
+          <a:effectLst>
+            <a:glow rad="38100">
+              <a:schemeClr val="bg1">
+                <a:lumMod val="65000"/>
+                <a:lumOff val="35000"/>
+                <a:alpha val="40000"/>
+              </a:schemeClr>
+            </a:glow>
+            <a:outerShdw blurRad="28575" dist="38100" dir="14040000" algn="tl" rotWithShape="0">
+              <a:srgbClr val="000000">
+                <a:alpha val="25000"/>
+              </a:srgbClr>
+            </a:outerShdw>
+          </a:effectLst>
           <a:latin typeface="+mj-lt"/>
           <a:ea typeface="+mj-ea"/>
           <a:cs typeface="+mj-cs"/>
         </a:defRPr>
       </a:lvl1pPr>
+      <a:lvl2pPr eaLnBrk="1" hangingPunct="1">
+        <a:defRPr>
+          <a:solidFill>
+            <a:schemeClr val="tx2"/>
+          </a:solidFill>
+        </a:defRPr>
+      </a:lvl2pPr>
+      <a:lvl3pPr eaLnBrk="1" hangingPunct="1">
+        <a:defRPr>
+          <a:solidFill>
+            <a:schemeClr val="tx2"/>
+          </a:solidFill>
+        </a:defRPr>
+      </a:lvl3pPr>
+      <a:lvl4pPr eaLnBrk="1" hangingPunct="1">
+        <a:defRPr>
+          <a:solidFill>
+            <a:schemeClr val="tx2"/>
+          </a:solidFill>
+        </a:defRPr>
+      </a:lvl4pPr>
+      <a:lvl5pPr eaLnBrk="1" hangingPunct="1">
+        <a:defRPr>
+          <a:solidFill>
+            <a:schemeClr val="tx2"/>
+          </a:solidFill>
+        </a:defRPr>
+      </a:lvl5pPr>
+      <a:lvl6pPr eaLnBrk="1" hangingPunct="1">
+        <a:defRPr>
+          <a:solidFill>
+            <a:schemeClr val="tx2"/>
+          </a:solidFill>
+        </a:defRPr>
+      </a:lvl6pPr>
+      <a:lvl7pPr eaLnBrk="1" hangingPunct="1">
+        <a:defRPr>
+          <a:solidFill>
+            <a:schemeClr val="tx2"/>
+          </a:solidFill>
+        </a:defRPr>
+      </a:lvl7pPr>
+      <a:lvl8pPr eaLnBrk="1" hangingPunct="1">
+        <a:defRPr>
+          <a:solidFill>
+            <a:schemeClr val="tx2"/>
+          </a:solidFill>
+        </a:defRPr>
+      </a:lvl8pPr>
+      <a:lvl9pPr eaLnBrk="1" hangingPunct="1">
+        <a:defRPr>
+          <a:solidFill>
+            <a:schemeClr val="tx2"/>
+          </a:solidFill>
+        </a:defRPr>
+      </a:lvl9pPr>
     </p:titleStyle>
     <p:bodyStyle>
-      <a:lvl1pPr marL="228600" indent="-228600" algn="l" defTabSz="914400" rtl="0" eaLnBrk="1" latinLnBrk="0" hangingPunct="1">
-        <a:lnSpc>
-          <a:spcPct val="90000"/>
-        </a:lnSpc>
+      <a:lvl1pPr marL="285750" indent="-285750" algn="l" defTabSz="457200" rtl="0" eaLnBrk="1" latinLnBrk="0" hangingPunct="1">
         <a:spcBef>
-          <a:spcPts val="1000"/>
+          <a:spcPct val="20000"/>
         </a:spcBef>
-        <a:buFont typeface="Arial" panose="020B0604020202020204" pitchFamily="34" charset="0"/>
+        <a:spcAft>
+          <a:spcPts val="600"/>
+        </a:spcAft>
+        <a:buClr>
+          <a:schemeClr val="tx1"/>
+        </a:buClr>
+        <a:buSzPct val="100000"/>
+        <a:buFont typeface="Arial"/>
         <a:buChar char="•"/>
-        <a:defRPr sz="2800" kern="1200">
+        <a:defRPr sz="2000" kern="1200" cap="small">
+          <a:gradFill flip="none" rotWithShape="1">
+            <a:gsLst>
+              <a:gs pos="0">
+                <a:schemeClr val="tx1"/>
+              </a:gs>
+              <a:gs pos="100000">
+                <a:schemeClr val="tx1">
+                  <a:lumMod val="75000"/>
+                </a:schemeClr>
+              </a:gs>
+            </a:gsLst>
+            <a:lin ang="5580000" scaled="0"/>
+            <a:tileRect/>
+          </a:gradFill>
+          <a:effectLst>
+            <a:glow rad="38100">
+              <a:schemeClr val="bg1">
+                <a:lumMod val="50000"/>
+                <a:lumOff val="50000"/>
+                <a:alpha val="20000"/>
+              </a:schemeClr>
+            </a:glow>
+            <a:outerShdw blurRad="44450" dist="12700" dir="13860000" algn="tl" rotWithShape="0">
+              <a:srgbClr val="000000">
+                <a:alpha val="20000"/>
+              </a:srgbClr>
+            </a:outerShdw>
+          </a:effectLst>
+          <a:latin typeface="+mn-lt"/>
+          <a:ea typeface="+mn-ea"/>
+          <a:cs typeface="+mn-cs"/>
+        </a:defRPr>
+      </a:lvl1pPr>
+      <a:lvl2pPr marL="742950" indent="-285750" algn="l" defTabSz="457200" rtl="0" eaLnBrk="1" latinLnBrk="0" hangingPunct="1">
+        <a:spcBef>
+          <a:spcPct val="20000"/>
+        </a:spcBef>
+        <a:spcAft>
+          <a:spcPts val="600"/>
+        </a:spcAft>
+        <a:buClr>
+          <a:schemeClr val="tx1"/>
+        </a:buClr>
+        <a:buSzPct val="100000"/>
+        <a:buFont typeface="Arial"/>
+        <a:buChar char="•"/>
+        <a:defRPr sz="1800" kern="1200" cap="small">
+          <a:gradFill flip="none" rotWithShape="1">
+            <a:gsLst>
+              <a:gs pos="0">
+                <a:schemeClr val="tx1"/>
+              </a:gs>
+              <a:gs pos="100000">
+                <a:schemeClr val="tx1">
+                  <a:lumMod val="75000"/>
+                </a:schemeClr>
+              </a:gs>
+            </a:gsLst>
+            <a:lin ang="5580000" scaled="0"/>
+            <a:tileRect/>
+          </a:gradFill>
+          <a:effectLst>
+            <a:glow rad="38100">
+              <a:schemeClr val="bg1">
+                <a:lumMod val="50000"/>
+                <a:lumOff val="50000"/>
+                <a:alpha val="20000"/>
+              </a:schemeClr>
+            </a:glow>
+            <a:outerShdw blurRad="44450" dist="12700" dir="13860000" algn="tl" rotWithShape="0">
+              <a:srgbClr val="000000">
+                <a:alpha val="20000"/>
+              </a:srgbClr>
+            </a:outerShdw>
+          </a:effectLst>
+          <a:latin typeface="+mn-lt"/>
+          <a:ea typeface="+mn-ea"/>
+          <a:cs typeface="+mn-cs"/>
+        </a:defRPr>
+      </a:lvl2pPr>
+      <a:lvl3pPr marL="1200150" indent="-285750" algn="l" defTabSz="457200" rtl="0" eaLnBrk="1" latinLnBrk="0" hangingPunct="1">
+        <a:spcBef>
+          <a:spcPct val="20000"/>
+        </a:spcBef>
+        <a:spcAft>
+          <a:spcPts val="600"/>
+        </a:spcAft>
+        <a:buClr>
+          <a:schemeClr val="tx1"/>
+        </a:buClr>
+        <a:buSzPct val="100000"/>
+        <a:buFont typeface="Arial"/>
+        <a:buChar char="•"/>
+        <a:defRPr sz="1600" kern="1200" cap="small">
+          <a:gradFill flip="none" rotWithShape="1">
+            <a:gsLst>
+              <a:gs pos="0">
+                <a:schemeClr val="tx1"/>
+              </a:gs>
+              <a:gs pos="100000">
+                <a:schemeClr val="tx1">
+                  <a:lumMod val="75000"/>
+                </a:schemeClr>
+              </a:gs>
+            </a:gsLst>
+            <a:lin ang="5580000" scaled="0"/>
+            <a:tileRect/>
+          </a:gradFill>
+          <a:effectLst>
+            <a:glow rad="38100">
+              <a:schemeClr val="bg1">
+                <a:lumMod val="50000"/>
+                <a:lumOff val="50000"/>
+                <a:alpha val="20000"/>
+              </a:schemeClr>
+            </a:glow>
+            <a:outerShdw blurRad="44450" dist="12700" dir="13860000" algn="tl" rotWithShape="0">
+              <a:srgbClr val="000000">
+                <a:alpha val="20000"/>
+              </a:srgbClr>
+            </a:outerShdw>
+          </a:effectLst>
+          <a:latin typeface="+mn-lt"/>
+          <a:ea typeface="+mn-ea"/>
+          <a:cs typeface="+mn-cs"/>
+        </a:defRPr>
+      </a:lvl3pPr>
+      <a:lvl4pPr marL="1543050" indent="-171450" algn="l" defTabSz="457200" rtl="0" eaLnBrk="1" latinLnBrk="0" hangingPunct="1">
+        <a:spcBef>
+          <a:spcPct val="20000"/>
+        </a:spcBef>
+        <a:spcAft>
+          <a:spcPts val="600"/>
+        </a:spcAft>
+        <a:buClr>
+          <a:schemeClr val="tx1"/>
+        </a:buClr>
+        <a:buSzPct val="100000"/>
+        <a:buFont typeface="Arial"/>
+        <a:buChar char="•"/>
+        <a:defRPr sz="1400" kern="1200" cap="small">
+          <a:gradFill flip="none" rotWithShape="1">
+            <a:gsLst>
+              <a:gs pos="0">
+                <a:schemeClr val="tx1"/>
+              </a:gs>
+              <a:gs pos="100000">
+                <a:schemeClr val="tx1">
+                  <a:lumMod val="75000"/>
+                </a:schemeClr>
+              </a:gs>
+            </a:gsLst>
+            <a:lin ang="5580000" scaled="0"/>
+            <a:tileRect/>
+          </a:gradFill>
+          <a:effectLst>
+            <a:glow rad="38100">
+              <a:schemeClr val="bg1">
+                <a:lumMod val="50000"/>
+                <a:lumOff val="50000"/>
+                <a:alpha val="20000"/>
+              </a:schemeClr>
+            </a:glow>
+            <a:outerShdw blurRad="44450" dist="12700" dir="13860000" algn="tl" rotWithShape="0">
+              <a:srgbClr val="000000">
+                <a:alpha val="20000"/>
+              </a:srgbClr>
+            </a:outerShdw>
+          </a:effectLst>
+          <a:latin typeface="+mn-lt"/>
+          <a:ea typeface="+mn-ea"/>
+          <a:cs typeface="+mn-cs"/>
+        </a:defRPr>
+      </a:lvl4pPr>
+      <a:lvl5pPr marL="2000250" indent="-171450" algn="l" defTabSz="457200" rtl="0" eaLnBrk="1" latinLnBrk="0" hangingPunct="1">
+        <a:spcBef>
+          <a:spcPct val="20000"/>
+        </a:spcBef>
+        <a:spcAft>
+          <a:spcPts val="600"/>
+        </a:spcAft>
+        <a:buClr>
+          <a:schemeClr val="tx1"/>
+        </a:buClr>
+        <a:buSzPct val="100000"/>
+        <a:buFont typeface="Arial"/>
+        <a:buChar char="•"/>
+        <a:defRPr sz="1400" kern="1200" cap="small">
+          <a:gradFill flip="none" rotWithShape="1">
+            <a:gsLst>
+              <a:gs pos="0">
+                <a:schemeClr val="tx1"/>
+              </a:gs>
+              <a:gs pos="100000">
+                <a:schemeClr val="tx1">
+                  <a:lumMod val="75000"/>
+                </a:schemeClr>
+              </a:gs>
+            </a:gsLst>
+            <a:lin ang="5580000" scaled="0"/>
+            <a:tileRect/>
+          </a:gradFill>
+          <a:effectLst>
+            <a:glow rad="38100">
+              <a:schemeClr val="bg1">
+                <a:lumMod val="50000"/>
+                <a:lumOff val="50000"/>
+                <a:alpha val="20000"/>
+              </a:schemeClr>
+            </a:glow>
+            <a:outerShdw blurRad="44450" dist="12700" dir="13860000" algn="tl" rotWithShape="0">
+              <a:srgbClr val="000000">
+                <a:alpha val="20000"/>
+              </a:srgbClr>
+            </a:outerShdw>
+          </a:effectLst>
+          <a:latin typeface="+mn-lt"/>
+          <a:ea typeface="+mn-ea"/>
+          <a:cs typeface="+mn-cs"/>
+        </a:defRPr>
+      </a:lvl5pPr>
+      <a:lvl6pPr marL="2514600" indent="-228600" algn="l" defTabSz="457200" rtl="0" eaLnBrk="1" latinLnBrk="0" hangingPunct="1">
+        <a:spcBef>
+          <a:spcPct val="20000"/>
+        </a:spcBef>
+        <a:spcAft>
+          <a:spcPts val="600"/>
+        </a:spcAft>
+        <a:buClr>
+          <a:schemeClr val="tx1"/>
+        </a:buClr>
+        <a:buSzPct val="100000"/>
+        <a:buFont typeface="Arial"/>
+        <a:buChar char="•"/>
+        <a:defRPr sz="1200" kern="1200" cap="small">
+          <a:gradFill flip="none" rotWithShape="1">
+            <a:gsLst>
+              <a:gs pos="0">
+                <a:schemeClr val="tx1"/>
+              </a:gs>
+              <a:gs pos="100000">
+                <a:schemeClr val="tx1">
+                  <a:lumMod val="75000"/>
+                </a:schemeClr>
+              </a:gs>
+            </a:gsLst>
+            <a:lin ang="5580000" scaled="0"/>
+            <a:tileRect/>
+          </a:gradFill>
+          <a:effectLst>
+            <a:glow rad="38100">
+              <a:schemeClr val="bg1">
+                <a:lumMod val="50000"/>
+                <a:lumOff val="50000"/>
+                <a:alpha val="20000"/>
+              </a:schemeClr>
+            </a:glow>
+            <a:outerShdw blurRad="44450" dist="12700" dir="13860000" algn="tl" rotWithShape="0">
+              <a:srgbClr val="000000">
+                <a:alpha val="20000"/>
+              </a:srgbClr>
+            </a:outerShdw>
+          </a:effectLst>
+          <a:latin typeface="+mn-lt"/>
+          <a:ea typeface="+mn-ea"/>
+          <a:cs typeface="+mn-cs"/>
+        </a:defRPr>
+      </a:lvl6pPr>
+      <a:lvl7pPr marL="2971800" indent="-228600" algn="l" defTabSz="457200" rtl="0" eaLnBrk="1" latinLnBrk="0" hangingPunct="1">
+        <a:spcBef>
+          <a:spcPct val="20000"/>
+        </a:spcBef>
+        <a:spcAft>
+          <a:spcPts val="600"/>
+        </a:spcAft>
+        <a:buClr>
+          <a:schemeClr val="tx1"/>
+        </a:buClr>
+        <a:buSzPct val="100000"/>
+        <a:buFont typeface="Arial"/>
+        <a:buChar char="•"/>
+        <a:defRPr sz="1200" kern="1200" cap="small">
+          <a:gradFill flip="none" rotWithShape="1">
+            <a:gsLst>
+              <a:gs pos="0">
+                <a:schemeClr val="tx1"/>
+              </a:gs>
+              <a:gs pos="100000">
+                <a:schemeClr val="tx1">
+                  <a:lumMod val="75000"/>
+                </a:schemeClr>
+              </a:gs>
+            </a:gsLst>
+            <a:lin ang="5580000" scaled="0"/>
+            <a:tileRect/>
+          </a:gradFill>
+          <a:effectLst>
+            <a:glow rad="38100">
+              <a:schemeClr val="bg1">
+                <a:lumMod val="50000"/>
+                <a:lumOff val="50000"/>
+                <a:alpha val="20000"/>
+              </a:schemeClr>
+            </a:glow>
+            <a:outerShdw blurRad="44450" dist="12700" dir="13860000" algn="tl" rotWithShape="0">
+              <a:srgbClr val="000000">
+                <a:alpha val="20000"/>
+              </a:srgbClr>
+            </a:outerShdw>
+          </a:effectLst>
+          <a:latin typeface="+mn-lt"/>
+          <a:ea typeface="+mn-ea"/>
+          <a:cs typeface="+mn-cs"/>
+        </a:defRPr>
+      </a:lvl7pPr>
+      <a:lvl8pPr marL="3429000" indent="-228600" algn="l" defTabSz="457200" rtl="0" eaLnBrk="1" latinLnBrk="0" hangingPunct="1">
+        <a:spcBef>
+          <a:spcPct val="20000"/>
+        </a:spcBef>
+        <a:spcAft>
+          <a:spcPts val="600"/>
+        </a:spcAft>
+        <a:buClr>
+          <a:schemeClr val="tx1"/>
+        </a:buClr>
+        <a:buSzPct val="100000"/>
+        <a:buFont typeface="Arial"/>
+        <a:buChar char="•"/>
+        <a:defRPr sz="1200" kern="1200" cap="small">
+          <a:gradFill flip="none" rotWithShape="1">
+            <a:gsLst>
+              <a:gs pos="0">
+                <a:schemeClr val="tx1"/>
+              </a:gs>
+              <a:gs pos="100000">
+                <a:schemeClr val="tx1">
+                  <a:lumMod val="75000"/>
+                </a:schemeClr>
+              </a:gs>
+            </a:gsLst>
+            <a:lin ang="5580000" scaled="0"/>
+            <a:tileRect/>
+          </a:gradFill>
+          <a:effectLst>
+            <a:glow rad="38100">
+              <a:schemeClr val="bg1">
+                <a:lumMod val="50000"/>
+                <a:lumOff val="50000"/>
+                <a:alpha val="20000"/>
+              </a:schemeClr>
+            </a:glow>
+            <a:outerShdw blurRad="44450" dist="12700" dir="13860000" algn="tl" rotWithShape="0">
+              <a:srgbClr val="000000">
+                <a:alpha val="20000"/>
+              </a:srgbClr>
+            </a:outerShdw>
+          </a:effectLst>
+          <a:latin typeface="+mn-lt"/>
+          <a:ea typeface="+mn-ea"/>
+          <a:cs typeface="+mn-cs"/>
+        </a:defRPr>
+      </a:lvl8pPr>
+      <a:lvl9pPr marL="3886200" indent="-228600" algn="l" defTabSz="457200" rtl="0" eaLnBrk="1" latinLnBrk="0" hangingPunct="1">
+        <a:spcBef>
+          <a:spcPct val="20000"/>
+        </a:spcBef>
+        <a:spcAft>
+          <a:spcPts val="600"/>
+        </a:spcAft>
+        <a:buClr>
+          <a:schemeClr val="tx1"/>
+        </a:buClr>
+        <a:buSzPct val="100000"/>
+        <a:buFont typeface="Arial"/>
+        <a:buChar char="•"/>
+        <a:defRPr sz="1200" kern="1200" cap="small">
+          <a:gradFill flip="none" rotWithShape="1">
+            <a:gsLst>
+              <a:gs pos="0">
+                <a:schemeClr val="tx1"/>
+              </a:gs>
+              <a:gs pos="100000">
+                <a:schemeClr val="tx1">
+                  <a:lumMod val="75000"/>
+                </a:schemeClr>
+              </a:gs>
+            </a:gsLst>
+            <a:lin ang="5580000" scaled="0"/>
+            <a:tileRect/>
+          </a:gradFill>
+          <a:effectLst>
+            <a:glow rad="38100">
+              <a:schemeClr val="bg1">
+                <a:lumMod val="50000"/>
+                <a:lumOff val="50000"/>
+                <a:alpha val="20000"/>
+              </a:schemeClr>
+            </a:glow>
+            <a:outerShdw blurRad="44450" dist="12700" dir="13860000" algn="tl" rotWithShape="0">
+              <a:srgbClr val="000000">
+                <a:alpha val="20000"/>
+              </a:srgbClr>
+            </a:outerShdw>
+          </a:effectLst>
+          <a:latin typeface="+mn-lt"/>
+          <a:ea typeface="+mn-ea"/>
+          <a:cs typeface="+mn-cs"/>
+        </a:defRPr>
+      </a:lvl9pPr>
+    </p:bodyStyle>
+    <p:otherStyle>
+      <a:defPPr>
+        <a:defRPr lang="en-US"/>
+      </a:defPPr>
+      <a:lvl1pPr marL="0" algn="l" defTabSz="457200" rtl="0" eaLnBrk="1" latinLnBrk="0" hangingPunct="1">
+        <a:defRPr sz="1800" kern="1200">
           <a:solidFill>
             <a:schemeClr val="tx1"/>
           </a:solidFill>
@@ -2712,16 +5634,8 @@
           <a:cs typeface="+mn-cs"/>
         </a:defRPr>
       </a:lvl1pPr>
-      <a:lvl2pPr marL="685800" indent="-228600" algn="l" defTabSz="914400" rtl="0" eaLnBrk="1" latinLnBrk="0" hangingPunct="1">
-        <a:lnSpc>
-          <a:spcPct val="90000"/>
-        </a:lnSpc>
-        <a:spcBef>
-          <a:spcPts val="500"/>
-        </a:spcBef>
-        <a:buFont typeface="Arial" panose="020B0604020202020204" pitchFamily="34" charset="0"/>
-        <a:buChar char="•"/>
-        <a:defRPr sz="2400" kern="1200">
+      <a:lvl2pPr marL="457200" algn="l" defTabSz="457200" rtl="0" eaLnBrk="1" latinLnBrk="0" hangingPunct="1">
+        <a:defRPr sz="1800" kern="1200">
           <a:solidFill>
             <a:schemeClr val="tx1"/>
           </a:solidFill>
@@ -2730,16 +5644,8 @@
           <a:cs typeface="+mn-cs"/>
         </a:defRPr>
       </a:lvl2pPr>
-      <a:lvl3pPr marL="1143000" indent="-228600" algn="l" defTabSz="914400" rtl="0" eaLnBrk="1" latinLnBrk="0" hangingPunct="1">
-        <a:lnSpc>
-          <a:spcPct val="90000"/>
-        </a:lnSpc>
-        <a:spcBef>
-          <a:spcPts val="500"/>
-        </a:spcBef>
-        <a:buFont typeface="Arial" panose="020B0604020202020204" pitchFamily="34" charset="0"/>
-        <a:buChar char="•"/>
-        <a:defRPr sz="2000" kern="1200">
+      <a:lvl3pPr marL="914400" algn="l" defTabSz="457200" rtl="0" eaLnBrk="1" latinLnBrk="0" hangingPunct="1">
+        <a:defRPr sz="1800" kern="1200">
           <a:solidFill>
             <a:schemeClr val="tx1"/>
           </a:solidFill>
@@ -2748,15 +5654,7 @@
           <a:cs typeface="+mn-cs"/>
         </a:defRPr>
       </a:lvl3pPr>
-      <a:lvl4pPr marL="1600200" indent="-228600" algn="l" defTabSz="914400" rtl="0" eaLnBrk="1" latinLnBrk="0" hangingPunct="1">
-        <a:lnSpc>
-          <a:spcPct val="90000"/>
-        </a:lnSpc>
-        <a:spcBef>
-          <a:spcPts val="500"/>
-        </a:spcBef>
-        <a:buFont typeface="Arial" panose="020B0604020202020204" pitchFamily="34" charset="0"/>
-        <a:buChar char="•"/>
+      <a:lvl4pPr marL="1371600" algn="l" defTabSz="457200" rtl="0" eaLnBrk="1" latinLnBrk="0" hangingPunct="1">
         <a:defRPr sz="1800" kern="1200">
           <a:solidFill>
             <a:schemeClr val="tx1"/>
@@ -2766,15 +5664,7 @@
           <a:cs typeface="+mn-cs"/>
         </a:defRPr>
       </a:lvl4pPr>
-      <a:lvl5pPr marL="2057400" indent="-228600" algn="l" defTabSz="914400" rtl="0" eaLnBrk="1" latinLnBrk="0" hangingPunct="1">
-        <a:lnSpc>
-          <a:spcPct val="90000"/>
-        </a:lnSpc>
-        <a:spcBef>
-          <a:spcPts val="500"/>
-        </a:spcBef>
-        <a:buFont typeface="Arial" panose="020B0604020202020204" pitchFamily="34" charset="0"/>
-        <a:buChar char="•"/>
+      <a:lvl5pPr marL="1828800" algn="l" defTabSz="457200" rtl="0" eaLnBrk="1" latinLnBrk="0" hangingPunct="1">
         <a:defRPr sz="1800" kern="1200">
           <a:solidFill>
             <a:schemeClr val="tx1"/>
@@ -2784,15 +5674,7 @@
           <a:cs typeface="+mn-cs"/>
         </a:defRPr>
       </a:lvl5pPr>
-      <a:lvl6pPr marL="2514600" indent="-228600" algn="l" defTabSz="914400" rtl="0" eaLnBrk="1" latinLnBrk="0" hangingPunct="1">
-        <a:lnSpc>
-          <a:spcPct val="90000"/>
-        </a:lnSpc>
-        <a:spcBef>
-          <a:spcPts val="500"/>
-        </a:spcBef>
-        <a:buFont typeface="Arial" panose="020B0604020202020204" pitchFamily="34" charset="0"/>
-        <a:buChar char="•"/>
+      <a:lvl6pPr marL="2286000" algn="l" defTabSz="457200" rtl="0" eaLnBrk="1" latinLnBrk="0" hangingPunct="1">
         <a:defRPr sz="1800" kern="1200">
           <a:solidFill>
             <a:schemeClr val="tx1"/>
@@ -2802,15 +5684,7 @@
           <a:cs typeface="+mn-cs"/>
         </a:defRPr>
       </a:lvl6pPr>
-      <a:lvl7pPr marL="2971800" indent="-228600" algn="l" defTabSz="914400" rtl="0" eaLnBrk="1" latinLnBrk="0" hangingPunct="1">
-        <a:lnSpc>
-          <a:spcPct val="90000"/>
-        </a:lnSpc>
-        <a:spcBef>
-          <a:spcPts val="500"/>
-        </a:spcBef>
-        <a:buFont typeface="Arial" panose="020B0604020202020204" pitchFamily="34" charset="0"/>
-        <a:buChar char="•"/>
+      <a:lvl7pPr marL="2743200" algn="l" defTabSz="457200" rtl="0" eaLnBrk="1" latinLnBrk="0" hangingPunct="1">
         <a:defRPr sz="1800" kern="1200">
           <a:solidFill>
             <a:schemeClr val="tx1"/>
@@ -2820,15 +5694,7 @@
           <a:cs typeface="+mn-cs"/>
         </a:defRPr>
       </a:lvl7pPr>
-      <a:lvl8pPr marL="3429000" indent="-228600" algn="l" defTabSz="914400" rtl="0" eaLnBrk="1" latinLnBrk="0" hangingPunct="1">
-        <a:lnSpc>
-          <a:spcPct val="90000"/>
-        </a:lnSpc>
-        <a:spcBef>
-          <a:spcPts val="500"/>
-        </a:spcBef>
-        <a:buFont typeface="Arial" panose="020B0604020202020204" pitchFamily="34" charset="0"/>
-        <a:buChar char="•"/>
+      <a:lvl8pPr marL="3200400" algn="l" defTabSz="457200" rtl="0" eaLnBrk="1" latinLnBrk="0" hangingPunct="1">
         <a:defRPr sz="1800" kern="1200">
           <a:solidFill>
             <a:schemeClr val="tx1"/>
@@ -2838,110 +5704,7 @@
           <a:cs typeface="+mn-cs"/>
         </a:defRPr>
       </a:lvl8pPr>
-      <a:lvl9pPr marL="3886200" indent="-228600" algn="l" defTabSz="914400" rtl="0" eaLnBrk="1" latinLnBrk="0" hangingPunct="1">
-        <a:lnSpc>
-          <a:spcPct val="90000"/>
-        </a:lnSpc>
-        <a:spcBef>
-          <a:spcPts val="500"/>
-        </a:spcBef>
-        <a:buFont typeface="Arial" panose="020B0604020202020204" pitchFamily="34" charset="0"/>
-        <a:buChar char="•"/>
-        <a:defRPr sz="1800" kern="1200">
-          <a:solidFill>
-            <a:schemeClr val="tx1"/>
-          </a:solidFill>
-          <a:latin typeface="+mn-lt"/>
-          <a:ea typeface="+mn-ea"/>
-          <a:cs typeface="+mn-cs"/>
-        </a:defRPr>
-      </a:lvl9pPr>
-    </p:bodyStyle>
-    <p:otherStyle>
-      <a:defPPr>
-        <a:defRPr lang="zh-TW"/>
-      </a:defPPr>
-      <a:lvl1pPr marL="0" algn="l" defTabSz="914400" rtl="0" eaLnBrk="1" latinLnBrk="0" hangingPunct="1">
-        <a:defRPr sz="1800" kern="1200">
-          <a:solidFill>
-            <a:schemeClr val="tx1"/>
-          </a:solidFill>
-          <a:latin typeface="+mn-lt"/>
-          <a:ea typeface="+mn-ea"/>
-          <a:cs typeface="+mn-cs"/>
-        </a:defRPr>
-      </a:lvl1pPr>
-      <a:lvl2pPr marL="457200" algn="l" defTabSz="914400" rtl="0" eaLnBrk="1" latinLnBrk="0" hangingPunct="1">
-        <a:defRPr sz="1800" kern="1200">
-          <a:solidFill>
-            <a:schemeClr val="tx1"/>
-          </a:solidFill>
-          <a:latin typeface="+mn-lt"/>
-          <a:ea typeface="+mn-ea"/>
-          <a:cs typeface="+mn-cs"/>
-        </a:defRPr>
-      </a:lvl2pPr>
-      <a:lvl3pPr marL="914400" algn="l" defTabSz="914400" rtl="0" eaLnBrk="1" latinLnBrk="0" hangingPunct="1">
-        <a:defRPr sz="1800" kern="1200">
-          <a:solidFill>
-            <a:schemeClr val="tx1"/>
-          </a:solidFill>
-          <a:latin typeface="+mn-lt"/>
-          <a:ea typeface="+mn-ea"/>
-          <a:cs typeface="+mn-cs"/>
-        </a:defRPr>
-      </a:lvl3pPr>
-      <a:lvl4pPr marL="1371600" algn="l" defTabSz="914400" rtl="0" eaLnBrk="1" latinLnBrk="0" hangingPunct="1">
-        <a:defRPr sz="1800" kern="1200">
-          <a:solidFill>
-            <a:schemeClr val="tx1"/>
-          </a:solidFill>
-          <a:latin typeface="+mn-lt"/>
-          <a:ea typeface="+mn-ea"/>
-          <a:cs typeface="+mn-cs"/>
-        </a:defRPr>
-      </a:lvl4pPr>
-      <a:lvl5pPr marL="1828800" algn="l" defTabSz="914400" rtl="0" eaLnBrk="1" latinLnBrk="0" hangingPunct="1">
-        <a:defRPr sz="1800" kern="1200">
-          <a:solidFill>
-            <a:schemeClr val="tx1"/>
-          </a:solidFill>
-          <a:latin typeface="+mn-lt"/>
-          <a:ea typeface="+mn-ea"/>
-          <a:cs typeface="+mn-cs"/>
-        </a:defRPr>
-      </a:lvl5pPr>
-      <a:lvl6pPr marL="2286000" algn="l" defTabSz="914400" rtl="0" eaLnBrk="1" latinLnBrk="0" hangingPunct="1">
-        <a:defRPr sz="1800" kern="1200">
-          <a:solidFill>
-            <a:schemeClr val="tx1"/>
-          </a:solidFill>
-          <a:latin typeface="+mn-lt"/>
-          <a:ea typeface="+mn-ea"/>
-          <a:cs typeface="+mn-cs"/>
-        </a:defRPr>
-      </a:lvl6pPr>
-      <a:lvl7pPr marL="2743200" algn="l" defTabSz="914400" rtl="0" eaLnBrk="1" latinLnBrk="0" hangingPunct="1">
-        <a:defRPr sz="1800" kern="1200">
-          <a:solidFill>
-            <a:schemeClr val="tx1"/>
-          </a:solidFill>
-          <a:latin typeface="+mn-lt"/>
-          <a:ea typeface="+mn-ea"/>
-          <a:cs typeface="+mn-cs"/>
-        </a:defRPr>
-      </a:lvl7pPr>
-      <a:lvl8pPr marL="3200400" algn="l" defTabSz="914400" rtl="0" eaLnBrk="1" latinLnBrk="0" hangingPunct="1">
-        <a:defRPr sz="1800" kern="1200">
-          <a:solidFill>
-            <a:schemeClr val="tx1"/>
-          </a:solidFill>
-          <a:latin typeface="+mn-lt"/>
-          <a:ea typeface="+mn-ea"/>
-          <a:cs typeface="+mn-cs"/>
-        </a:defRPr>
-      </a:lvl8pPr>
-      <a:lvl9pPr marL="3657600" algn="l" defTabSz="914400" rtl="0" eaLnBrk="1" latinLnBrk="0" hangingPunct="1">
+      <a:lvl9pPr marL="3657600" algn="l" defTabSz="457200" rtl="0" eaLnBrk="1" latinLnBrk="0" hangingPunct="1">
         <a:defRPr sz="1800" kern="1200">
           <a:solidFill>
             <a:schemeClr val="tx1"/>
@@ -2994,15 +5757,7 @@
             </a:r>
             <a:r>
               <a:rPr lang="en-US" altLang="zh-TW" dirty="0" smtClean="0"/>
-              <a:t>=</a:t>
-            </a:r>
-            <a:r>
-              <a:rPr lang="zh-TW" altLang="en-US" dirty="0" smtClean="0"/>
-              <a:t> </a:t>
-            </a:r>
-            <a:r>
-              <a:rPr lang="en-US" altLang="zh-TW" dirty="0" smtClean="0"/>
-              <a:t>=</a:t>
+              <a:t/>
             </a:r>
             <a:br>
               <a:rPr lang="en-US" altLang="zh-TW" dirty="0" smtClean="0"/>
@@ -3024,7 +5779,7 @@
         <p:spPr/>
         <p:txBody>
           <a:bodyPr>
-            <a:normAutofit lnSpcReduction="10000"/>
+            <a:normAutofit/>
           </a:bodyPr>
           <a:lstStyle/>
           <a:p>
@@ -3080,6 +5835,13 @@
   <p:clrMapOvr>
     <a:masterClrMapping/>
   </p:clrMapOvr>
+  <p:timing>
+    <p:tnLst>
+      <p:par>
+        <p:cTn id="1" dur="indefinite" restart="never" nodeType="tmRoot"/>
+      </p:par>
+    </p:tnLst>
+  </p:timing>
 </p:sld>
 </file>
 
@@ -3110,7 +5872,12 @@
             <p:ph type="title"/>
           </p:nvPr>
         </p:nvSpPr>
-        <p:spPr/>
+        <p:spPr>
+          <a:xfrm>
+            <a:off x="1141413" y="153369"/>
+            <a:ext cx="9905998" cy="1905000"/>
+          </a:xfrm>
+        </p:spPr>
         <p:txBody>
           <a:bodyPr/>
           <a:lstStyle/>
@@ -3140,177 +5907,166 @@
             <p:ph idx="1"/>
           </p:nvPr>
         </p:nvSpPr>
-        <p:spPr/>
-        <p:txBody>
-          <a:bodyPr/>
+        <p:spPr>
+          <a:xfrm>
+            <a:off x="1141413" y="2666999"/>
+            <a:ext cx="9905998" cy="3764281"/>
+          </a:xfrm>
+        </p:spPr>
+        <p:txBody>
+          <a:bodyPr>
+            <a:normAutofit fontScale="92500" lnSpcReduction="10000"/>
+          </a:bodyPr>
           <a:lstStyle/>
           <a:p>
             <a:r>
-              <a:rPr lang="en-US" altLang="zh-TW" dirty="0" smtClean="0">
+              <a:rPr lang="en-US" altLang="zh-TW" sz="2400" dirty="0" smtClean="0">
                 <a:latin typeface="微軟正黑體" panose="020B0604030504040204" pitchFamily="34" charset="-120"/>
                 <a:ea typeface="微軟正黑體" panose="020B0604030504040204" pitchFamily="34" charset="-120"/>
               </a:rPr>
               <a:t>MD5</a:t>
             </a:r>
             <a:r>
-              <a:rPr lang="zh-TW" altLang="en-US" dirty="0" smtClean="0">
+              <a:rPr lang="zh-TW" altLang="en-US" sz="2400" dirty="0" smtClean="0">
                 <a:latin typeface="微軟正黑體" panose="020B0604030504040204" pitchFamily="34" charset="-120"/>
                 <a:ea typeface="微軟正黑體" panose="020B0604030504040204" pitchFamily="34" charset="-120"/>
               </a:rPr>
               <a:t> </a:t>
             </a:r>
             <a:r>
-              <a:rPr lang="en-US" altLang="zh-TW" dirty="0" smtClean="0">
+              <a:rPr lang="en-US" altLang="zh-TW" sz="2400" dirty="0" smtClean="0">
                 <a:latin typeface="微軟正黑體" panose="020B0604030504040204" pitchFamily="34" charset="-120"/>
                 <a:ea typeface="微軟正黑體" panose="020B0604030504040204" pitchFamily="34" charset="-120"/>
               </a:rPr>
               <a:t>:</a:t>
             </a:r>
             <a:r>
-              <a:rPr lang="zh-TW" altLang="en-US" dirty="0" smtClean="0">
+              <a:rPr lang="zh-TW" altLang="en-US" sz="2400" dirty="0" smtClean="0">
                 <a:latin typeface="微軟正黑體" panose="020B0604030504040204" pitchFamily="34" charset="-120"/>
                 <a:ea typeface="微軟正黑體" panose="020B0604030504040204" pitchFamily="34" charset="-120"/>
               </a:rPr>
               <a:t> </a:t>
             </a:r>
             <a:r>
-              <a:rPr lang="en-US" altLang="zh-TW" dirty="0" smtClean="0">
+              <a:rPr lang="en-US" altLang="zh-TW" sz="2400" dirty="0" smtClean="0">
                 <a:latin typeface="微軟正黑體" panose="020B0604030504040204" pitchFamily="34" charset="-120"/>
                 <a:ea typeface="微軟正黑體" panose="020B0604030504040204" pitchFamily="34" charset="-120"/>
               </a:rPr>
               <a:t>Message-Digest </a:t>
             </a:r>
             <a:r>
-              <a:rPr lang="en-US" altLang="zh-TW" dirty="0">
+              <a:rPr lang="en-US" altLang="zh-TW" sz="2400" dirty="0">
                 <a:latin typeface="微軟正黑體" panose="020B0604030504040204" pitchFamily="34" charset="-120"/>
                 <a:ea typeface="微軟正黑體" panose="020B0604030504040204" pitchFamily="34" charset="-120"/>
               </a:rPr>
               <a:t>Algorithm </a:t>
             </a:r>
             <a:r>
-              <a:rPr lang="en-US" altLang="zh-TW" dirty="0" smtClean="0">
+              <a:rPr lang="en-US" altLang="zh-TW" sz="2400" dirty="0" smtClean="0">
                 <a:latin typeface="微軟正黑體" panose="020B0604030504040204" pitchFamily="34" charset="-120"/>
                 <a:ea typeface="微軟正黑體" panose="020B0604030504040204" pitchFamily="34" charset="-120"/>
               </a:rPr>
               <a:t>5</a:t>
             </a:r>
-            <a:r>
-              <a:rPr lang="zh-TW" altLang="en-US" dirty="0" smtClean="0">
+          </a:p>
+          <a:p>
+            <a:r>
+              <a:rPr lang="zh-TW" altLang="en-US" sz="2400" dirty="0" smtClean="0">
                 <a:latin typeface="微軟正黑體" panose="020B0604030504040204" pitchFamily="34" charset="-120"/>
                 <a:ea typeface="微軟正黑體" panose="020B0604030504040204" pitchFamily="34" charset="-120"/>
               </a:rPr>
-              <a:t>（資訊</a:t>
-            </a:r>
-            <a:r>
-              <a:rPr lang="en-US" altLang="zh-TW" dirty="0" smtClean="0">
+              <a:t>把</a:t>
+            </a:r>
+            <a:r>
+              <a:rPr lang="zh-TW" altLang="en-US" sz="2400" dirty="0">
                 <a:latin typeface="微軟正黑體" panose="020B0604030504040204" pitchFamily="34" charset="-120"/>
                 <a:ea typeface="微軟正黑體" panose="020B0604030504040204" pitchFamily="34" charset="-120"/>
               </a:rPr>
-              <a:t>-</a:t>
-            </a:r>
-            <a:r>
-              <a:rPr lang="zh-TW" altLang="en-US" dirty="0" smtClean="0">
-                <a:latin typeface="微軟正黑體" panose="020B0604030504040204" pitchFamily="34" charset="-120"/>
-                <a:ea typeface="微軟正黑體" panose="020B0604030504040204" pitchFamily="34" charset="-120"/>
-              </a:rPr>
-              <a:t>摘要算法）</a:t>
-            </a:r>
-            <a:endParaRPr lang="en-US" altLang="zh-TW" dirty="0" smtClean="0">
-              <a:latin typeface="微軟正黑體" panose="020B0604030504040204" pitchFamily="34" charset="-120"/>
-              <a:ea typeface="微軟正黑體" panose="020B0604030504040204" pitchFamily="34" charset="-120"/>
-            </a:endParaRPr>
-          </a:p>
-          <a:p>
-            <a:r>
-              <a:rPr lang="zh-TW" altLang="en-US" dirty="0">
-                <a:latin typeface="微軟正黑體" panose="020B0604030504040204" pitchFamily="34" charset="-120"/>
-                <a:ea typeface="微軟正黑體" panose="020B0604030504040204" pitchFamily="34" charset="-120"/>
-              </a:rPr>
-              <a:t>把一個任意長度的位元組串變換成一定長的大</a:t>
-            </a:r>
-            <a:r>
-              <a:rPr lang="zh-TW" altLang="en-US" dirty="0" smtClean="0">
+              <a:t>一個任意長度的位元組串變換成一定長的大</a:t>
+            </a:r>
+            <a:r>
+              <a:rPr lang="zh-TW" altLang="en-US" sz="2400" dirty="0" smtClean="0">
                 <a:latin typeface="微軟正黑體" panose="020B0604030504040204" pitchFamily="34" charset="-120"/>
                 <a:ea typeface="微軟正黑體" panose="020B0604030504040204" pitchFamily="34" charset="-120"/>
               </a:rPr>
               <a:t>整數</a:t>
             </a:r>
-            <a:endParaRPr lang="en-US" altLang="zh-TW" dirty="0" smtClean="0">
+            <a:endParaRPr lang="en-US" altLang="zh-TW" sz="2400" dirty="0" smtClean="0">
               <a:latin typeface="微軟正黑體" panose="020B0604030504040204" pitchFamily="34" charset="-120"/>
               <a:ea typeface="微軟正黑體" panose="020B0604030504040204" pitchFamily="34" charset="-120"/>
             </a:endParaRPr>
           </a:p>
           <a:p>
             <a:r>
-              <a:rPr lang="zh-TW" altLang="en-US" dirty="0">
+              <a:rPr lang="zh-TW" altLang="en-US" sz="2400" dirty="0">
                 <a:latin typeface="微軟正黑體" panose="020B0604030504040204" pitchFamily="34" charset="-120"/>
                 <a:ea typeface="微軟正黑體" panose="020B0604030504040204" pitchFamily="34" charset="-120"/>
               </a:rPr>
               <a:t>即使在原文中作一個小變化，其雜湊也會發生巨大的</a:t>
             </a:r>
             <a:r>
-              <a:rPr lang="zh-TW" altLang="en-US" dirty="0" smtClean="0">
+              <a:rPr lang="zh-TW" altLang="en-US" sz="2400" dirty="0" smtClean="0">
                 <a:latin typeface="微軟正黑體" panose="020B0604030504040204" pitchFamily="34" charset="-120"/>
                 <a:ea typeface="微軟正黑體" panose="020B0604030504040204" pitchFamily="34" charset="-120"/>
               </a:rPr>
               <a:t>變化</a:t>
             </a:r>
-            <a:endParaRPr lang="en-US" altLang="zh-TW" dirty="0" smtClean="0">
+            <a:endParaRPr lang="en-US" altLang="zh-TW" sz="2400" dirty="0" smtClean="0">
               <a:latin typeface="微軟正黑體" panose="020B0604030504040204" pitchFamily="34" charset="-120"/>
               <a:ea typeface="微軟正黑體" panose="020B0604030504040204" pitchFamily="34" charset="-120"/>
             </a:endParaRPr>
           </a:p>
           <a:p>
-            <a:endParaRPr lang="en-US" altLang="zh-TW" dirty="0">
+            <a:endParaRPr lang="en-US" altLang="zh-TW" sz="2400" dirty="0">
               <a:latin typeface="微軟正黑體" panose="020B0604030504040204" pitchFamily="34" charset="-120"/>
               <a:ea typeface="微軟正黑體" panose="020B0604030504040204" pitchFamily="34" charset="-120"/>
             </a:endParaRPr>
           </a:p>
           <a:p>
-            <a:endParaRPr lang="en-US" altLang="zh-TW" dirty="0" smtClean="0">
+            <a:endParaRPr lang="en-US" altLang="zh-TW" sz="2400" dirty="0" smtClean="0">
               <a:latin typeface="微軟正黑體" panose="020B0604030504040204" pitchFamily="34" charset="-120"/>
               <a:ea typeface="微軟正黑體" panose="020B0604030504040204" pitchFamily="34" charset="-120"/>
             </a:endParaRPr>
           </a:p>
           <a:p>
-            <a:endParaRPr lang="en-US" altLang="zh-TW" dirty="0">
+            <a:endParaRPr lang="en-US" altLang="zh-TW" sz="2400" dirty="0">
               <a:latin typeface="微軟正黑體" panose="020B0604030504040204" pitchFamily="34" charset="-120"/>
               <a:ea typeface="微軟正黑體" panose="020B0604030504040204" pitchFamily="34" charset="-120"/>
             </a:endParaRPr>
           </a:p>
           <a:p>
-            <a:endParaRPr lang="en-US" altLang="zh-TW" dirty="0" smtClean="0">
+            <a:endParaRPr lang="en-US" altLang="zh-TW" sz="2400" dirty="0" smtClean="0">
               <a:latin typeface="微軟正黑體" panose="020B0604030504040204" pitchFamily="34" charset="-120"/>
               <a:ea typeface="微軟正黑體" panose="020B0604030504040204" pitchFamily="34" charset="-120"/>
             </a:endParaRPr>
           </a:p>
           <a:p>
             <a:r>
-              <a:rPr lang="en-US" altLang="zh-TW" dirty="0" smtClean="0">
+              <a:rPr lang="en-US" altLang="zh-TW" sz="2400" dirty="0" smtClean="0">
                 <a:latin typeface="微軟正黑體" panose="020B0604030504040204" pitchFamily="34" charset="-120"/>
                 <a:ea typeface="微軟正黑體" panose="020B0604030504040204" pitchFamily="34" charset="-120"/>
               </a:rPr>
               <a:t>message digest</a:t>
             </a:r>
             <a:r>
-              <a:rPr lang="zh-TW" altLang="en-US" dirty="0" smtClean="0">
+              <a:rPr lang="zh-TW" altLang="en-US" sz="2400" dirty="0" smtClean="0">
                 <a:latin typeface="微軟正黑體" panose="020B0604030504040204" pitchFamily="34" charset="-120"/>
                 <a:ea typeface="微軟正黑體" panose="020B0604030504040204" pitchFamily="34" charset="-120"/>
               </a:rPr>
               <a:t>是以複雜的 </a:t>
             </a:r>
             <a:r>
-              <a:rPr lang="en-US" altLang="zh-TW" dirty="0" smtClean="0">
+              <a:rPr lang="en-US" altLang="zh-TW" sz="2400" dirty="0" smtClean="0">
                 <a:latin typeface="微軟正黑體" panose="020B0604030504040204" pitchFamily="34" charset="-120"/>
                 <a:ea typeface="微軟正黑體" panose="020B0604030504040204" pitchFamily="34" charset="-120"/>
               </a:rPr>
               <a:t>hash function</a:t>
             </a:r>
             <a:r>
-              <a:rPr lang="zh-TW" altLang="en-US" dirty="0"/>
+              <a:rPr lang="zh-TW" altLang="en-US" sz="2400" dirty="0"/>
               <a:t>所計算出來</a:t>
             </a:r>
-            <a:endParaRPr lang="en-US" altLang="zh-TW" dirty="0" smtClean="0">
+            <a:endParaRPr lang="en-US" altLang="zh-TW" sz="2400" dirty="0" smtClean="0">
               <a:latin typeface="微軟正黑體" panose="020B0604030504040204" pitchFamily="34" charset="-120"/>
               <a:ea typeface="微軟正黑體" panose="020B0604030504040204" pitchFamily="34" charset="-120"/>
             </a:endParaRPr>
@@ -3372,7 +6128,7 @@
         </p:blipFill>
         <p:spPr>
           <a:xfrm>
-            <a:off x="1482548" y="3354739"/>
+            <a:off x="1141413" y="2954554"/>
             <a:ext cx="8101068" cy="1716505"/>
           </a:xfrm>
           <a:prstGeom prst="rect">
@@ -3390,6 +6146,13 @@
   <p:clrMapOvr>
     <a:masterClrMapping/>
   </p:clrMapOvr>
+  <p:timing>
+    <p:tnLst>
+      <p:par>
+        <p:cTn id="1" dur="indefinite" restart="never" nodeType="tmRoot"/>
+      </p:par>
+    </p:tnLst>
+  </p:timing>
 </p:sld>
 </file>
 
@@ -3606,6 +6369,13 @@
   <p:clrMapOvr>
     <a:masterClrMapping/>
   </p:clrMapOvr>
+  <p:timing>
+    <p:tnLst>
+      <p:par>
+        <p:cTn id="1" dur="indefinite" restart="never" nodeType="tmRoot"/>
+      </p:par>
+    </p:tnLst>
+  </p:timing>
 </p:sld>
 </file>
 
@@ -3657,13 +6427,11 @@
       </p:sp>
       <p:pic>
         <p:nvPicPr>
-          <p:cNvPr id="5" name="內容版面配置區 4"/>
+          <p:cNvPr id="6" name="圖片 5"/>
           <p:cNvPicPr>
-            <a:picLocks noGrp="1" noChangeAspect="1"/>
+            <a:picLocks noChangeAspect="1"/>
           </p:cNvPicPr>
-          <p:nvPr>
-            <p:ph idx="1"/>
-          </p:nvPr>
+          <p:nvPr/>
         </p:nvPicPr>
         <p:blipFill>
           <a:blip r:embed="rId2"/>
@@ -3673,17 +6441,36 @@
         </p:blipFill>
         <p:spPr>
           <a:xfrm>
-            <a:off x="6860931" y="1498676"/>
-            <a:ext cx="3982344" cy="4351338"/>
+            <a:off x="1141411" y="3677332"/>
+            <a:ext cx="5042581" cy="1900816"/>
           </a:xfrm>
           <a:prstGeom prst="rect">
             <a:avLst/>
           </a:prstGeom>
         </p:spPr>
       </p:pic>
+      <p:sp>
+        <p:nvSpPr>
+          <p:cNvPr id="3" name="內容版面配置區 2"/>
+          <p:cNvSpPr>
+            <a:spLocks noGrp="1"/>
+          </p:cNvSpPr>
+          <p:nvPr>
+            <p:ph idx="1"/>
+          </p:nvPr>
+        </p:nvSpPr>
+        <p:spPr/>
+        <p:txBody>
+          <a:bodyPr/>
+          <a:lstStyle/>
+          <a:p>
+            <a:endParaRPr lang="zh-TW" altLang="en-US" dirty="0"/>
+          </a:p>
+        </p:txBody>
+      </p:sp>
       <p:pic>
         <p:nvPicPr>
-          <p:cNvPr id="6" name="圖片 5"/>
+          <p:cNvPr id="4" name="圖片 3"/>
           <p:cNvPicPr>
             <a:picLocks noChangeAspect="1"/>
           </p:cNvPicPr>
@@ -3697,8 +6484,32 @@
         </p:blipFill>
         <p:spPr>
           <a:xfrm>
-            <a:off x="838200" y="2723937"/>
-            <a:ext cx="5042581" cy="1900816"/>
+            <a:off x="6581955" y="1436655"/>
+            <a:ext cx="4465455" cy="4475379"/>
+          </a:xfrm>
+          <a:prstGeom prst="rect">
+            <a:avLst/>
+          </a:prstGeom>
+        </p:spPr>
+      </p:pic>
+      <p:pic>
+        <p:nvPicPr>
+          <p:cNvPr id="8" name="圖片 7"/>
+          <p:cNvPicPr>
+            <a:picLocks noChangeAspect="1"/>
+          </p:cNvPicPr>
+          <p:nvPr/>
+        </p:nvPicPr>
+        <p:blipFill>
+          <a:blip r:embed="rId4"/>
+          <a:stretch>
+            <a:fillRect/>
+          </a:stretch>
+        </p:blipFill>
+        <p:spPr>
+          <a:xfrm>
+            <a:off x="1141410" y="2087843"/>
+            <a:ext cx="4885689" cy="706973"/>
           </a:xfrm>
           <a:prstGeom prst="rect">
             <a:avLst/>
@@ -3715,6 +6526,13 @@
   <p:clrMapOvr>
     <a:masterClrMapping/>
   </p:clrMapOvr>
+  <p:timing>
+    <p:tnLst>
+      <p:par>
+        <p:cTn id="1" dur="indefinite" restart="never" nodeType="tmRoot"/>
+      </p:par>
+    </p:tnLst>
+  </p:timing>
 </p:sld>
 </file>
 
@@ -3751,40 +6569,932 @@
           <a:lstStyle/>
           <a:p>
             <a:r>
-              <a:rPr lang="en-US" altLang="zh-TW" dirty="0" err="1" smtClean="0"/>
+              <a:rPr lang="en-US" altLang="zh-TW" dirty="0" smtClean="0"/>
+              <a:t>AES</a:t>
+            </a:r>
+            <a:r>
+              <a:rPr lang="zh-TW" altLang="en-US" dirty="0" smtClean="0"/>
+              <a:t>加密</a:t>
+            </a:r>
+            <a:endParaRPr lang="zh-TW" altLang="en-US" dirty="0"/>
+          </a:p>
+        </p:txBody>
+      </p:sp>
+      <p:sp>
+        <p:nvSpPr>
+          <p:cNvPr id="3" name="內容版面配置區 2"/>
+          <p:cNvSpPr>
+            <a:spLocks noGrp="1"/>
+          </p:cNvSpPr>
+          <p:nvPr>
+            <p:ph idx="1"/>
+          </p:nvPr>
+        </p:nvSpPr>
+        <p:spPr/>
+        <p:txBody>
+          <a:bodyPr/>
+          <a:lstStyle/>
+          <a:p>
+            <a:pPr fontAlgn="base"/>
+            <a:r>
+              <a:rPr lang="en-US" altLang="zh-TW" dirty="0" err="1"/>
+              <a:t>AddRoundKey</a:t>
+            </a:r>
+            <a:r>
+              <a:rPr lang="en-US" altLang="zh-TW" dirty="0"/>
+              <a:t> </a:t>
+            </a:r>
+            <a:r>
+              <a:rPr lang="zh-TW" altLang="en-US" dirty="0"/>
+              <a:t>： 矩陣中的每一個位元組都與該次輪祕鑰（</a:t>
+            </a:r>
+            <a:r>
+              <a:rPr lang="en-US" altLang="zh-TW" dirty="0"/>
+              <a:t>round key</a:t>
+            </a:r>
+            <a:r>
+              <a:rPr lang="zh-TW" altLang="en-US" dirty="0"/>
+              <a:t>）做</a:t>
+            </a:r>
+            <a:r>
+              <a:rPr lang="en-US" altLang="zh-TW" dirty="0"/>
+              <a:t>XOR</a:t>
+            </a:r>
+            <a:r>
+              <a:rPr lang="zh-TW" altLang="en-US" dirty="0"/>
+              <a:t>運算；每個子金鑰由金鑰生成方案產生。</a:t>
+            </a:r>
+          </a:p>
+          <a:p>
+            <a:pPr fontAlgn="base"/>
+            <a:r>
+              <a:rPr lang="en-US" altLang="zh-TW" dirty="0" err="1"/>
+              <a:t>SubBytes</a:t>
+            </a:r>
+            <a:r>
+              <a:rPr lang="en-US" altLang="zh-TW" dirty="0"/>
+              <a:t> </a:t>
+            </a:r>
+            <a:r>
+              <a:rPr lang="zh-TW" altLang="en-US" dirty="0"/>
+              <a:t>： 通過非線性的替換函式，用查詢表的方式把每個位元組替換成對應的位元組。</a:t>
+            </a:r>
+          </a:p>
+          <a:p>
+            <a:pPr fontAlgn="base"/>
+            <a:r>
+              <a:rPr lang="en-US" altLang="zh-TW" dirty="0" err="1"/>
+              <a:t>ShiftRows</a:t>
+            </a:r>
+            <a:r>
+              <a:rPr lang="en-US" altLang="zh-TW" dirty="0"/>
+              <a:t> </a:t>
+            </a:r>
+            <a:r>
+              <a:rPr lang="zh-TW" altLang="en-US" dirty="0"/>
+              <a:t>： 將矩陣中的每個橫列進行迴圈式移位。</a:t>
+            </a:r>
+          </a:p>
+          <a:p>
+            <a:pPr fontAlgn="base"/>
+            <a:r>
+              <a:rPr lang="en-US" altLang="zh-TW" dirty="0" err="1"/>
+              <a:t>MixColumns</a:t>
+            </a:r>
+            <a:r>
+              <a:rPr lang="en-US" altLang="zh-TW" dirty="0"/>
+              <a:t> </a:t>
+            </a:r>
+            <a:r>
+              <a:rPr lang="zh-TW" altLang="en-US" dirty="0"/>
+              <a:t>： 為了充分混合矩陣中各個直行的操作。這個步驟使用線性轉換來混合每列的四個位元組。</a:t>
+            </a:r>
+          </a:p>
+          <a:p>
+            <a:endParaRPr lang="zh-TW" altLang="en-US" dirty="0"/>
+          </a:p>
+        </p:txBody>
+      </p:sp>
+    </p:spTree>
+    <p:extLst>
+      <p:ext uri="{BB962C8B-B14F-4D97-AF65-F5344CB8AC3E}">
+        <p14:creationId xmlns:p14="http://schemas.microsoft.com/office/powerpoint/2010/main" val="211276673"/>
+      </p:ext>
+    </p:extLst>
+  </p:cSld>
+  <p:clrMapOvr>
+    <a:masterClrMapping/>
+  </p:clrMapOvr>
+  <p:timing>
+    <p:tnLst>
+      <p:par>
+        <p:cTn id="1" dur="indefinite" restart="never" nodeType="tmRoot"/>
+      </p:par>
+    </p:tnLst>
+  </p:timing>
+</p:sld>
+</file>
+
+<file path=ppt/slides/slide6.xml><?xml version="1.0" encoding="utf-8"?>
+<p:sld xmlns:a="http://schemas.openxmlformats.org/drawingml/2006/main" xmlns:r="http://schemas.openxmlformats.org/officeDocument/2006/relationships" xmlns:p="http://schemas.openxmlformats.org/presentationml/2006/main">
+  <p:cSld>
+    <p:spTree>
+      <p:nvGrpSpPr>
+        <p:cNvPr id="1" name=""/>
+        <p:cNvGrpSpPr/>
+        <p:nvPr/>
+      </p:nvGrpSpPr>
+      <p:grpSpPr>
+        <a:xfrm>
+          <a:off x="0" y="0"/>
+          <a:ext cx="0" cy="0"/>
+          <a:chOff x="0" y="0"/>
+          <a:chExt cx="0" cy="0"/>
+        </a:xfrm>
+      </p:grpSpPr>
+      <p:sp>
+        <p:nvSpPr>
+          <p:cNvPr id="2" name="標題 1"/>
+          <p:cNvSpPr>
+            <a:spLocks noGrp="1"/>
+          </p:cNvSpPr>
+          <p:nvPr>
+            <p:ph type="title"/>
+          </p:nvPr>
+        </p:nvSpPr>
+        <p:spPr>
+          <a:xfrm>
+            <a:off x="838191" y="71120"/>
+            <a:ext cx="9905998" cy="1905000"/>
+          </a:xfrm>
+        </p:spPr>
+        <p:txBody>
+          <a:bodyPr/>
+          <a:lstStyle/>
+          <a:p>
+            <a:r>
+              <a:rPr lang="zh-TW" altLang="en-US" dirty="0" smtClean="0"/>
+              <a:t>程式碼</a:t>
+            </a:r>
+            <a:endParaRPr lang="zh-TW" altLang="en-US" dirty="0"/>
+          </a:p>
+        </p:txBody>
+      </p:sp>
+      <p:pic>
+        <p:nvPicPr>
+          <p:cNvPr id="7" name="內容版面配置區 6"/>
+          <p:cNvPicPr>
+            <a:picLocks noGrp="1" noChangeAspect="1"/>
+          </p:cNvPicPr>
+          <p:nvPr>
+            <p:ph idx="1"/>
+          </p:nvPr>
+        </p:nvPicPr>
+        <p:blipFill>
+          <a:blip r:embed="rId2">
+            <a:extLst>
+              <a:ext uri="{28A0092B-C50C-407E-A947-70E740481C1C}">
+                <a14:useLocalDpi xmlns:a14="http://schemas.microsoft.com/office/drawing/2010/main" val="0"/>
+              </a:ext>
+            </a:extLst>
+          </a:blip>
+          <a:stretch>
+            <a:fillRect/>
+          </a:stretch>
+        </p:blipFill>
+        <p:spPr>
+          <a:xfrm>
+            <a:off x="838200" y="1690687"/>
+            <a:ext cx="7096248" cy="2200579"/>
+          </a:xfrm>
+        </p:spPr>
+      </p:pic>
+      <p:pic>
+        <p:nvPicPr>
+          <p:cNvPr id="5" name="圖片 4"/>
+          <p:cNvPicPr>
+            <a:picLocks noChangeAspect="1"/>
+          </p:cNvPicPr>
+          <p:nvPr/>
+        </p:nvPicPr>
+        <p:blipFill>
+          <a:blip r:embed="rId3"/>
+          <a:stretch>
+            <a:fillRect/>
+          </a:stretch>
+        </p:blipFill>
+        <p:spPr>
+          <a:xfrm>
+            <a:off x="838200" y="4105851"/>
+            <a:ext cx="7096248" cy="1908869"/>
+          </a:xfrm>
+          <a:prstGeom prst="rect">
+            <a:avLst/>
+          </a:prstGeom>
+        </p:spPr>
+      </p:pic>
+      <p:pic>
+        <p:nvPicPr>
+          <p:cNvPr id="8" name="圖片 7"/>
+          <p:cNvPicPr>
+            <a:picLocks noChangeAspect="1"/>
+          </p:cNvPicPr>
+          <p:nvPr/>
+        </p:nvPicPr>
+        <p:blipFill>
+          <a:blip r:embed="rId4">
+            <a:extLst>
+              <a:ext uri="{28A0092B-C50C-407E-A947-70E740481C1C}">
+                <a14:useLocalDpi xmlns:a14="http://schemas.microsoft.com/office/drawing/2010/main" val="0"/>
+              </a:ext>
+            </a:extLst>
+          </a:blip>
+          <a:stretch>
+            <a:fillRect/>
+          </a:stretch>
+        </p:blipFill>
+        <p:spPr>
+          <a:xfrm>
+            <a:off x="838200" y="1690686"/>
+            <a:ext cx="7096252" cy="2200580"/>
+          </a:xfrm>
+          <a:prstGeom prst="rect">
+            <a:avLst/>
+          </a:prstGeom>
+        </p:spPr>
+      </p:pic>
+      <p:pic>
+        <p:nvPicPr>
+          <p:cNvPr id="9" name="圖片 8"/>
+          <p:cNvPicPr>
+            <a:picLocks noChangeAspect="1"/>
+          </p:cNvPicPr>
+          <p:nvPr/>
+        </p:nvPicPr>
+        <p:blipFill>
+          <a:blip r:embed="rId5">
+            <a:extLst>
+              <a:ext uri="{28A0092B-C50C-407E-A947-70E740481C1C}">
+                <a14:useLocalDpi xmlns:a14="http://schemas.microsoft.com/office/drawing/2010/main" val="0"/>
+              </a:ext>
+            </a:extLst>
+          </a:blip>
+          <a:stretch>
+            <a:fillRect/>
+          </a:stretch>
+        </p:blipFill>
+        <p:spPr>
+          <a:xfrm>
+            <a:off x="838196" y="1659888"/>
+            <a:ext cx="7096252" cy="2231377"/>
+          </a:xfrm>
+          <a:prstGeom prst="rect">
+            <a:avLst/>
+          </a:prstGeom>
+        </p:spPr>
+      </p:pic>
+      <p:pic>
+        <p:nvPicPr>
+          <p:cNvPr id="10" name="圖片 9"/>
+          <p:cNvPicPr>
+            <a:picLocks noChangeAspect="1"/>
+          </p:cNvPicPr>
+          <p:nvPr/>
+        </p:nvPicPr>
+        <p:blipFill>
+          <a:blip r:embed="rId6">
+            <a:extLst>
+              <a:ext uri="{28A0092B-C50C-407E-A947-70E740481C1C}">
+                <a14:useLocalDpi xmlns:a14="http://schemas.microsoft.com/office/drawing/2010/main" val="0"/>
+              </a:ext>
+            </a:extLst>
+          </a:blip>
+          <a:stretch>
+            <a:fillRect/>
+          </a:stretch>
+        </p:blipFill>
+        <p:spPr>
+          <a:xfrm>
+            <a:off x="838193" y="1659887"/>
+            <a:ext cx="7096256" cy="2231378"/>
+          </a:xfrm>
+          <a:prstGeom prst="rect">
+            <a:avLst/>
+          </a:prstGeom>
+        </p:spPr>
+      </p:pic>
+      <p:pic>
+        <p:nvPicPr>
+          <p:cNvPr id="14" name="圖片 13"/>
+          <p:cNvPicPr>
+            <a:picLocks noChangeAspect="1"/>
+          </p:cNvPicPr>
+          <p:nvPr/>
+        </p:nvPicPr>
+        <p:blipFill>
+          <a:blip r:embed="rId7"/>
+          <a:stretch>
+            <a:fillRect/>
+          </a:stretch>
+        </p:blipFill>
+        <p:spPr>
+          <a:xfrm>
+            <a:off x="838191" y="1659885"/>
+            <a:ext cx="7096258" cy="2231380"/>
+          </a:xfrm>
+          <a:prstGeom prst="rect">
+            <a:avLst/>
+          </a:prstGeom>
+        </p:spPr>
+      </p:pic>
+    </p:spTree>
+    <p:extLst>
+      <p:ext uri="{BB962C8B-B14F-4D97-AF65-F5344CB8AC3E}">
+        <p14:creationId xmlns:p14="http://schemas.microsoft.com/office/powerpoint/2010/main" val="3484488505"/>
+      </p:ext>
+    </p:extLst>
+  </p:cSld>
+  <p:clrMapOvr>
+    <a:masterClrMapping/>
+  </p:clrMapOvr>
+  <p:timing>
+    <p:tnLst>
+      <p:par>
+        <p:cTn id="1" dur="indefinite" restart="never" nodeType="tmRoot">
+          <p:childTnLst>
+            <p:seq concurrent="1" nextAc="seek">
+              <p:cTn id="2" dur="indefinite" nodeType="mainSeq">
+                <p:childTnLst>
+                  <p:par>
+                    <p:cTn id="3" fill="hold">
+                      <p:stCondLst>
+                        <p:cond delay="indefinite"/>
+                      </p:stCondLst>
+                      <p:childTnLst>
+                        <p:par>
+                          <p:cTn id="4" fill="hold">
+                            <p:stCondLst>
+                              <p:cond delay="0"/>
+                            </p:stCondLst>
+                            <p:childTnLst>
+                              <p:par>
+                                <p:cTn id="5" presetID="1" presetClass="entr" presetSubtype="0" fill="hold" nodeType="clickEffect">
+                                  <p:stCondLst>
+                                    <p:cond delay="0"/>
+                                  </p:stCondLst>
+                                  <p:childTnLst>
+                                    <p:set>
+                                      <p:cBhvr>
+                                        <p:cTn id="6" dur="1" fill="hold">
+                                          <p:stCondLst>
+                                            <p:cond delay="0"/>
+                                          </p:stCondLst>
+                                        </p:cTn>
+                                        <p:tgtEl>
+                                          <p:spTgt spid="7"/>
+                                        </p:tgtEl>
+                                        <p:attrNameLst>
+                                          <p:attrName>style.visibility</p:attrName>
+                                        </p:attrNameLst>
+                                      </p:cBhvr>
+                                      <p:to>
+                                        <p:strVal val="visible"/>
+                                      </p:to>
+                                    </p:set>
+                                  </p:childTnLst>
+                                </p:cTn>
+                              </p:par>
+                            </p:childTnLst>
+                          </p:cTn>
+                        </p:par>
+                      </p:childTnLst>
+                    </p:cTn>
+                  </p:par>
+                  <p:par>
+                    <p:cTn id="7" fill="hold">
+                      <p:stCondLst>
+                        <p:cond delay="indefinite"/>
+                      </p:stCondLst>
+                      <p:childTnLst>
+                        <p:par>
+                          <p:cTn id="8" fill="hold">
+                            <p:stCondLst>
+                              <p:cond delay="0"/>
+                            </p:stCondLst>
+                            <p:childTnLst>
+                              <p:par>
+                                <p:cTn id="9" presetID="1" presetClass="entr" presetSubtype="0" fill="hold" nodeType="clickEffect">
+                                  <p:stCondLst>
+                                    <p:cond delay="0"/>
+                                  </p:stCondLst>
+                                  <p:childTnLst>
+                                    <p:set>
+                                      <p:cBhvr>
+                                        <p:cTn id="10" dur="1" fill="hold">
+                                          <p:stCondLst>
+                                            <p:cond delay="0"/>
+                                          </p:stCondLst>
+                                        </p:cTn>
+                                        <p:tgtEl>
+                                          <p:spTgt spid="8"/>
+                                        </p:tgtEl>
+                                        <p:attrNameLst>
+                                          <p:attrName>style.visibility</p:attrName>
+                                        </p:attrNameLst>
+                                      </p:cBhvr>
+                                      <p:to>
+                                        <p:strVal val="visible"/>
+                                      </p:to>
+                                    </p:set>
+                                  </p:childTnLst>
+                                </p:cTn>
+                              </p:par>
+                            </p:childTnLst>
+                          </p:cTn>
+                        </p:par>
+                      </p:childTnLst>
+                    </p:cTn>
+                  </p:par>
+                  <p:par>
+                    <p:cTn id="11" fill="hold">
+                      <p:stCondLst>
+                        <p:cond delay="indefinite"/>
+                      </p:stCondLst>
+                      <p:childTnLst>
+                        <p:par>
+                          <p:cTn id="12" fill="hold">
+                            <p:stCondLst>
+                              <p:cond delay="0"/>
+                            </p:stCondLst>
+                            <p:childTnLst>
+                              <p:par>
+                                <p:cTn id="13" presetID="1" presetClass="entr" presetSubtype="0" fill="hold" nodeType="clickEffect">
+                                  <p:stCondLst>
+                                    <p:cond delay="0"/>
+                                  </p:stCondLst>
+                                  <p:childTnLst>
+                                    <p:set>
+                                      <p:cBhvr>
+                                        <p:cTn id="14" dur="1" fill="hold">
+                                          <p:stCondLst>
+                                            <p:cond delay="0"/>
+                                          </p:stCondLst>
+                                        </p:cTn>
+                                        <p:tgtEl>
+                                          <p:spTgt spid="9"/>
+                                        </p:tgtEl>
+                                        <p:attrNameLst>
+                                          <p:attrName>style.visibility</p:attrName>
+                                        </p:attrNameLst>
+                                      </p:cBhvr>
+                                      <p:to>
+                                        <p:strVal val="visible"/>
+                                      </p:to>
+                                    </p:set>
+                                  </p:childTnLst>
+                                </p:cTn>
+                              </p:par>
+                            </p:childTnLst>
+                          </p:cTn>
+                        </p:par>
+                      </p:childTnLst>
+                    </p:cTn>
+                  </p:par>
+                  <p:par>
+                    <p:cTn id="15" fill="hold">
+                      <p:stCondLst>
+                        <p:cond delay="indefinite"/>
+                      </p:stCondLst>
+                      <p:childTnLst>
+                        <p:par>
+                          <p:cTn id="16" fill="hold">
+                            <p:stCondLst>
+                              <p:cond delay="0"/>
+                            </p:stCondLst>
+                            <p:childTnLst>
+                              <p:par>
+                                <p:cTn id="17" presetID="1" presetClass="entr" presetSubtype="0" fill="hold" nodeType="clickEffect">
+                                  <p:stCondLst>
+                                    <p:cond delay="0"/>
+                                  </p:stCondLst>
+                                  <p:childTnLst>
+                                    <p:set>
+                                      <p:cBhvr>
+                                        <p:cTn id="18" dur="1" fill="hold">
+                                          <p:stCondLst>
+                                            <p:cond delay="0"/>
+                                          </p:stCondLst>
+                                        </p:cTn>
+                                        <p:tgtEl>
+                                          <p:spTgt spid="10"/>
+                                        </p:tgtEl>
+                                        <p:attrNameLst>
+                                          <p:attrName>style.visibility</p:attrName>
+                                        </p:attrNameLst>
+                                      </p:cBhvr>
+                                      <p:to>
+                                        <p:strVal val="visible"/>
+                                      </p:to>
+                                    </p:set>
+                                  </p:childTnLst>
+                                </p:cTn>
+                              </p:par>
+                            </p:childTnLst>
+                          </p:cTn>
+                        </p:par>
+                      </p:childTnLst>
+                    </p:cTn>
+                  </p:par>
+                  <p:par>
+                    <p:cTn id="19" fill="hold">
+                      <p:stCondLst>
+                        <p:cond delay="indefinite"/>
+                      </p:stCondLst>
+                      <p:childTnLst>
+                        <p:par>
+                          <p:cTn id="20" fill="hold">
+                            <p:stCondLst>
+                              <p:cond delay="0"/>
+                            </p:stCondLst>
+                            <p:childTnLst>
+                              <p:par>
+                                <p:cTn id="21" presetID="1" presetClass="entr" presetSubtype="0" fill="hold" nodeType="clickEffect">
+                                  <p:stCondLst>
+                                    <p:cond delay="0"/>
+                                  </p:stCondLst>
+                                  <p:childTnLst>
+                                    <p:set>
+                                      <p:cBhvr>
+                                        <p:cTn id="22" dur="1" fill="hold">
+                                          <p:stCondLst>
+                                            <p:cond delay="0"/>
+                                          </p:stCondLst>
+                                        </p:cTn>
+                                        <p:tgtEl>
+                                          <p:spTgt spid="14"/>
+                                        </p:tgtEl>
+                                        <p:attrNameLst>
+                                          <p:attrName>style.visibility</p:attrName>
+                                        </p:attrNameLst>
+                                      </p:cBhvr>
+                                      <p:to>
+                                        <p:strVal val="visible"/>
+                                      </p:to>
+                                    </p:set>
+                                  </p:childTnLst>
+                                </p:cTn>
+                              </p:par>
+                            </p:childTnLst>
+                          </p:cTn>
+                        </p:par>
+                      </p:childTnLst>
+                    </p:cTn>
+                  </p:par>
+                  <p:par>
+                    <p:cTn id="23" fill="hold">
+                      <p:stCondLst>
+                        <p:cond delay="indefinite"/>
+                      </p:stCondLst>
+                      <p:childTnLst>
+                        <p:par>
+                          <p:cTn id="24" fill="hold">
+                            <p:stCondLst>
+                              <p:cond delay="0"/>
+                            </p:stCondLst>
+                            <p:childTnLst>
+                              <p:par>
+                                <p:cTn id="25" presetID="1" presetClass="entr" presetSubtype="0" fill="hold" nodeType="clickEffect">
+                                  <p:stCondLst>
+                                    <p:cond delay="0"/>
+                                  </p:stCondLst>
+                                  <p:childTnLst>
+                                    <p:set>
+                                      <p:cBhvr>
+                                        <p:cTn id="26" dur="1" fill="hold">
+                                          <p:stCondLst>
+                                            <p:cond delay="0"/>
+                                          </p:stCondLst>
+                                        </p:cTn>
+                                        <p:tgtEl>
+                                          <p:spTgt spid="5"/>
+                                        </p:tgtEl>
+                                        <p:attrNameLst>
+                                          <p:attrName>style.visibility</p:attrName>
+                                        </p:attrNameLst>
+                                      </p:cBhvr>
+                                      <p:to>
+                                        <p:strVal val="visible"/>
+                                      </p:to>
+                                    </p:set>
+                                  </p:childTnLst>
+                                </p:cTn>
+                              </p:par>
+                            </p:childTnLst>
+                          </p:cTn>
+                        </p:par>
+                      </p:childTnLst>
+                    </p:cTn>
+                  </p:par>
+                </p:childTnLst>
+              </p:cTn>
+              <p:prevCondLst>
+                <p:cond evt="onPrev" delay="0">
+                  <p:tgtEl>
+                    <p:sldTgt/>
+                  </p:tgtEl>
+                </p:cond>
+              </p:prevCondLst>
+              <p:nextCondLst>
+                <p:cond evt="onNext" delay="0">
+                  <p:tgtEl>
+                    <p:sldTgt/>
+                  </p:tgtEl>
+                </p:cond>
+              </p:nextCondLst>
+            </p:seq>
+          </p:childTnLst>
+        </p:cTn>
+      </p:par>
+    </p:tnLst>
+  </p:timing>
+</p:sld>
+</file>
+
+<file path=ppt/slides/slide7.xml><?xml version="1.0" encoding="utf-8"?>
+<p:sld xmlns:a="http://schemas.openxmlformats.org/drawingml/2006/main" xmlns:r="http://schemas.openxmlformats.org/officeDocument/2006/relationships" xmlns:p="http://schemas.openxmlformats.org/presentationml/2006/main">
+  <p:cSld>
+    <p:spTree>
+      <p:nvGrpSpPr>
+        <p:cNvPr id="1" name=""/>
+        <p:cNvGrpSpPr/>
+        <p:nvPr/>
+      </p:nvGrpSpPr>
+      <p:grpSpPr>
+        <a:xfrm>
+          <a:off x="0" y="0"/>
+          <a:ext cx="0" cy="0"/>
+          <a:chOff x="0" y="0"/>
+          <a:chExt cx="0" cy="0"/>
+        </a:xfrm>
+      </p:grpSpPr>
+      <p:sp>
+        <p:nvSpPr>
+          <p:cNvPr id="2" name="標題 1"/>
+          <p:cNvSpPr>
+            <a:spLocks noGrp="1"/>
+          </p:cNvSpPr>
+          <p:nvPr>
+            <p:ph type="title"/>
+          </p:nvPr>
+        </p:nvSpPr>
+        <p:spPr/>
+        <p:txBody>
+          <a:bodyPr/>
+          <a:lstStyle/>
+          <a:p>
+            <a:r>
+              <a:rPr lang="en-US" altLang="zh-TW" dirty="0" err="1" smtClean="0">
+                <a:latin typeface="微軟正黑體" panose="020B0604030504040204" pitchFamily="34" charset="-120"/>
+                <a:ea typeface="微軟正黑體" panose="020B0604030504040204" pitchFamily="34" charset="-120"/>
+              </a:rPr>
               <a:t>Diffie</a:t>
             </a:r>
             <a:r>
-              <a:rPr lang="zh-TW" altLang="en-US" dirty="0" smtClean="0"/>
+              <a:rPr lang="zh-TW" altLang="en-US" dirty="0" smtClean="0">
+                <a:latin typeface="微軟正黑體" panose="020B0604030504040204" pitchFamily="34" charset="-120"/>
+                <a:ea typeface="微軟正黑體" panose="020B0604030504040204" pitchFamily="34" charset="-120"/>
+              </a:rPr>
               <a:t> </a:t>
             </a:r>
             <a:r>
-              <a:rPr lang="en-US" altLang="zh-TW" dirty="0" smtClean="0"/>
+              <a:rPr lang="en-US" altLang="zh-TW" dirty="0" smtClean="0">
+                <a:latin typeface="微軟正黑體" panose="020B0604030504040204" pitchFamily="34" charset="-120"/>
+                <a:ea typeface="微軟正黑體" panose="020B0604030504040204" pitchFamily="34" charset="-120"/>
+              </a:rPr>
               <a:t>Hellman</a:t>
+            </a:r>
+            <a:r>
+              <a:rPr lang="zh-TW" altLang="en-US" dirty="0">
+                <a:latin typeface="微軟正黑體" panose="020B0604030504040204" pitchFamily="34" charset="-120"/>
+                <a:ea typeface="微軟正黑體" panose="020B0604030504040204" pitchFamily="34" charset="-120"/>
+              </a:rPr>
+              <a:t> </a:t>
+            </a:r>
+            <a:r>
+              <a:rPr lang="zh-TW" altLang="en-US" dirty="0" smtClean="0">
+                <a:latin typeface="微軟正黑體" panose="020B0604030504040204" pitchFamily="34" charset="-120"/>
+                <a:ea typeface="微軟正黑體" panose="020B0604030504040204" pitchFamily="34" charset="-120"/>
+              </a:rPr>
+              <a:t>金</a:t>
+            </a:r>
+            <a:r>
+              <a:rPr lang="zh-TW" altLang="en-US" dirty="0">
+                <a:latin typeface="微軟正黑體" panose="020B0604030504040204" pitchFamily="34" charset="-120"/>
+                <a:ea typeface="微軟正黑體" panose="020B0604030504040204" pitchFamily="34" charset="-120"/>
+              </a:rPr>
+              <a:t>鑰交換技術</a:t>
+            </a:r>
+          </a:p>
+        </p:txBody>
+      </p:sp>
+      <p:sp>
+        <p:nvSpPr>
+          <p:cNvPr id="3" name="內容版面配置區 2"/>
+          <p:cNvSpPr>
+            <a:spLocks noGrp="1"/>
+          </p:cNvSpPr>
+          <p:nvPr>
+            <p:ph idx="1"/>
+          </p:nvPr>
+        </p:nvSpPr>
+        <p:spPr/>
+        <p:txBody>
+          <a:bodyPr/>
+          <a:lstStyle/>
+          <a:p>
+            <a:r>
+              <a:rPr lang="zh-TW" altLang="en-US" dirty="0">
+                <a:latin typeface="微軟正黑體" panose="020B0604030504040204" pitchFamily="34" charset="-120"/>
+                <a:ea typeface="微軟正黑體" panose="020B0604030504040204" pitchFamily="34" charset="-120"/>
+              </a:rPr>
+              <a:t>金鑰</a:t>
+            </a:r>
+            <a:r>
+              <a:rPr lang="zh-TW" altLang="en-US" dirty="0" smtClean="0">
+                <a:latin typeface="微軟正黑體" panose="020B0604030504040204" pitchFamily="34" charset="-120"/>
+                <a:ea typeface="微軟正黑體" panose="020B0604030504040204" pitchFamily="34" charset="-120"/>
+              </a:rPr>
+              <a:t>交換</a:t>
+            </a:r>
+            <a:endParaRPr lang="en-US" altLang="zh-TW" dirty="0" smtClean="0">
+              <a:latin typeface="微軟正黑體" panose="020B0604030504040204" pitchFamily="34" charset="-120"/>
+              <a:ea typeface="微軟正黑體" panose="020B0604030504040204" pitchFamily="34" charset="-120"/>
+            </a:endParaRPr>
+          </a:p>
+          <a:p>
+            <a:r>
+              <a:rPr lang="zh-TW" altLang="en-US" dirty="0" smtClean="0">
+                <a:latin typeface="微軟正黑體" panose="020B0604030504040204" pitchFamily="34" charset="-120"/>
+                <a:ea typeface="微軟正黑體" panose="020B0604030504040204" pitchFamily="34" charset="-120"/>
+              </a:rPr>
+              <a:t>由 </a:t>
+            </a:r>
+            <a:r>
+              <a:rPr lang="en-US" altLang="zh-TW" dirty="0" err="1">
+                <a:latin typeface="微軟正黑體" panose="020B0604030504040204" pitchFamily="34" charset="-120"/>
+                <a:ea typeface="微軟正黑體" panose="020B0604030504040204" pitchFamily="34" charset="-120"/>
+              </a:rPr>
+              <a:t>Diffie</a:t>
+            </a:r>
+            <a:r>
+              <a:rPr lang="en-US" altLang="zh-TW" dirty="0">
+                <a:latin typeface="微軟正黑體" panose="020B0604030504040204" pitchFamily="34" charset="-120"/>
+                <a:ea typeface="微軟正黑體" panose="020B0604030504040204" pitchFamily="34" charset="-120"/>
+              </a:rPr>
+              <a:t> </a:t>
+            </a:r>
+            <a:r>
+              <a:rPr lang="zh-TW" altLang="en-US" dirty="0">
+                <a:latin typeface="微軟正黑體" panose="020B0604030504040204" pitchFamily="34" charset="-120"/>
+                <a:ea typeface="微軟正黑體" panose="020B0604030504040204" pitchFamily="34" charset="-120"/>
+              </a:rPr>
+              <a:t>與 </a:t>
+            </a:r>
+            <a:r>
+              <a:rPr lang="en-US" altLang="zh-TW" dirty="0">
+                <a:latin typeface="微軟正黑體" panose="020B0604030504040204" pitchFamily="34" charset="-120"/>
+                <a:ea typeface="微軟正黑體" panose="020B0604030504040204" pitchFamily="34" charset="-120"/>
+              </a:rPr>
+              <a:t>Hellman </a:t>
+            </a:r>
+            <a:r>
+              <a:rPr lang="zh-TW" altLang="en-US" dirty="0">
+                <a:latin typeface="微軟正黑體" panose="020B0604030504040204" pitchFamily="34" charset="-120"/>
+                <a:ea typeface="微軟正黑體" panose="020B0604030504040204" pitchFamily="34" charset="-120"/>
+              </a:rPr>
+              <a:t>於 </a:t>
+            </a:r>
+            <a:r>
+              <a:rPr lang="en-US" altLang="zh-TW" dirty="0">
+                <a:latin typeface="微軟正黑體" panose="020B0604030504040204" pitchFamily="34" charset="-120"/>
+                <a:ea typeface="微軟正黑體" panose="020B0604030504040204" pitchFamily="34" charset="-120"/>
+              </a:rPr>
+              <a:t>1976 </a:t>
+            </a:r>
+            <a:r>
+              <a:rPr lang="zh-TW" altLang="en-US" dirty="0">
+                <a:latin typeface="微軟正黑體" panose="020B0604030504040204" pitchFamily="34" charset="-120"/>
+                <a:ea typeface="微軟正黑體" panose="020B0604030504040204" pitchFamily="34" charset="-120"/>
+              </a:rPr>
+              <a:t>年</a:t>
+            </a:r>
+            <a:r>
+              <a:rPr lang="zh-TW" altLang="en-US" dirty="0" smtClean="0">
+                <a:latin typeface="微軟正黑體" panose="020B0604030504040204" pitchFamily="34" charset="-120"/>
+                <a:ea typeface="微軟正黑體" panose="020B0604030504040204" pitchFamily="34" charset="-120"/>
+              </a:rPr>
+              <a:t>提出</a:t>
+            </a:r>
+            <a:endParaRPr lang="en-US" altLang="zh-TW" dirty="0" smtClean="0">
+              <a:latin typeface="微軟正黑體" panose="020B0604030504040204" pitchFamily="34" charset="-120"/>
+              <a:ea typeface="微軟正黑體" panose="020B0604030504040204" pitchFamily="34" charset="-120"/>
+            </a:endParaRPr>
+          </a:p>
+          <a:p>
+            <a:r>
+              <a:rPr lang="zh-TW" altLang="en-US" dirty="0" smtClean="0">
+                <a:latin typeface="微軟正黑體" panose="020B0604030504040204" pitchFamily="34" charset="-120"/>
+                <a:ea typeface="微軟正黑體" panose="020B0604030504040204" pitchFamily="34" charset="-120"/>
+              </a:rPr>
+              <a:t>主要目的在於讓網路上未曾見面的雙方，可以</a:t>
+            </a:r>
+            <a:r>
+              <a:rPr lang="zh-TW" altLang="en-US" dirty="0" smtClean="0">
+                <a:latin typeface="微軟正黑體" panose="020B0604030504040204" pitchFamily="34" charset="-120"/>
+                <a:ea typeface="微軟正黑體" panose="020B0604030504040204" pitchFamily="34" charset="-120"/>
+              </a:rPr>
+              <a:t>透過</a:t>
+            </a:r>
+            <a:r>
+              <a:rPr lang="zh-TW" altLang="en-US" dirty="0" smtClean="0">
+                <a:latin typeface="微軟正黑體" panose="020B0604030504040204" pitchFamily="34" charset="-120"/>
+                <a:ea typeface="微軟正黑體" panose="020B0604030504040204" pitchFamily="34" charset="-120"/>
+              </a:rPr>
+              <a:t>取</a:t>
+            </a:r>
+            <a:r>
+              <a:rPr lang="zh-TW" altLang="en-US" dirty="0">
+                <a:latin typeface="微軟正黑體" panose="020B0604030504040204" pitchFamily="34" charset="-120"/>
+                <a:ea typeface="微軟正黑體" panose="020B0604030504040204" pitchFamily="34" charset="-120"/>
+              </a:rPr>
+              <a:t>模</a:t>
+            </a:r>
+            <a:r>
+              <a:rPr lang="zh-TW" altLang="en-US" dirty="0" smtClean="0">
+                <a:latin typeface="微軟正黑體" panose="020B0604030504040204" pitchFamily="34" charset="-120"/>
+                <a:ea typeface="微軟正黑體" panose="020B0604030504040204" pitchFamily="34" charset="-120"/>
+              </a:rPr>
+              <a:t>（</a:t>
+            </a:r>
+            <a:r>
+              <a:rPr lang="en-US" altLang="zh-TW" dirty="0" smtClean="0">
+                <a:latin typeface="微軟正黑體" panose="020B0604030504040204" pitchFamily="34" charset="-120"/>
+                <a:ea typeface="微軟正黑體" panose="020B0604030504040204" pitchFamily="34" charset="-120"/>
+              </a:rPr>
+              <a:t>modulo</a:t>
+            </a:r>
+            <a:r>
+              <a:rPr lang="zh-TW" altLang="en-US" dirty="0" smtClean="0">
+                <a:latin typeface="微軟正黑體" panose="020B0604030504040204" pitchFamily="34" charset="-120"/>
+                <a:ea typeface="微軟正黑體" panose="020B0604030504040204" pitchFamily="34" charset="-120"/>
+              </a:rPr>
+              <a:t>）運算，而使得雙方可以獲得相同的 交談金鑰（</a:t>
+            </a:r>
+            <a:r>
+              <a:rPr lang="en-US" altLang="zh-TW" dirty="0" smtClean="0">
+                <a:latin typeface="微軟正黑體" panose="020B0604030504040204" pitchFamily="34" charset="-120"/>
+                <a:ea typeface="微軟正黑體" panose="020B0604030504040204" pitchFamily="34" charset="-120"/>
+              </a:rPr>
+              <a:t>session key</a:t>
+            </a:r>
+            <a:r>
+              <a:rPr lang="zh-TW" altLang="en-US" dirty="0" smtClean="0">
+                <a:latin typeface="微軟正黑體" panose="020B0604030504040204" pitchFamily="34" charset="-120"/>
+                <a:ea typeface="微軟正黑體" panose="020B0604030504040204" pitchFamily="34" charset="-120"/>
+              </a:rPr>
+              <a:t>） </a:t>
+            </a:r>
+            <a:endParaRPr lang="en-US" altLang="zh-TW" dirty="0" smtClean="0">
+              <a:latin typeface="微軟正黑體" panose="020B0604030504040204" pitchFamily="34" charset="-120"/>
+              <a:ea typeface="微軟正黑體" panose="020B0604030504040204" pitchFamily="34" charset="-120"/>
+            </a:endParaRPr>
+          </a:p>
+          <a:p>
+            <a:r>
+              <a:rPr lang="zh-TW" altLang="en-US" dirty="0" smtClean="0">
+                <a:latin typeface="微軟正黑體" panose="020B0604030504040204" pitchFamily="34" charset="-120"/>
+                <a:ea typeface="微軟正黑體" panose="020B0604030504040204" pitchFamily="34" charset="-120"/>
+              </a:rPr>
+              <a:t>系統</a:t>
+            </a:r>
+            <a:r>
+              <a:rPr lang="zh-TW" altLang="en-US">
+                <a:latin typeface="微軟正黑體" panose="020B0604030504040204" pitchFamily="34" charset="-120"/>
+                <a:ea typeface="微軟正黑體" panose="020B0604030504040204" pitchFamily="34" charset="-120"/>
+              </a:rPr>
+              <a:t>安全</a:t>
+            </a:r>
+            <a:r>
+              <a:rPr lang="zh-TW" altLang="en-US" smtClean="0">
+                <a:latin typeface="微軟正黑體" panose="020B0604030504040204" pitchFamily="34" charset="-120"/>
+                <a:ea typeface="微軟正黑體" panose="020B0604030504040204" pitchFamily="34" charset="-120"/>
+              </a:rPr>
+              <a:t>性佳</a:t>
             </a:r>
             <a:endParaRPr lang="zh-TW" altLang="en-US" dirty="0">
               <a:latin typeface="微軟正黑體" panose="020B0604030504040204" pitchFamily="34" charset="-120"/>
               <a:ea typeface="微軟正黑體" panose="020B0604030504040204" pitchFamily="34" charset="-120"/>
             </a:endParaRPr>
-          </a:p>
-        </p:txBody>
-      </p:sp>
-      <p:sp>
-        <p:nvSpPr>
-          <p:cNvPr id="3" name="內容版面配置區 2"/>
-          <p:cNvSpPr>
-            <a:spLocks noGrp="1"/>
-          </p:cNvSpPr>
-          <p:nvPr>
-            <p:ph idx="1"/>
-          </p:nvPr>
-        </p:nvSpPr>
-        <p:spPr/>
-        <p:txBody>
-          <a:bodyPr/>
-          <a:lstStyle/>
-          <a:p>
-            <a:endParaRPr lang="zh-TW" altLang="en-US" dirty="0"/>
           </a:p>
         </p:txBody>
       </p:sp>
@@ -3798,13 +7508,412 @@
   <p:clrMapOvr>
     <a:masterClrMapping/>
   </p:clrMapOvr>
+  <p:timing>
+    <p:tnLst>
+      <p:par>
+        <p:cTn id="1" dur="indefinite" restart="never" nodeType="tmRoot"/>
+      </p:par>
+    </p:tnLst>
+  </p:timing>
+</p:sld>
+</file>
+
+<file path=ppt/slides/slide8.xml><?xml version="1.0" encoding="utf-8"?>
+<p:sld xmlns:a="http://schemas.openxmlformats.org/drawingml/2006/main" xmlns:r="http://schemas.openxmlformats.org/officeDocument/2006/relationships" xmlns:p="http://schemas.openxmlformats.org/presentationml/2006/main">
+  <p:cSld>
+    <p:spTree>
+      <p:nvGrpSpPr>
+        <p:cNvPr id="1" name=""/>
+        <p:cNvGrpSpPr/>
+        <p:nvPr/>
+      </p:nvGrpSpPr>
+      <p:grpSpPr>
+        <a:xfrm>
+          <a:off x="0" y="0"/>
+          <a:ext cx="0" cy="0"/>
+          <a:chOff x="0" y="0"/>
+          <a:chExt cx="0" cy="0"/>
+        </a:xfrm>
+      </p:grpSpPr>
+      <p:sp>
+        <p:nvSpPr>
+          <p:cNvPr id="2" name="標題 1"/>
+          <p:cNvSpPr>
+            <a:spLocks noGrp="1"/>
+          </p:cNvSpPr>
+          <p:nvPr>
+            <p:ph type="title"/>
+          </p:nvPr>
+        </p:nvSpPr>
+        <p:spPr/>
+        <p:txBody>
+          <a:bodyPr/>
+          <a:lstStyle/>
+          <a:p>
+            <a:r>
+              <a:rPr lang="zh-TW" altLang="en-US" dirty="0" smtClean="0">
+                <a:latin typeface="微軟正黑體" panose="020B0604030504040204" pitchFamily="34" charset="-120"/>
+                <a:ea typeface="微軟正黑體" panose="020B0604030504040204" pitchFamily="34" charset="-120"/>
+              </a:rPr>
+              <a:t>方法</a:t>
+            </a:r>
+            <a:endParaRPr lang="zh-TW" altLang="en-US" dirty="0">
+              <a:latin typeface="微軟正黑體" panose="020B0604030504040204" pitchFamily="34" charset="-120"/>
+              <a:ea typeface="微軟正黑體" panose="020B0604030504040204" pitchFamily="34" charset="-120"/>
+            </a:endParaRPr>
+          </a:p>
+        </p:txBody>
+      </p:sp>
+      <p:pic>
+        <p:nvPicPr>
+          <p:cNvPr id="6" name="內容版面配置區 5"/>
+          <p:cNvPicPr>
+            <a:picLocks noGrp="1" noChangeAspect="1"/>
+          </p:cNvPicPr>
+          <p:nvPr>
+            <p:ph idx="1"/>
+          </p:nvPr>
+        </p:nvPicPr>
+        <p:blipFill>
+          <a:blip r:embed="rId2">
+            <a:extLst>
+              <a:ext uri="{28A0092B-C50C-407E-A947-70E740481C1C}">
+                <a14:useLocalDpi xmlns:a14="http://schemas.microsoft.com/office/drawing/2010/main" val="0"/>
+              </a:ext>
+            </a:extLst>
+          </a:blip>
+          <a:stretch>
+            <a:fillRect/>
+          </a:stretch>
+        </p:blipFill>
+        <p:spPr>
+          <a:xfrm>
+            <a:off x="3141024" y="2667000"/>
+            <a:ext cx="5906777" cy="3124200"/>
+          </a:xfrm>
+        </p:spPr>
+      </p:pic>
+    </p:spTree>
+    <p:extLst>
+      <p:ext uri="{BB962C8B-B14F-4D97-AF65-F5344CB8AC3E}">
+        <p14:creationId xmlns:p14="http://schemas.microsoft.com/office/powerpoint/2010/main" val="1192591727"/>
+      </p:ext>
+    </p:extLst>
+  </p:cSld>
+  <p:clrMapOvr>
+    <a:masterClrMapping/>
+  </p:clrMapOvr>
+  <p:timing>
+    <p:tnLst>
+      <p:par>
+        <p:cTn id="1" dur="indefinite" restart="never" nodeType="tmRoot"/>
+      </p:par>
+    </p:tnLst>
+  </p:timing>
+</p:sld>
+</file>
+
+<file path=ppt/slides/slide9.xml><?xml version="1.0" encoding="utf-8"?>
+<p:sld xmlns:a="http://schemas.openxmlformats.org/drawingml/2006/main" xmlns:r="http://schemas.openxmlformats.org/officeDocument/2006/relationships" xmlns:p="http://schemas.openxmlformats.org/presentationml/2006/main">
+  <p:cSld>
+    <p:spTree>
+      <p:nvGrpSpPr>
+        <p:cNvPr id="1" name=""/>
+        <p:cNvGrpSpPr/>
+        <p:nvPr/>
+      </p:nvGrpSpPr>
+      <p:grpSpPr>
+        <a:xfrm>
+          <a:off x="0" y="0"/>
+          <a:ext cx="0" cy="0"/>
+          <a:chOff x="0" y="0"/>
+          <a:chExt cx="0" cy="0"/>
+        </a:xfrm>
+      </p:grpSpPr>
+      <p:sp>
+        <p:nvSpPr>
+          <p:cNvPr id="2" name="標題 1"/>
+          <p:cNvSpPr>
+            <a:spLocks noGrp="1"/>
+          </p:cNvSpPr>
+          <p:nvPr>
+            <p:ph type="title"/>
+          </p:nvPr>
+        </p:nvSpPr>
+        <p:spPr>
+          <a:xfrm>
+            <a:off x="838200" y="101600"/>
+            <a:ext cx="9905998" cy="1905000"/>
+          </a:xfrm>
+        </p:spPr>
+        <p:txBody>
+          <a:bodyPr/>
+          <a:lstStyle/>
+          <a:p>
+            <a:r>
+              <a:rPr lang="zh-TW" altLang="en-US" dirty="0" smtClean="0"/>
+              <a:t>程式碼</a:t>
+            </a:r>
+            <a:endParaRPr lang="zh-TW" altLang="en-US" dirty="0"/>
+          </a:p>
+        </p:txBody>
+      </p:sp>
+      <p:pic>
+        <p:nvPicPr>
+          <p:cNvPr id="7" name="內容版面配置區 6"/>
+          <p:cNvPicPr>
+            <a:picLocks noGrp="1" noChangeAspect="1"/>
+          </p:cNvPicPr>
+          <p:nvPr>
+            <p:ph idx="1"/>
+          </p:nvPr>
+        </p:nvPicPr>
+        <p:blipFill>
+          <a:blip r:embed="rId2"/>
+          <a:stretch>
+            <a:fillRect/>
+          </a:stretch>
+        </p:blipFill>
+        <p:spPr>
+          <a:xfrm>
+            <a:off x="838200" y="1690688"/>
+            <a:ext cx="5959356" cy="2781541"/>
+          </a:xfrm>
+          <a:prstGeom prst="rect">
+            <a:avLst/>
+          </a:prstGeom>
+        </p:spPr>
+      </p:pic>
+      <p:pic>
+        <p:nvPicPr>
+          <p:cNvPr id="8" name="圖片 7"/>
+          <p:cNvPicPr>
+            <a:picLocks noChangeAspect="1"/>
+          </p:cNvPicPr>
+          <p:nvPr/>
+        </p:nvPicPr>
+        <p:blipFill>
+          <a:blip r:embed="rId3"/>
+          <a:stretch>
+            <a:fillRect/>
+          </a:stretch>
+        </p:blipFill>
+        <p:spPr>
+          <a:xfrm>
+            <a:off x="666735" y="4735750"/>
+            <a:ext cx="6302286" cy="1836579"/>
+          </a:xfrm>
+          <a:prstGeom prst="rect">
+            <a:avLst/>
+          </a:prstGeom>
+        </p:spPr>
+      </p:pic>
+      <p:pic>
+        <p:nvPicPr>
+          <p:cNvPr id="9" name="圖片 8"/>
+          <p:cNvPicPr>
+            <a:picLocks noChangeAspect="1"/>
+          </p:cNvPicPr>
+          <p:nvPr/>
+        </p:nvPicPr>
+        <p:blipFill>
+          <a:blip r:embed="rId4"/>
+          <a:stretch>
+            <a:fillRect/>
+          </a:stretch>
+        </p:blipFill>
+        <p:spPr>
+          <a:xfrm>
+            <a:off x="7273821" y="3203997"/>
+            <a:ext cx="4587638" cy="1531753"/>
+          </a:xfrm>
+          <a:prstGeom prst="rect">
+            <a:avLst/>
+          </a:prstGeom>
+        </p:spPr>
+      </p:pic>
+    </p:spTree>
+    <p:extLst>
+      <p:ext uri="{BB962C8B-B14F-4D97-AF65-F5344CB8AC3E}">
+        <p14:creationId xmlns:p14="http://schemas.microsoft.com/office/powerpoint/2010/main" val="3403030499"/>
+      </p:ext>
+    </p:extLst>
+  </p:cSld>
+  <p:clrMapOvr>
+    <a:masterClrMapping/>
+  </p:clrMapOvr>
+  <p:timing>
+    <p:tnLst>
+      <p:par>
+        <p:cTn id="1" dur="indefinite" restart="never" nodeType="tmRoot">
+          <p:childTnLst>
+            <p:seq concurrent="1" nextAc="seek">
+              <p:cTn id="2" dur="indefinite" nodeType="mainSeq">
+                <p:childTnLst>
+                  <p:par>
+                    <p:cTn id="3" fill="hold">
+                      <p:stCondLst>
+                        <p:cond delay="indefinite"/>
+                      </p:stCondLst>
+                      <p:childTnLst>
+                        <p:par>
+                          <p:cTn id="4" fill="hold">
+                            <p:stCondLst>
+                              <p:cond delay="0"/>
+                            </p:stCondLst>
+                            <p:childTnLst>
+                              <p:par>
+                                <p:cTn id="5" presetID="1" presetClass="entr" presetSubtype="0" fill="hold" nodeType="clickEffect">
+                                  <p:stCondLst>
+                                    <p:cond delay="0"/>
+                                  </p:stCondLst>
+                                  <p:childTnLst>
+                                    <p:set>
+                                      <p:cBhvr>
+                                        <p:cTn id="6" dur="1" fill="hold">
+                                          <p:stCondLst>
+                                            <p:cond delay="0"/>
+                                          </p:stCondLst>
+                                        </p:cTn>
+                                        <p:tgtEl>
+                                          <p:spTgt spid="7"/>
+                                        </p:tgtEl>
+                                        <p:attrNameLst>
+                                          <p:attrName>style.visibility</p:attrName>
+                                        </p:attrNameLst>
+                                      </p:cBhvr>
+                                      <p:to>
+                                        <p:strVal val="visible"/>
+                                      </p:to>
+                                    </p:set>
+                                  </p:childTnLst>
+                                </p:cTn>
+                              </p:par>
+                            </p:childTnLst>
+                          </p:cTn>
+                        </p:par>
+                      </p:childTnLst>
+                    </p:cTn>
+                  </p:par>
+                  <p:par>
+                    <p:cTn id="7" fill="hold">
+                      <p:stCondLst>
+                        <p:cond delay="indefinite"/>
+                      </p:stCondLst>
+                      <p:childTnLst>
+                        <p:par>
+                          <p:cTn id="8" fill="hold">
+                            <p:stCondLst>
+                              <p:cond delay="0"/>
+                            </p:stCondLst>
+                            <p:childTnLst>
+                              <p:par>
+                                <p:cTn id="9" presetID="1" presetClass="entr" presetSubtype="0" fill="hold" nodeType="clickEffect">
+                                  <p:stCondLst>
+                                    <p:cond delay="0"/>
+                                  </p:stCondLst>
+                                  <p:childTnLst>
+                                    <p:set>
+                                      <p:cBhvr>
+                                        <p:cTn id="10" dur="1" fill="hold">
+                                          <p:stCondLst>
+                                            <p:cond delay="0"/>
+                                          </p:stCondLst>
+                                        </p:cTn>
+                                        <p:tgtEl>
+                                          <p:spTgt spid="8"/>
+                                        </p:tgtEl>
+                                        <p:attrNameLst>
+                                          <p:attrName>style.visibility</p:attrName>
+                                        </p:attrNameLst>
+                                      </p:cBhvr>
+                                      <p:to>
+                                        <p:strVal val="visible"/>
+                                      </p:to>
+                                    </p:set>
+                                  </p:childTnLst>
+                                </p:cTn>
+                              </p:par>
+                            </p:childTnLst>
+                          </p:cTn>
+                        </p:par>
+                      </p:childTnLst>
+                    </p:cTn>
+                  </p:par>
+                  <p:par>
+                    <p:cTn id="11" fill="hold">
+                      <p:stCondLst>
+                        <p:cond delay="indefinite"/>
+                      </p:stCondLst>
+                      <p:childTnLst>
+                        <p:par>
+                          <p:cTn id="12" fill="hold">
+                            <p:stCondLst>
+                              <p:cond delay="0"/>
+                            </p:stCondLst>
+                            <p:childTnLst>
+                              <p:par>
+                                <p:cTn id="13" presetID="1" presetClass="entr" presetSubtype="0" fill="hold" nodeType="clickEffect">
+                                  <p:stCondLst>
+                                    <p:cond delay="0"/>
+                                  </p:stCondLst>
+                                  <p:childTnLst>
+                                    <p:set>
+                                      <p:cBhvr>
+                                        <p:cTn id="14" dur="1" fill="hold">
+                                          <p:stCondLst>
+                                            <p:cond delay="0"/>
+                                          </p:stCondLst>
+                                        </p:cTn>
+                                        <p:tgtEl>
+                                          <p:spTgt spid="9"/>
+                                        </p:tgtEl>
+                                        <p:attrNameLst>
+                                          <p:attrName>style.visibility</p:attrName>
+                                        </p:attrNameLst>
+                                      </p:cBhvr>
+                                      <p:to>
+                                        <p:strVal val="visible"/>
+                                      </p:to>
+                                    </p:set>
+                                  </p:childTnLst>
+                                </p:cTn>
+                              </p:par>
+                            </p:childTnLst>
+                          </p:cTn>
+                        </p:par>
+                      </p:childTnLst>
+                    </p:cTn>
+                  </p:par>
+                </p:childTnLst>
+              </p:cTn>
+              <p:prevCondLst>
+                <p:cond evt="onPrev" delay="0">
+                  <p:tgtEl>
+                    <p:sldTgt/>
+                  </p:tgtEl>
+                </p:cond>
+              </p:prevCondLst>
+              <p:nextCondLst>
+                <p:cond evt="onNext" delay="0">
+                  <p:tgtEl>
+                    <p:sldTgt/>
+                  </p:tgtEl>
+                </p:cond>
+              </p:nextCondLst>
+            </p:seq>
+          </p:childTnLst>
+        </p:cTn>
+      </p:par>
+    </p:tnLst>
+  </p:timing>
 </p:sld>
 </file>
 
 <file path=ppt/theme/theme1.xml><?xml version="1.0" encoding="utf-8"?>
-<a:theme xmlns:a="http://schemas.openxmlformats.org/drawingml/2006/main" name="Office 佈景主題">
+<a:theme xmlns:a="http://schemas.openxmlformats.org/drawingml/2006/main" name="網狀">
   <a:themeElements>
-    <a:clrScheme name="Office">
+    <a:clrScheme name="網狀">
       <a:dk1>
         <a:sysClr val="windowText" lastClr="000000"/>
       </a:dk1>
@@ -3812,83 +7921,48 @@
         <a:sysClr val="window" lastClr="FFFFFF"/>
       </a:lt1>
       <a:dk2>
-        <a:srgbClr val="44546A"/>
+        <a:srgbClr val="363D46"/>
       </a:dk2>
       <a:lt2>
-        <a:srgbClr val="E7E6E6"/>
+        <a:srgbClr val="EBEBEB"/>
       </a:lt2>
       <a:accent1>
-        <a:srgbClr val="5B9BD5"/>
+        <a:srgbClr val="6F6F6F"/>
       </a:accent1>
       <a:accent2>
-        <a:srgbClr val="ED7D31"/>
+        <a:srgbClr val="BFBFA5"/>
       </a:accent2>
       <a:accent3>
-        <a:srgbClr val="A5A5A5"/>
+        <a:srgbClr val="DCD084"/>
       </a:accent3>
       <a:accent4>
-        <a:srgbClr val="FFC000"/>
+        <a:srgbClr val="E7BF5F"/>
       </a:accent4>
       <a:accent5>
-        <a:srgbClr val="4472C4"/>
+        <a:srgbClr val="E9A039"/>
       </a:accent5>
       <a:accent6>
-        <a:srgbClr val="70AD47"/>
+        <a:srgbClr val="CF7133"/>
       </a:accent6>
       <a:hlink>
-        <a:srgbClr val="0563C1"/>
+        <a:srgbClr val="F28943"/>
       </a:hlink>
       <a:folHlink>
-        <a:srgbClr val="954F72"/>
+        <a:srgbClr val="F1B76C"/>
       </a:folHlink>
     </a:clrScheme>
-    <a:fontScheme name="Office">
+    <a:fontScheme name="網狀">
       <a:majorFont>
-        <a:latin typeface="Calibri Light" panose="020F0302020204030204"/>
+        <a:latin typeface="Century Gothic" panose="020B0502020202020204"/>
         <a:ea typeface=""/>
         <a:cs typeface=""/>
-        <a:font script="Jpan" typeface="游ゴシック Light"/>
+        <a:font script="Jpan" typeface="ＭＳ ゴシック"/>
         <a:font script="Hang" typeface="맑은 고딕"/>
-        <a:font script="Hans" typeface="等线 Light"/>
+        <a:font script="Hans" typeface="宋体"/>
         <a:font script="Hant" typeface="新細明體"/>
-        <a:font script="Arab" typeface="Times New Roman"/>
-        <a:font script="Hebr" typeface="Times New Roman"/>
-        <a:font script="Thai" typeface="Angsana New"/>
-        <a:font script="Ethi" typeface="Nyala"/>
-        <a:font script="Beng" typeface="Vrinda"/>
-        <a:font script="Gujr" typeface="Shruti"/>
-        <a:font script="Khmr" typeface="MoolBoran"/>
-        <a:font script="Knda" typeface="Tunga"/>
-        <a:font script="Guru" typeface="Raavi"/>
-        <a:font script="Cans" typeface="Euphemia"/>
-        <a:font script="Cher" typeface="Plantagenet Cherokee"/>
-        <a:font script="Yiii" typeface="Microsoft Yi Baiti"/>
-        <a:font script="Tibt" typeface="Microsoft Himalaya"/>
-        <a:font script="Thaa" typeface="MV Boli"/>
-        <a:font script="Deva" typeface="Mangal"/>
-        <a:font script="Telu" typeface="Gautami"/>
-        <a:font script="Taml" typeface="Latha"/>
-        <a:font script="Syrc" typeface="Estrangelo Edessa"/>
-        <a:font script="Orya" typeface="Kalinga"/>
-        <a:font script="Mlym" typeface="Kartika"/>
-        <a:font script="Laoo" typeface="DokChampa"/>
-        <a:font script="Sinh" typeface="Iskoola Pota"/>
-        <a:font script="Mong" typeface="Mongolian Baiti"/>
-        <a:font script="Viet" typeface="Times New Roman"/>
-        <a:font script="Uigh" typeface="Microsoft Uighur"/>
-        <a:font script="Geor" typeface="Sylfaen"/>
-      </a:majorFont>
-      <a:minorFont>
-        <a:latin typeface="Calibri" panose="020F0502020204030204"/>
-        <a:ea typeface=""/>
-        <a:cs typeface=""/>
-        <a:font script="Jpan" typeface="游ゴシック"/>
-        <a:font script="Hang" typeface="맑은 고딕"/>
-        <a:font script="Hans" typeface="等线"/>
-        <a:font script="Hant" typeface="新細明體"/>
-        <a:font script="Arab" typeface="Arial"/>
-        <a:font script="Hebr" typeface="Arial"/>
-        <a:font script="Thai" typeface="Cordia New"/>
+        <a:font script="Arab" typeface="Tahoma"/>
+        <a:font script="Hebr" typeface="Gisha"/>
+        <a:font script="Thai" typeface="DilleniaUPC"/>
         <a:font script="Ethi" typeface="Nyala"/>
         <a:font script="Beng" typeface="Vrinda"/>
         <a:font script="Gujr" typeface="Shruti"/>
@@ -3909,12 +7983,47 @@
         <a:font script="Laoo" typeface="DokChampa"/>
         <a:font script="Sinh" typeface="Iskoola Pota"/>
         <a:font script="Mong" typeface="Mongolian Baiti"/>
-        <a:font script="Viet" typeface="Arial"/>
+        <a:font script="Viet" typeface="Tahoma"/>
+        <a:font script="Uigh" typeface="Microsoft Uighur"/>
+        <a:font script="Geor" typeface="Sylfaen"/>
+      </a:majorFont>
+      <a:minorFont>
+        <a:latin typeface="Century Gothic" panose="020B0502020202020204"/>
+        <a:ea typeface=""/>
+        <a:cs typeface=""/>
+        <a:font script="Jpan" typeface="ＭＳ ゴシック"/>
+        <a:font script="Hang" typeface="맑은 고딕"/>
+        <a:font script="Hans" typeface="宋体"/>
+        <a:font script="Hant" typeface="新細明體"/>
+        <a:font script="Arab" typeface="Tahoma"/>
+        <a:font script="Hebr" typeface="Gisha"/>
+        <a:font script="Thai" typeface="DilleniaUPC"/>
+        <a:font script="Ethi" typeface="Nyala"/>
+        <a:font script="Beng" typeface="Vrinda"/>
+        <a:font script="Gujr" typeface="Shruti"/>
+        <a:font script="Khmr" typeface="DaunPenh"/>
+        <a:font script="Knda" typeface="Tunga"/>
+        <a:font script="Guru" typeface="Raavi"/>
+        <a:font script="Cans" typeface="Euphemia"/>
+        <a:font script="Cher" typeface="Plantagenet Cherokee"/>
+        <a:font script="Yiii" typeface="Microsoft Yi Baiti"/>
+        <a:font script="Tibt" typeface="Microsoft Himalaya"/>
+        <a:font script="Thaa" typeface="MV Boli"/>
+        <a:font script="Deva" typeface="Mangal"/>
+        <a:font script="Telu" typeface="Gautami"/>
+        <a:font script="Taml" typeface="Latha"/>
+        <a:font script="Syrc" typeface="Estrangelo Edessa"/>
+        <a:font script="Orya" typeface="Kalinga"/>
+        <a:font script="Mlym" typeface="Kartika"/>
+        <a:font script="Laoo" typeface="DokChampa"/>
+        <a:font script="Sinh" typeface="Iskoola Pota"/>
+        <a:font script="Mong" typeface="Mongolian Baiti"/>
+        <a:font script="Viet" typeface="Verdana"/>
         <a:font script="Uigh" typeface="Microsoft Uighur"/>
         <a:font script="Geor" typeface="Sylfaen"/>
       </a:minorFont>
     </a:fontScheme>
-    <a:fmtScheme name="Office">
+    <a:fmtScheme name="網狀">
       <a:fillStyleLst>
         <a:solidFill>
           <a:schemeClr val="phClr"/>
@@ -3923,23 +8032,13 @@
           <a:gsLst>
             <a:gs pos="0">
               <a:schemeClr val="phClr">
+                <a:tint val="60000"/>
                 <a:lumMod val="110000"/>
-                <a:satMod val="105000"/>
-                <a:tint val="67000"/>
-              </a:schemeClr>
-            </a:gs>
-            <a:gs pos="50000">
-              <a:schemeClr val="phClr">
-                <a:lumMod val="105000"/>
-                <a:satMod val="103000"/>
-                <a:tint val="73000"/>
               </a:schemeClr>
             </a:gs>
             <a:gs pos="100000">
               <a:schemeClr val="phClr">
-                <a:lumMod val="105000"/>
-                <a:satMod val="109000"/>
-                <a:tint val="81000"/>
+                <a:tint val="82000"/>
               </a:schemeClr>
             </a:gs>
           </a:gsLst>
@@ -3949,23 +8048,14 @@
           <a:gsLst>
             <a:gs pos="0">
               <a:schemeClr val="phClr">
-                <a:satMod val="103000"/>
-                <a:lumMod val="102000"/>
-                <a:tint val="94000"/>
-              </a:schemeClr>
-            </a:gs>
-            <a:gs pos="50000">
-              <a:schemeClr val="phClr">
-                <a:satMod val="110000"/>
-                <a:lumMod val="100000"/>
-                <a:shade val="100000"/>
+                <a:tint val="96000"/>
+                <a:lumMod val="104000"/>
               </a:schemeClr>
             </a:gs>
             <a:gs pos="100000">
               <a:schemeClr val="phClr">
-                <a:lumMod val="99000"/>
-                <a:satMod val="120000"/>
-                <a:shade val="78000"/>
+                <a:shade val="84000"/>
+                <a:lumMod val="84000"/>
               </a:schemeClr>
             </a:gs>
           </a:gsLst>
@@ -3973,26 +8063,23 @@
         </a:gradFill>
       </a:fillStyleLst>
       <a:lnStyleLst>
-        <a:ln w="6350" cap="flat" cmpd="sng" algn="ctr">
+        <a:ln w="9525" cap="rnd" cmpd="sng" algn="ctr">
           <a:solidFill>
             <a:schemeClr val="phClr"/>
           </a:solidFill>
           <a:prstDash val="solid"/>
-          <a:miter lim="800000"/>
         </a:ln>
-        <a:ln w="12700" cap="flat" cmpd="sng" algn="ctr">
+        <a:ln w="19050" cap="rnd" cmpd="sng" algn="ctr">
           <a:solidFill>
             <a:schemeClr val="phClr"/>
           </a:solidFill>
           <a:prstDash val="solid"/>
-          <a:miter lim="800000"/>
         </a:ln>
-        <a:ln w="19050" cap="flat" cmpd="sng" algn="ctr">
+        <a:ln w="25400" cap="rnd" cmpd="sng" algn="ctr">
           <a:solidFill>
             <a:schemeClr val="phClr"/>
           </a:solidFill>
           <a:prstDash val="solid"/>
-          <a:miter lim="800000"/>
         </a:ln>
       </a:lnStyleLst>
       <a:effectStyleLst>
@@ -4000,55 +8087,72 @@
           <a:effectLst/>
         </a:effectStyle>
         <a:effectStyle>
-          <a:effectLst/>
+          <a:effectLst>
+            <a:innerShdw blurRad="50800" dist="25400" dir="13500000">
+              <a:srgbClr val="000000">
+                <a:alpha val="55000"/>
+              </a:srgbClr>
+            </a:innerShdw>
+          </a:effectLst>
         </a:effectStyle>
         <a:effectStyle>
           <a:effectLst>
-            <a:outerShdw blurRad="57150" dist="19050" dir="5400000" algn="ctr" rotWithShape="0">
+            <a:outerShdw blurRad="50800" dist="38100" dir="5400000" rotWithShape="0">
               <a:srgbClr val="000000">
-                <a:alpha val="63000"/>
+                <a:alpha val="60000"/>
               </a:srgbClr>
             </a:outerShdw>
           </a:effectLst>
+          <a:scene3d>
+            <a:camera prst="orthographicFront">
+              <a:rot lat="0" lon="0" rev="0"/>
+            </a:camera>
+            <a:lightRig rig="threePt" dir="tl"/>
+          </a:scene3d>
+          <a:sp3d>
+            <a:bevelT w="25400" h="25400" prst="slope"/>
+          </a:sp3d>
         </a:effectStyle>
       </a:effectStyleLst>
       <a:bgFillStyleLst>
         <a:solidFill>
           <a:schemeClr val="phClr"/>
         </a:solidFill>
-        <a:solidFill>
-          <a:schemeClr val="phClr">
-            <a:tint val="95000"/>
-            <a:satMod val="170000"/>
-          </a:schemeClr>
-        </a:solidFill>
         <a:gradFill rotWithShape="1">
           <a:gsLst>
             <a:gs pos="0">
               <a:schemeClr val="phClr">
-                <a:tint val="93000"/>
-                <a:satMod val="150000"/>
-                <a:shade val="98000"/>
-                <a:lumMod val="102000"/>
-              </a:schemeClr>
-            </a:gs>
-            <a:gs pos="50000">
-              <a:schemeClr val="phClr">
-                <a:tint val="98000"/>
-                <a:satMod val="130000"/>
-                <a:shade val="90000"/>
-                <a:lumMod val="103000"/>
+                <a:tint val="90000"/>
+                <a:lumMod val="110000"/>
               </a:schemeClr>
             </a:gs>
             <a:gs pos="100000">
               <a:schemeClr val="phClr">
-                <a:shade val="63000"/>
-                <a:satMod val="120000"/>
+                <a:shade val="64000"/>
+                <a:lumMod val="98000"/>
               </a:schemeClr>
             </a:gs>
           </a:gsLst>
           <a:lin ang="5400000" scaled="0"/>
         </a:gradFill>
+        <a:blipFill rotWithShape="1">
+          <a:blip xmlns:r="http://schemas.openxmlformats.org/officeDocument/2006/relationships" r:embed="rId1">
+            <a:duotone>
+              <a:schemeClr val="phClr">
+                <a:shade val="28000"/>
+                <a:satMod val="94000"/>
+                <a:lumMod val="20000"/>
+              </a:schemeClr>
+              <a:schemeClr val="phClr">
+                <a:tint val="94000"/>
+                <a:shade val="84000"/>
+                <a:satMod val="148000"/>
+                <a:lumMod val="114000"/>
+              </a:schemeClr>
+            </a:duotone>
+          </a:blip>
+          <a:stretch/>
+        </a:blipFill>
       </a:bgFillStyleLst>
     </a:fmtScheme>
   </a:themeElements>
@@ -4056,7 +8160,7 @@
   <a:extraClrSchemeLst/>
   <a:extLst>
     <a:ext uri="{05A4C25C-085E-4340-85A3-A5531E510DB2}">
-      <thm15:themeFamily xmlns:thm15="http://schemas.microsoft.com/office/thememl/2012/main" name="Office Theme" id="{62F939B6-93AF-4DB8-9C6B-D6C7DFDC589F}" vid="{4A3C46E8-61CC-4603-A589-7422A47A8E4A}"/>
+      <thm15:themeFamily xmlns:thm15="http://schemas.microsoft.com/office/thememl/2012/main" name="Mesh" id="{789EC3FE-34FD-429C-9918-760025E6C145}" vid="{B8BE45C0-8141-4D58-8C71-A009BC26FBBB}"/>
     </a:ext>
   </a:extLst>
 </a:theme>
